--- a/latex/Inforum/slides/presentation.pptx
+++ b/latex/Inforum/slides/presentation.pptx
@@ -4,8 +4,18 @@
   <p:sldMasterIdLst>
     <p:sldMasterId id="2147483648" r:id="rId1"/>
   </p:sldMasterIdLst>
+  <p:notesMasterIdLst>
+    <p:notesMasterId r:id="rId10"/>
+  </p:notesMasterIdLst>
   <p:sldIdLst>
     <p:sldId id="256" r:id="rId2"/>
+    <p:sldId id="262" r:id="rId3"/>
+    <p:sldId id="263" r:id="rId4"/>
+    <p:sldId id="257" r:id="rId5"/>
+    <p:sldId id="258" r:id="rId6"/>
+    <p:sldId id="259" r:id="rId7"/>
+    <p:sldId id="260" r:id="rId8"/>
+    <p:sldId id="261" r:id="rId9"/>
   </p:sldIdLst>
   <p:sldSz cx="12192000" cy="6858000"/>
   <p:notesSz cx="6858000" cy="9144000"/>
@@ -104,7 +114,938 @@
       </a:defRPr>
     </a:lvl9pPr>
   </p:defaultTextStyle>
+  <p:extLst>
+    <p:ext uri="{EFAFB233-063F-42B5-8137-9DF3F51BA10A}">
+      <p15:sldGuideLst xmlns:p15="http://schemas.microsoft.com/office/powerpoint/2012/main"/>
+    </p:ext>
+  </p:extLst>
 </p:presentation>
+</file>
+
+<file path=ppt/notesMasters/notesMaster1.xml><?xml version="1.0" encoding="utf-8"?>
+<p:notesMaster xmlns:a="http://schemas.openxmlformats.org/drawingml/2006/main" xmlns:r="http://schemas.openxmlformats.org/officeDocument/2006/relationships" xmlns:p="http://schemas.openxmlformats.org/presentationml/2006/main">
+  <p:cSld>
+    <p:bg>
+      <p:bgRef idx="1001">
+        <a:schemeClr val="bg1"/>
+      </p:bgRef>
+    </p:bg>
+    <p:spTree>
+      <p:nvGrpSpPr>
+        <p:cNvPr id="1" name=""/>
+        <p:cNvGrpSpPr/>
+        <p:nvPr/>
+      </p:nvGrpSpPr>
+      <p:grpSpPr>
+        <a:xfrm>
+          <a:off x="0" y="0"/>
+          <a:ext cx="0" cy="0"/>
+          <a:chOff x="0" y="0"/>
+          <a:chExt cx="0" cy="0"/>
+        </a:xfrm>
+      </p:grpSpPr>
+      <p:sp>
+        <p:nvSpPr>
+          <p:cNvPr id="2" name="Header Placeholder 1"/>
+          <p:cNvSpPr>
+            <a:spLocks noGrp="1"/>
+          </p:cNvSpPr>
+          <p:nvPr>
+            <p:ph type="hdr" sz="quarter"/>
+          </p:nvPr>
+        </p:nvSpPr>
+        <p:spPr>
+          <a:xfrm>
+            <a:off x="0" y="0"/>
+            <a:ext cx="2971800" cy="458788"/>
+          </a:xfrm>
+          <a:prstGeom prst="rect">
+            <a:avLst/>
+          </a:prstGeom>
+        </p:spPr>
+        <p:txBody>
+          <a:bodyPr vert="horz" lIns="91440" tIns="45720" rIns="91440" bIns="45720" rtlCol="0"/>
+          <a:lstStyle>
+            <a:lvl1pPr algn="l">
+              <a:defRPr sz="1200"/>
+            </a:lvl1pPr>
+          </a:lstStyle>
+          <a:p>
+            <a:endParaRPr lang="en-US"/>
+          </a:p>
+        </p:txBody>
+      </p:sp>
+      <p:sp>
+        <p:nvSpPr>
+          <p:cNvPr id="3" name="Date Placeholder 2"/>
+          <p:cNvSpPr>
+            <a:spLocks noGrp="1"/>
+          </p:cNvSpPr>
+          <p:nvPr>
+            <p:ph type="dt" idx="1"/>
+          </p:nvPr>
+        </p:nvSpPr>
+        <p:spPr>
+          <a:xfrm>
+            <a:off x="3884613" y="0"/>
+            <a:ext cx="2971800" cy="458788"/>
+          </a:xfrm>
+          <a:prstGeom prst="rect">
+            <a:avLst/>
+          </a:prstGeom>
+        </p:spPr>
+        <p:txBody>
+          <a:bodyPr vert="horz" lIns="91440" tIns="45720" rIns="91440" bIns="45720" rtlCol="0"/>
+          <a:lstStyle>
+            <a:lvl1pPr algn="r">
+              <a:defRPr sz="1200"/>
+            </a:lvl1pPr>
+          </a:lstStyle>
+          <a:p>
+            <a:fld id="{09FCF1CA-1EF4-8541-88C2-7128EDC81E2C}" type="datetimeFigureOut">
+              <a:rPr lang="en-US" smtClean="0"/>
+              <a:t>9/2/24</a:t>
+            </a:fld>
+            <a:endParaRPr lang="en-US"/>
+          </a:p>
+        </p:txBody>
+      </p:sp>
+      <p:sp>
+        <p:nvSpPr>
+          <p:cNvPr id="4" name="Slide Image Placeholder 3"/>
+          <p:cNvSpPr>
+            <a:spLocks noGrp="1" noRot="1" noChangeAspect="1"/>
+          </p:cNvSpPr>
+          <p:nvPr>
+            <p:ph type="sldImg" idx="2"/>
+          </p:nvPr>
+        </p:nvSpPr>
+        <p:spPr>
+          <a:xfrm>
+            <a:off x="685800" y="1143000"/>
+            <a:ext cx="5486400" cy="3086100"/>
+          </a:xfrm>
+          <a:prstGeom prst="rect">
+            <a:avLst/>
+          </a:prstGeom>
+          <a:noFill/>
+          <a:ln w="12700">
+            <a:solidFill>
+              <a:prstClr val="black"/>
+            </a:solidFill>
+          </a:ln>
+        </p:spPr>
+        <p:txBody>
+          <a:bodyPr vert="horz" lIns="91440" tIns="45720" rIns="91440" bIns="45720" rtlCol="0" anchor="ctr"/>
+          <a:lstStyle/>
+          <a:p>
+            <a:endParaRPr lang="en-US"/>
+          </a:p>
+        </p:txBody>
+      </p:sp>
+      <p:sp>
+        <p:nvSpPr>
+          <p:cNvPr id="5" name="Notes Placeholder 4"/>
+          <p:cNvSpPr>
+            <a:spLocks noGrp="1"/>
+          </p:cNvSpPr>
+          <p:nvPr>
+            <p:ph type="body" sz="quarter" idx="3"/>
+          </p:nvPr>
+        </p:nvSpPr>
+        <p:spPr>
+          <a:xfrm>
+            <a:off x="685800" y="4400550"/>
+            <a:ext cx="5486400" cy="3600450"/>
+          </a:xfrm>
+          <a:prstGeom prst="rect">
+            <a:avLst/>
+          </a:prstGeom>
+        </p:spPr>
+        <p:txBody>
+          <a:bodyPr vert="horz" lIns="91440" tIns="45720" rIns="91440" bIns="45720" rtlCol="0"/>
+          <a:lstStyle/>
+          <a:p>
+            <a:pPr lvl="0"/>
+            <a:r>
+              <a:rPr lang="en-US"/>
+              <a:t>Click to edit Master text styles</a:t>
+            </a:r>
+          </a:p>
+          <a:p>
+            <a:pPr lvl="1"/>
+            <a:r>
+              <a:rPr lang="en-US"/>
+              <a:t>Second level</a:t>
+            </a:r>
+          </a:p>
+          <a:p>
+            <a:pPr lvl="2"/>
+            <a:r>
+              <a:rPr lang="en-US"/>
+              <a:t>Third level</a:t>
+            </a:r>
+          </a:p>
+          <a:p>
+            <a:pPr lvl="3"/>
+            <a:r>
+              <a:rPr lang="en-US"/>
+              <a:t>Fourth level</a:t>
+            </a:r>
+          </a:p>
+          <a:p>
+            <a:pPr lvl="4"/>
+            <a:r>
+              <a:rPr lang="en-US"/>
+              <a:t>Fifth level</a:t>
+            </a:r>
+          </a:p>
+        </p:txBody>
+      </p:sp>
+      <p:sp>
+        <p:nvSpPr>
+          <p:cNvPr id="6" name="Footer Placeholder 5"/>
+          <p:cNvSpPr>
+            <a:spLocks noGrp="1"/>
+          </p:cNvSpPr>
+          <p:nvPr>
+            <p:ph type="ftr" sz="quarter" idx="4"/>
+          </p:nvPr>
+        </p:nvSpPr>
+        <p:spPr>
+          <a:xfrm>
+            <a:off x="0" y="8685213"/>
+            <a:ext cx="2971800" cy="458787"/>
+          </a:xfrm>
+          <a:prstGeom prst="rect">
+            <a:avLst/>
+          </a:prstGeom>
+        </p:spPr>
+        <p:txBody>
+          <a:bodyPr vert="horz" lIns="91440" tIns="45720" rIns="91440" bIns="45720" rtlCol="0" anchor="b"/>
+          <a:lstStyle>
+            <a:lvl1pPr algn="l">
+              <a:defRPr sz="1200"/>
+            </a:lvl1pPr>
+          </a:lstStyle>
+          <a:p>
+            <a:endParaRPr lang="en-US"/>
+          </a:p>
+        </p:txBody>
+      </p:sp>
+      <p:sp>
+        <p:nvSpPr>
+          <p:cNvPr id="7" name="Slide Number Placeholder 6"/>
+          <p:cNvSpPr>
+            <a:spLocks noGrp="1"/>
+          </p:cNvSpPr>
+          <p:nvPr>
+            <p:ph type="sldNum" sz="quarter" idx="5"/>
+          </p:nvPr>
+        </p:nvSpPr>
+        <p:spPr>
+          <a:xfrm>
+            <a:off x="3884613" y="8685213"/>
+            <a:ext cx="2971800" cy="458787"/>
+          </a:xfrm>
+          <a:prstGeom prst="rect">
+            <a:avLst/>
+          </a:prstGeom>
+        </p:spPr>
+        <p:txBody>
+          <a:bodyPr vert="horz" lIns="91440" tIns="45720" rIns="91440" bIns="45720" rtlCol="0" anchor="b"/>
+          <a:lstStyle>
+            <a:lvl1pPr algn="r">
+              <a:defRPr sz="1200"/>
+            </a:lvl1pPr>
+          </a:lstStyle>
+          <a:p>
+            <a:fld id="{02547659-C21A-9648-9FCA-C328DECACF95}" type="slidenum">
+              <a:rPr lang="en-US" smtClean="0"/>
+              <a:t>‹#›</a:t>
+            </a:fld>
+            <a:endParaRPr lang="en-US"/>
+          </a:p>
+        </p:txBody>
+      </p:sp>
+    </p:spTree>
+    <p:extLst>
+      <p:ext uri="{BB962C8B-B14F-4D97-AF65-F5344CB8AC3E}">
+        <p14:creationId xmlns:p14="http://schemas.microsoft.com/office/powerpoint/2010/main" val="989129483"/>
+      </p:ext>
+    </p:extLst>
+  </p:cSld>
+  <p:clrMap bg1="lt1" tx1="dk1" bg2="lt2" tx2="dk2" accent1="accent1" accent2="accent2" accent3="accent3" accent4="accent4" accent5="accent5" accent6="accent6" hlink="hlink" folHlink="folHlink"/>
+  <p:notesStyle>
+    <a:lvl1pPr marL="0" algn="l" defTabSz="914400" rtl="0" eaLnBrk="1" latinLnBrk="0" hangingPunct="1">
+      <a:defRPr sz="1200" kern="1200">
+        <a:solidFill>
+          <a:schemeClr val="tx1"/>
+        </a:solidFill>
+        <a:latin typeface="+mn-lt"/>
+        <a:ea typeface="+mn-ea"/>
+        <a:cs typeface="+mn-cs"/>
+      </a:defRPr>
+    </a:lvl1pPr>
+    <a:lvl2pPr marL="457200" algn="l" defTabSz="914400" rtl="0" eaLnBrk="1" latinLnBrk="0" hangingPunct="1">
+      <a:defRPr sz="1200" kern="1200">
+        <a:solidFill>
+          <a:schemeClr val="tx1"/>
+        </a:solidFill>
+        <a:latin typeface="+mn-lt"/>
+        <a:ea typeface="+mn-ea"/>
+        <a:cs typeface="+mn-cs"/>
+      </a:defRPr>
+    </a:lvl2pPr>
+    <a:lvl3pPr marL="914400" algn="l" defTabSz="914400" rtl="0" eaLnBrk="1" latinLnBrk="0" hangingPunct="1">
+      <a:defRPr sz="1200" kern="1200">
+        <a:solidFill>
+          <a:schemeClr val="tx1"/>
+        </a:solidFill>
+        <a:latin typeface="+mn-lt"/>
+        <a:ea typeface="+mn-ea"/>
+        <a:cs typeface="+mn-cs"/>
+      </a:defRPr>
+    </a:lvl3pPr>
+    <a:lvl4pPr marL="1371600" algn="l" defTabSz="914400" rtl="0" eaLnBrk="1" latinLnBrk="0" hangingPunct="1">
+      <a:defRPr sz="1200" kern="1200">
+        <a:solidFill>
+          <a:schemeClr val="tx1"/>
+        </a:solidFill>
+        <a:latin typeface="+mn-lt"/>
+        <a:ea typeface="+mn-ea"/>
+        <a:cs typeface="+mn-cs"/>
+      </a:defRPr>
+    </a:lvl4pPr>
+    <a:lvl5pPr marL="1828800" algn="l" defTabSz="914400" rtl="0" eaLnBrk="1" latinLnBrk="0" hangingPunct="1">
+      <a:defRPr sz="1200" kern="1200">
+        <a:solidFill>
+          <a:schemeClr val="tx1"/>
+        </a:solidFill>
+        <a:latin typeface="+mn-lt"/>
+        <a:ea typeface="+mn-ea"/>
+        <a:cs typeface="+mn-cs"/>
+      </a:defRPr>
+    </a:lvl5pPr>
+    <a:lvl6pPr marL="2286000" algn="l" defTabSz="914400" rtl="0" eaLnBrk="1" latinLnBrk="0" hangingPunct="1">
+      <a:defRPr sz="1200" kern="1200">
+        <a:solidFill>
+          <a:schemeClr val="tx1"/>
+        </a:solidFill>
+        <a:latin typeface="+mn-lt"/>
+        <a:ea typeface="+mn-ea"/>
+        <a:cs typeface="+mn-cs"/>
+      </a:defRPr>
+    </a:lvl6pPr>
+    <a:lvl7pPr marL="2743200" algn="l" defTabSz="914400" rtl="0" eaLnBrk="1" latinLnBrk="0" hangingPunct="1">
+      <a:defRPr sz="1200" kern="1200">
+        <a:solidFill>
+          <a:schemeClr val="tx1"/>
+        </a:solidFill>
+        <a:latin typeface="+mn-lt"/>
+        <a:ea typeface="+mn-ea"/>
+        <a:cs typeface="+mn-cs"/>
+      </a:defRPr>
+    </a:lvl7pPr>
+    <a:lvl8pPr marL="3200400" algn="l" defTabSz="914400" rtl="0" eaLnBrk="1" latinLnBrk="0" hangingPunct="1">
+      <a:defRPr sz="1200" kern="1200">
+        <a:solidFill>
+          <a:schemeClr val="tx1"/>
+        </a:solidFill>
+        <a:latin typeface="+mn-lt"/>
+        <a:ea typeface="+mn-ea"/>
+        <a:cs typeface="+mn-cs"/>
+      </a:defRPr>
+    </a:lvl8pPr>
+    <a:lvl9pPr marL="3657600" algn="l" defTabSz="914400" rtl="0" eaLnBrk="1" latinLnBrk="0" hangingPunct="1">
+      <a:defRPr sz="1200" kern="1200">
+        <a:solidFill>
+          <a:schemeClr val="tx1"/>
+        </a:solidFill>
+        <a:latin typeface="+mn-lt"/>
+        <a:ea typeface="+mn-ea"/>
+        <a:cs typeface="+mn-cs"/>
+      </a:defRPr>
+    </a:lvl9pPr>
+  </p:notesStyle>
+</p:notesMaster>
+</file>
+
+<file path=ppt/notesSlides/notesSlide1.xml><?xml version="1.0" encoding="utf-8"?>
+<p:notes xmlns:a="http://schemas.openxmlformats.org/drawingml/2006/main" xmlns:r="http://schemas.openxmlformats.org/officeDocument/2006/relationships" xmlns:p="http://schemas.openxmlformats.org/presentationml/2006/main">
+  <p:cSld>
+    <p:spTree>
+      <p:nvGrpSpPr>
+        <p:cNvPr id="1" name=""/>
+        <p:cNvGrpSpPr/>
+        <p:nvPr/>
+      </p:nvGrpSpPr>
+      <p:grpSpPr>
+        <a:xfrm>
+          <a:off x="0" y="0"/>
+          <a:ext cx="0" cy="0"/>
+          <a:chOff x="0" y="0"/>
+          <a:chExt cx="0" cy="0"/>
+        </a:xfrm>
+      </p:grpSpPr>
+      <p:sp>
+        <p:nvSpPr>
+          <p:cNvPr id="2" name="Slide Image Placeholder 1"/>
+          <p:cNvSpPr>
+            <a:spLocks noGrp="1" noRot="1" noChangeAspect="1"/>
+          </p:cNvSpPr>
+          <p:nvPr>
+            <p:ph type="sldImg"/>
+          </p:nvPr>
+        </p:nvSpPr>
+        <p:spPr/>
+      </p:sp>
+      <p:sp>
+        <p:nvSpPr>
+          <p:cNvPr id="3" name="Notes Placeholder 2"/>
+          <p:cNvSpPr>
+            <a:spLocks noGrp="1"/>
+          </p:cNvSpPr>
+          <p:nvPr>
+            <p:ph type="body" idx="1"/>
+          </p:nvPr>
+        </p:nvSpPr>
+        <p:spPr/>
+        <p:txBody>
+          <a:bodyPr/>
+          <a:lstStyle/>
+          <a:p>
+            <a:r>
+              <a:rPr lang="en-US" dirty="0"/>
+              <a:t>Motivation; </a:t>
+            </a:r>
+            <a:r>
+              <a:rPr lang="en-US"/>
+              <a:t>key concepts;</a:t>
+            </a:r>
+          </a:p>
+        </p:txBody>
+      </p:sp>
+      <p:sp>
+        <p:nvSpPr>
+          <p:cNvPr id="4" name="Slide Number Placeholder 3"/>
+          <p:cNvSpPr>
+            <a:spLocks noGrp="1"/>
+          </p:cNvSpPr>
+          <p:nvPr>
+            <p:ph type="sldNum" sz="quarter" idx="5"/>
+          </p:nvPr>
+        </p:nvSpPr>
+        <p:spPr/>
+        <p:txBody>
+          <a:bodyPr/>
+          <a:lstStyle/>
+          <a:p>
+            <a:fld id="{02547659-C21A-9648-9FCA-C328DECACF95}" type="slidenum">
+              <a:rPr lang="en-US" smtClean="0"/>
+              <a:t>2</a:t>
+            </a:fld>
+            <a:endParaRPr lang="en-US"/>
+          </a:p>
+        </p:txBody>
+      </p:sp>
+    </p:spTree>
+    <p:extLst>
+      <p:ext uri="{BB962C8B-B14F-4D97-AF65-F5344CB8AC3E}">
+        <p14:creationId xmlns:p14="http://schemas.microsoft.com/office/powerpoint/2010/main" val="1279072190"/>
+      </p:ext>
+    </p:extLst>
+  </p:cSld>
+  <p:clrMapOvr>
+    <a:masterClrMapping/>
+  </p:clrMapOvr>
+</p:notes>
+</file>
+
+<file path=ppt/notesSlides/notesSlide2.xml><?xml version="1.0" encoding="utf-8"?>
+<p:notes xmlns:a="http://schemas.openxmlformats.org/drawingml/2006/main" xmlns:r="http://schemas.openxmlformats.org/officeDocument/2006/relationships" xmlns:p="http://schemas.openxmlformats.org/presentationml/2006/main">
+  <p:cSld>
+    <p:spTree>
+      <p:nvGrpSpPr>
+        <p:cNvPr id="1" name=""/>
+        <p:cNvGrpSpPr/>
+        <p:nvPr/>
+      </p:nvGrpSpPr>
+      <p:grpSpPr>
+        <a:xfrm>
+          <a:off x="0" y="0"/>
+          <a:ext cx="0" cy="0"/>
+          <a:chOff x="0" y="0"/>
+          <a:chExt cx="0" cy="0"/>
+        </a:xfrm>
+      </p:grpSpPr>
+      <p:sp>
+        <p:nvSpPr>
+          <p:cNvPr id="2" name="Slide Image Placeholder 1"/>
+          <p:cNvSpPr>
+            <a:spLocks noGrp="1" noRot="1" noChangeAspect="1"/>
+          </p:cNvSpPr>
+          <p:nvPr>
+            <p:ph type="sldImg"/>
+          </p:nvPr>
+        </p:nvSpPr>
+        <p:spPr/>
+      </p:sp>
+      <p:sp>
+        <p:nvSpPr>
+          <p:cNvPr id="3" name="Notes Placeholder 2"/>
+          <p:cNvSpPr>
+            <a:spLocks noGrp="1"/>
+          </p:cNvSpPr>
+          <p:nvPr>
+            <p:ph type="body" idx="1"/>
+          </p:nvPr>
+        </p:nvSpPr>
+        <p:spPr/>
+        <p:txBody>
+          <a:bodyPr/>
+          <a:lstStyle/>
+          <a:p>
+            <a:r>
+              <a:rPr lang="en-US" dirty="0"/>
+              <a:t>Context free session types (with example)</a:t>
+            </a:r>
+          </a:p>
+        </p:txBody>
+      </p:sp>
+      <p:sp>
+        <p:nvSpPr>
+          <p:cNvPr id="4" name="Slide Number Placeholder 3"/>
+          <p:cNvSpPr>
+            <a:spLocks noGrp="1"/>
+          </p:cNvSpPr>
+          <p:nvPr>
+            <p:ph type="sldNum" sz="quarter" idx="5"/>
+          </p:nvPr>
+        </p:nvSpPr>
+        <p:spPr/>
+        <p:txBody>
+          <a:bodyPr/>
+          <a:lstStyle/>
+          <a:p>
+            <a:fld id="{02547659-C21A-9648-9FCA-C328DECACF95}" type="slidenum">
+              <a:rPr lang="en-US" smtClean="0"/>
+              <a:t>3</a:t>
+            </a:fld>
+            <a:endParaRPr lang="en-US"/>
+          </a:p>
+        </p:txBody>
+      </p:sp>
+    </p:spTree>
+    <p:extLst>
+      <p:ext uri="{BB962C8B-B14F-4D97-AF65-F5344CB8AC3E}">
+        <p14:creationId xmlns:p14="http://schemas.microsoft.com/office/powerpoint/2010/main" val="1613311663"/>
+      </p:ext>
+    </p:extLst>
+  </p:cSld>
+  <p:clrMapOvr>
+    <a:masterClrMapping/>
+  </p:clrMapOvr>
+</p:notes>
+</file>
+
+<file path=ppt/notesSlides/notesSlide3.xml><?xml version="1.0" encoding="utf-8"?>
+<p:notes xmlns:a="http://schemas.openxmlformats.org/drawingml/2006/main" xmlns:r="http://schemas.openxmlformats.org/officeDocument/2006/relationships" xmlns:p="http://schemas.openxmlformats.org/presentationml/2006/main">
+  <p:cSld>
+    <p:spTree>
+      <p:nvGrpSpPr>
+        <p:cNvPr id="1" name=""/>
+        <p:cNvGrpSpPr/>
+        <p:nvPr/>
+      </p:nvGrpSpPr>
+      <p:grpSpPr>
+        <a:xfrm>
+          <a:off x="0" y="0"/>
+          <a:ext cx="0" cy="0"/>
+          <a:chOff x="0" y="0"/>
+          <a:chExt cx="0" cy="0"/>
+        </a:xfrm>
+      </p:grpSpPr>
+      <p:sp>
+        <p:nvSpPr>
+          <p:cNvPr id="2" name="Slide Image Placeholder 1"/>
+          <p:cNvSpPr>
+            <a:spLocks noGrp="1" noRot="1" noChangeAspect="1"/>
+          </p:cNvSpPr>
+          <p:nvPr>
+            <p:ph type="sldImg"/>
+          </p:nvPr>
+        </p:nvSpPr>
+        <p:spPr/>
+      </p:sp>
+      <p:sp>
+        <p:nvSpPr>
+          <p:cNvPr id="3" name="Notes Placeholder 2"/>
+          <p:cNvSpPr>
+            <a:spLocks noGrp="1"/>
+          </p:cNvSpPr>
+          <p:nvPr>
+            <p:ph type="body" idx="1"/>
+          </p:nvPr>
+        </p:nvSpPr>
+        <p:spPr/>
+        <p:txBody>
+          <a:bodyPr/>
+          <a:lstStyle/>
+          <a:p>
+            <a:r>
+              <a:rPr lang="en-US" dirty="0"/>
+              <a:t>Present the system </a:t>
+            </a:r>
+          </a:p>
+          <a:p>
+            <a:r>
+              <a:rPr lang="en-US" dirty="0"/>
+              <a:t>Type equivalence</a:t>
+            </a:r>
+          </a:p>
+        </p:txBody>
+      </p:sp>
+      <p:sp>
+        <p:nvSpPr>
+          <p:cNvPr id="4" name="Slide Number Placeholder 3"/>
+          <p:cNvSpPr>
+            <a:spLocks noGrp="1"/>
+          </p:cNvSpPr>
+          <p:nvPr>
+            <p:ph type="sldNum" sz="quarter" idx="5"/>
+          </p:nvPr>
+        </p:nvSpPr>
+        <p:spPr/>
+        <p:txBody>
+          <a:bodyPr/>
+          <a:lstStyle/>
+          <a:p>
+            <a:fld id="{02547659-C21A-9648-9FCA-C328DECACF95}" type="slidenum">
+              <a:rPr lang="en-US" smtClean="0"/>
+              <a:t>4</a:t>
+            </a:fld>
+            <a:endParaRPr lang="en-US"/>
+          </a:p>
+        </p:txBody>
+      </p:sp>
+    </p:spTree>
+    <p:extLst>
+      <p:ext uri="{BB962C8B-B14F-4D97-AF65-F5344CB8AC3E}">
+        <p14:creationId xmlns:p14="http://schemas.microsoft.com/office/powerpoint/2010/main" val="816823797"/>
+      </p:ext>
+    </p:extLst>
+  </p:cSld>
+  <p:clrMapOvr>
+    <a:masterClrMapping/>
+  </p:clrMapOvr>
+</p:notes>
+</file>
+
+<file path=ppt/notesSlides/notesSlide4.xml><?xml version="1.0" encoding="utf-8"?>
+<p:notes xmlns:a="http://schemas.openxmlformats.org/drawingml/2006/main" xmlns:r="http://schemas.openxmlformats.org/officeDocument/2006/relationships" xmlns:p="http://schemas.openxmlformats.org/presentationml/2006/main">
+  <p:cSld>
+    <p:spTree>
+      <p:nvGrpSpPr>
+        <p:cNvPr id="1" name=""/>
+        <p:cNvGrpSpPr/>
+        <p:nvPr/>
+      </p:nvGrpSpPr>
+      <p:grpSpPr>
+        <a:xfrm>
+          <a:off x="0" y="0"/>
+          <a:ext cx="0" cy="0"/>
+          <a:chOff x="0" y="0"/>
+          <a:chExt cx="0" cy="0"/>
+        </a:xfrm>
+      </p:grpSpPr>
+      <p:sp>
+        <p:nvSpPr>
+          <p:cNvPr id="2" name="Slide Image Placeholder 1"/>
+          <p:cNvSpPr>
+            <a:spLocks noGrp="1" noRot="1" noChangeAspect="1"/>
+          </p:cNvSpPr>
+          <p:nvPr>
+            <p:ph type="sldImg"/>
+          </p:nvPr>
+        </p:nvSpPr>
+        <p:spPr/>
+      </p:sp>
+      <p:sp>
+        <p:nvSpPr>
+          <p:cNvPr id="3" name="Notes Placeholder 2"/>
+          <p:cNvSpPr>
+            <a:spLocks noGrp="1"/>
+          </p:cNvSpPr>
+          <p:nvPr>
+            <p:ph type="body" idx="1"/>
+          </p:nvPr>
+        </p:nvSpPr>
+        <p:spPr/>
+        <p:txBody>
+          <a:bodyPr/>
+          <a:lstStyle/>
+          <a:p>
+            <a:r>
+              <a:rPr lang="en-US" dirty="0"/>
+              <a:t>Type formation rules</a:t>
+            </a:r>
+          </a:p>
+          <a:p>
+            <a:r>
+              <a:rPr lang="en-US" dirty="0"/>
+              <a:t>Normalization</a:t>
+            </a:r>
+          </a:p>
+          <a:p>
+            <a:r>
+              <a:rPr lang="en-US" dirty="0"/>
+              <a:t>Recursive types and challenges</a:t>
+            </a:r>
+          </a:p>
+        </p:txBody>
+      </p:sp>
+      <p:sp>
+        <p:nvSpPr>
+          <p:cNvPr id="4" name="Slide Number Placeholder 3"/>
+          <p:cNvSpPr>
+            <a:spLocks noGrp="1"/>
+          </p:cNvSpPr>
+          <p:nvPr>
+            <p:ph type="sldNum" sz="quarter" idx="5"/>
+          </p:nvPr>
+        </p:nvSpPr>
+        <p:spPr/>
+        <p:txBody>
+          <a:bodyPr/>
+          <a:lstStyle/>
+          <a:p>
+            <a:fld id="{02547659-C21A-9648-9FCA-C328DECACF95}" type="slidenum">
+              <a:rPr lang="en-US" smtClean="0"/>
+              <a:t>5</a:t>
+            </a:fld>
+            <a:endParaRPr lang="en-US"/>
+          </a:p>
+        </p:txBody>
+      </p:sp>
+    </p:spTree>
+    <p:extLst>
+      <p:ext uri="{BB962C8B-B14F-4D97-AF65-F5344CB8AC3E}">
+        <p14:creationId xmlns:p14="http://schemas.microsoft.com/office/powerpoint/2010/main" val="638890360"/>
+      </p:ext>
+    </p:extLst>
+  </p:cSld>
+  <p:clrMapOvr>
+    <a:masterClrMapping/>
+  </p:clrMapOvr>
+</p:notes>
+</file>
+
+<file path=ppt/notesSlides/notesSlide5.xml><?xml version="1.0" encoding="utf-8"?>
+<p:notes xmlns:a="http://schemas.openxmlformats.org/drawingml/2006/main" xmlns:r="http://schemas.openxmlformats.org/officeDocument/2006/relationships" xmlns:p="http://schemas.openxmlformats.org/presentationml/2006/main">
+  <p:cSld>
+    <p:spTree>
+      <p:nvGrpSpPr>
+        <p:cNvPr id="1" name=""/>
+        <p:cNvGrpSpPr/>
+        <p:nvPr/>
+      </p:nvGrpSpPr>
+      <p:grpSpPr>
+        <a:xfrm>
+          <a:off x="0" y="0"/>
+          <a:ext cx="0" cy="0"/>
+          <a:chOff x="0" y="0"/>
+          <a:chExt cx="0" cy="0"/>
+        </a:xfrm>
+      </p:grpSpPr>
+      <p:sp>
+        <p:nvSpPr>
+          <p:cNvPr id="2" name="Slide Image Placeholder 1"/>
+          <p:cNvSpPr>
+            <a:spLocks noGrp="1" noRot="1" noChangeAspect="1"/>
+          </p:cNvSpPr>
+          <p:nvPr>
+            <p:ph type="sldImg"/>
+          </p:nvPr>
+        </p:nvSpPr>
+        <p:spPr/>
+      </p:sp>
+      <p:sp>
+        <p:nvSpPr>
+          <p:cNvPr id="3" name="Notes Placeholder 2"/>
+          <p:cNvSpPr>
+            <a:spLocks noGrp="1"/>
+          </p:cNvSpPr>
+          <p:nvPr>
+            <p:ph type="body" idx="1"/>
+          </p:nvPr>
+        </p:nvSpPr>
+        <p:spPr/>
+        <p:txBody>
+          <a:bodyPr/>
+          <a:lstStyle/>
+          <a:p>
+            <a:r>
+              <a:rPr lang="en-US" dirty="0"/>
+              <a:t>Word() &amp; </a:t>
+            </a:r>
+            <a:r>
+              <a:rPr lang="en-US" dirty="0" err="1"/>
+              <a:t>bisimilarity</a:t>
+            </a:r>
+            <a:endParaRPr lang="en-US" dirty="0"/>
+          </a:p>
+        </p:txBody>
+      </p:sp>
+      <p:sp>
+        <p:nvSpPr>
+          <p:cNvPr id="4" name="Slide Number Placeholder 3"/>
+          <p:cNvSpPr>
+            <a:spLocks noGrp="1"/>
+          </p:cNvSpPr>
+          <p:nvPr>
+            <p:ph type="sldNum" sz="quarter" idx="5"/>
+          </p:nvPr>
+        </p:nvSpPr>
+        <p:spPr/>
+        <p:txBody>
+          <a:bodyPr/>
+          <a:lstStyle/>
+          <a:p>
+            <a:fld id="{02547659-C21A-9648-9FCA-C328DECACF95}" type="slidenum">
+              <a:rPr lang="en-US" smtClean="0"/>
+              <a:t>6</a:t>
+            </a:fld>
+            <a:endParaRPr lang="en-US"/>
+          </a:p>
+        </p:txBody>
+      </p:sp>
+    </p:spTree>
+    <p:extLst>
+      <p:ext uri="{BB962C8B-B14F-4D97-AF65-F5344CB8AC3E}">
+        <p14:creationId xmlns:p14="http://schemas.microsoft.com/office/powerpoint/2010/main" val="1570453111"/>
+      </p:ext>
+    </p:extLst>
+  </p:cSld>
+  <p:clrMapOvr>
+    <a:masterClrMapping/>
+  </p:clrMapOvr>
+</p:notes>
+</file>
+
+<file path=ppt/notesSlides/notesSlide6.xml><?xml version="1.0" encoding="utf-8"?>
+<p:notes xmlns:a="http://schemas.openxmlformats.org/drawingml/2006/main" xmlns:r="http://schemas.openxmlformats.org/officeDocument/2006/relationships" xmlns:p="http://schemas.openxmlformats.org/presentationml/2006/main">
+  <p:cSld>
+    <p:spTree>
+      <p:nvGrpSpPr>
+        <p:cNvPr id="1" name=""/>
+        <p:cNvGrpSpPr/>
+        <p:nvPr/>
+      </p:nvGrpSpPr>
+      <p:grpSpPr>
+        <a:xfrm>
+          <a:off x="0" y="0"/>
+          <a:ext cx="0" cy="0"/>
+          <a:chOff x="0" y="0"/>
+          <a:chExt cx="0" cy="0"/>
+        </a:xfrm>
+      </p:grpSpPr>
+      <p:sp>
+        <p:nvSpPr>
+          <p:cNvPr id="2" name="Slide Image Placeholder 1"/>
+          <p:cNvSpPr>
+            <a:spLocks noGrp="1" noRot="1" noChangeAspect="1"/>
+          </p:cNvSpPr>
+          <p:nvPr>
+            <p:ph type="sldImg"/>
+          </p:nvPr>
+        </p:nvSpPr>
+        <p:spPr/>
+      </p:sp>
+      <p:sp>
+        <p:nvSpPr>
+          <p:cNvPr id="3" name="Notes Placeholder 2"/>
+          <p:cNvSpPr>
+            <a:spLocks noGrp="1"/>
+          </p:cNvSpPr>
+          <p:nvPr>
+            <p:ph type="body" idx="1"/>
+          </p:nvPr>
+        </p:nvSpPr>
+        <p:spPr/>
+        <p:txBody>
+          <a:bodyPr/>
+          <a:lstStyle/>
+          <a:p>
+            <a:pPr marL="0" marR="0" lvl="0" indent="0" algn="l" defTabSz="914400" rtl="0" eaLnBrk="1" fontAlgn="auto" latinLnBrk="0" hangingPunct="1">
+              <a:lnSpc>
+                <a:spcPct val="100000"/>
+              </a:lnSpc>
+              <a:spcBef>
+                <a:spcPts val="0"/>
+              </a:spcBef>
+              <a:spcAft>
+                <a:spcPts val="0"/>
+              </a:spcAft>
+              <a:buClrTx/>
+              <a:buSzTx/>
+              <a:buFontTx/>
+              <a:buNone/>
+              <a:tabLst/>
+              <a:defRPr/>
+            </a:pPr>
+            <a:r>
+              <a:rPr lang="en-US" dirty="0"/>
+              <a:t>Syntax -&gt; Generate types -&gt; properties -&gt; run (</a:t>
+            </a:r>
+            <a:r>
+              <a:rPr lang="en-US" dirty="0" err="1"/>
+              <a:t>grafico</a:t>
+            </a:r>
+            <a:r>
+              <a:rPr lang="en-US" dirty="0"/>
+              <a:t>)</a:t>
+            </a:r>
+          </a:p>
+          <a:p>
+            <a:endParaRPr lang="en-US" dirty="0"/>
+          </a:p>
+        </p:txBody>
+      </p:sp>
+      <p:sp>
+        <p:nvSpPr>
+          <p:cNvPr id="4" name="Slide Number Placeholder 3"/>
+          <p:cNvSpPr>
+            <a:spLocks noGrp="1"/>
+          </p:cNvSpPr>
+          <p:nvPr>
+            <p:ph type="sldNum" sz="quarter" idx="5"/>
+          </p:nvPr>
+        </p:nvSpPr>
+        <p:spPr/>
+        <p:txBody>
+          <a:bodyPr/>
+          <a:lstStyle/>
+          <a:p>
+            <a:fld id="{02547659-C21A-9648-9FCA-C328DECACF95}" type="slidenum">
+              <a:rPr lang="en-US" smtClean="0"/>
+              <a:t>7</a:t>
+            </a:fld>
+            <a:endParaRPr lang="en-US"/>
+          </a:p>
+        </p:txBody>
+      </p:sp>
+    </p:spTree>
+    <p:extLst>
+      <p:ext uri="{BB962C8B-B14F-4D97-AF65-F5344CB8AC3E}">
+        <p14:creationId xmlns:p14="http://schemas.microsoft.com/office/powerpoint/2010/main" val="2042712463"/>
+      </p:ext>
+    </p:extLst>
+  </p:cSld>
+  <p:clrMapOvr>
+    <a:masterClrMapping/>
+  </p:clrMapOvr>
+</p:notes>
 </file>
 
 <file path=ppt/slideLayouts/slideLayout1.xml><?xml version="1.0" encoding="utf-8"?>
@@ -3388,6 +4329,587 @@
     <p:extLst>
       <p:ext uri="{BB962C8B-B14F-4D97-AF65-F5344CB8AC3E}">
         <p14:creationId xmlns:p14="http://schemas.microsoft.com/office/powerpoint/2010/main" val="3635472137"/>
+      </p:ext>
+    </p:extLst>
+  </p:cSld>
+  <p:clrMapOvr>
+    <a:masterClrMapping/>
+  </p:clrMapOvr>
+</p:sld>
+</file>
+
+<file path=ppt/slides/slide2.xml><?xml version="1.0" encoding="utf-8"?>
+<p:sld xmlns:a="http://schemas.openxmlformats.org/drawingml/2006/main" xmlns:r="http://schemas.openxmlformats.org/officeDocument/2006/relationships" xmlns:p="http://schemas.openxmlformats.org/presentationml/2006/main">
+  <p:cSld>
+    <p:spTree>
+      <p:nvGrpSpPr>
+        <p:cNvPr id="1" name=""/>
+        <p:cNvGrpSpPr/>
+        <p:nvPr/>
+      </p:nvGrpSpPr>
+      <p:grpSpPr>
+        <a:xfrm>
+          <a:off x="0" y="0"/>
+          <a:ext cx="0" cy="0"/>
+          <a:chOff x="0" y="0"/>
+          <a:chExt cx="0" cy="0"/>
+        </a:xfrm>
+      </p:grpSpPr>
+      <p:sp>
+        <p:nvSpPr>
+          <p:cNvPr id="2" name="Title 1">
+            <a:extLst>
+              <a:ext uri="{FF2B5EF4-FFF2-40B4-BE49-F238E27FC236}">
+                <a16:creationId xmlns:a16="http://schemas.microsoft.com/office/drawing/2014/main" id="{5582EA54-88FB-90A2-EA86-8F1F9FE6B13C}"/>
+              </a:ext>
+            </a:extLst>
+          </p:cNvPr>
+          <p:cNvSpPr>
+            <a:spLocks noGrp="1"/>
+          </p:cNvSpPr>
+          <p:nvPr>
+            <p:ph type="title"/>
+          </p:nvPr>
+        </p:nvSpPr>
+        <p:spPr/>
+        <p:txBody>
+          <a:bodyPr/>
+          <a:lstStyle/>
+          <a:p>
+            <a:r>
+              <a:rPr lang="en-US" dirty="0"/>
+              <a:t>Introduction</a:t>
+            </a:r>
+          </a:p>
+        </p:txBody>
+      </p:sp>
+      <p:sp>
+        <p:nvSpPr>
+          <p:cNvPr id="3" name="Content Placeholder 2">
+            <a:extLst>
+              <a:ext uri="{FF2B5EF4-FFF2-40B4-BE49-F238E27FC236}">
+                <a16:creationId xmlns:a16="http://schemas.microsoft.com/office/drawing/2014/main" id="{436F6375-1AFC-714D-BE7E-7ED68651AD0F}"/>
+              </a:ext>
+            </a:extLst>
+          </p:cNvPr>
+          <p:cNvSpPr>
+            <a:spLocks noGrp="1"/>
+          </p:cNvSpPr>
+          <p:nvPr>
+            <p:ph idx="1"/>
+          </p:nvPr>
+        </p:nvSpPr>
+        <p:spPr/>
+        <p:txBody>
+          <a:bodyPr/>
+          <a:lstStyle/>
+          <a:p>
+            <a:endParaRPr lang="en-US"/>
+          </a:p>
+        </p:txBody>
+      </p:sp>
+    </p:spTree>
+    <p:extLst>
+      <p:ext uri="{BB962C8B-B14F-4D97-AF65-F5344CB8AC3E}">
+        <p14:creationId xmlns:p14="http://schemas.microsoft.com/office/powerpoint/2010/main" val="596133914"/>
+      </p:ext>
+    </p:extLst>
+  </p:cSld>
+  <p:clrMapOvr>
+    <a:masterClrMapping/>
+  </p:clrMapOvr>
+</p:sld>
+</file>
+
+<file path=ppt/slides/slide3.xml><?xml version="1.0" encoding="utf-8"?>
+<p:sld xmlns:a="http://schemas.openxmlformats.org/drawingml/2006/main" xmlns:r="http://schemas.openxmlformats.org/officeDocument/2006/relationships" xmlns:p="http://schemas.openxmlformats.org/presentationml/2006/main">
+  <p:cSld>
+    <p:spTree>
+      <p:nvGrpSpPr>
+        <p:cNvPr id="1" name=""/>
+        <p:cNvGrpSpPr/>
+        <p:nvPr/>
+      </p:nvGrpSpPr>
+      <p:grpSpPr>
+        <a:xfrm>
+          <a:off x="0" y="0"/>
+          <a:ext cx="0" cy="0"/>
+          <a:chOff x="0" y="0"/>
+          <a:chExt cx="0" cy="0"/>
+        </a:xfrm>
+      </p:grpSpPr>
+      <p:sp>
+        <p:nvSpPr>
+          <p:cNvPr id="2" name="Title 1">
+            <a:extLst>
+              <a:ext uri="{FF2B5EF4-FFF2-40B4-BE49-F238E27FC236}">
+                <a16:creationId xmlns:a16="http://schemas.microsoft.com/office/drawing/2014/main" id="{563F6B43-5302-0D63-7B2B-D63B58683CAB}"/>
+              </a:ext>
+            </a:extLst>
+          </p:cNvPr>
+          <p:cNvSpPr>
+            <a:spLocks noGrp="1"/>
+          </p:cNvSpPr>
+          <p:nvPr>
+            <p:ph type="title"/>
+          </p:nvPr>
+        </p:nvSpPr>
+        <p:spPr/>
+        <p:txBody>
+          <a:bodyPr/>
+          <a:lstStyle/>
+          <a:p>
+            <a:r>
+              <a:rPr lang="en-US" dirty="0"/>
+              <a:t>Background</a:t>
+            </a:r>
+          </a:p>
+        </p:txBody>
+      </p:sp>
+      <p:sp>
+        <p:nvSpPr>
+          <p:cNvPr id="3" name="Content Placeholder 2">
+            <a:extLst>
+              <a:ext uri="{FF2B5EF4-FFF2-40B4-BE49-F238E27FC236}">
+                <a16:creationId xmlns:a16="http://schemas.microsoft.com/office/drawing/2014/main" id="{6AF1FF97-1BF8-DCE0-1029-D1EE50FEBC22}"/>
+              </a:ext>
+            </a:extLst>
+          </p:cNvPr>
+          <p:cNvSpPr>
+            <a:spLocks noGrp="1"/>
+          </p:cNvSpPr>
+          <p:nvPr>
+            <p:ph idx="1"/>
+          </p:nvPr>
+        </p:nvSpPr>
+        <p:spPr/>
+        <p:txBody>
+          <a:bodyPr/>
+          <a:lstStyle/>
+          <a:p>
+            <a:endParaRPr lang="en-US"/>
+          </a:p>
+        </p:txBody>
+      </p:sp>
+    </p:spTree>
+    <p:extLst>
+      <p:ext uri="{BB962C8B-B14F-4D97-AF65-F5344CB8AC3E}">
+        <p14:creationId xmlns:p14="http://schemas.microsoft.com/office/powerpoint/2010/main" val="435655630"/>
+      </p:ext>
+    </p:extLst>
+  </p:cSld>
+  <p:clrMapOvr>
+    <a:masterClrMapping/>
+  </p:clrMapOvr>
+</p:sld>
+</file>
+
+<file path=ppt/slides/slide4.xml><?xml version="1.0" encoding="utf-8"?>
+<p:sld xmlns:a="http://schemas.openxmlformats.org/drawingml/2006/main" xmlns:r="http://schemas.openxmlformats.org/officeDocument/2006/relationships" xmlns:p="http://schemas.openxmlformats.org/presentationml/2006/main">
+  <p:cSld>
+    <p:spTree>
+      <p:nvGrpSpPr>
+        <p:cNvPr id="1" name=""/>
+        <p:cNvGrpSpPr/>
+        <p:nvPr/>
+      </p:nvGrpSpPr>
+      <p:grpSpPr>
+        <a:xfrm>
+          <a:off x="0" y="0"/>
+          <a:ext cx="0" cy="0"/>
+          <a:chOff x="0" y="0"/>
+          <a:chExt cx="0" cy="0"/>
+        </a:xfrm>
+      </p:grpSpPr>
+      <p:sp>
+        <p:nvSpPr>
+          <p:cNvPr id="2" name="Title 1">
+            <a:extLst>
+              <a:ext uri="{FF2B5EF4-FFF2-40B4-BE49-F238E27FC236}">
+                <a16:creationId xmlns:a16="http://schemas.microsoft.com/office/drawing/2014/main" id="{C7022B3D-6934-BB07-DE35-067EDF176C6A}"/>
+              </a:ext>
+            </a:extLst>
+          </p:cNvPr>
+          <p:cNvSpPr>
+            <a:spLocks noGrp="1"/>
+          </p:cNvSpPr>
+          <p:nvPr>
+            <p:ph type="title"/>
+          </p:nvPr>
+        </p:nvSpPr>
+        <p:spPr/>
+        <p:txBody>
+          <a:bodyPr/>
+          <a:lstStyle/>
+          <a:p>
+            <a:r>
+              <a:rPr lang="en-US" dirty="0"/>
+              <a:t>Type equivalence</a:t>
+            </a:r>
+          </a:p>
+        </p:txBody>
+      </p:sp>
+      <p:sp>
+        <p:nvSpPr>
+          <p:cNvPr id="3" name="Content Placeholder 2">
+            <a:extLst>
+              <a:ext uri="{FF2B5EF4-FFF2-40B4-BE49-F238E27FC236}">
+                <a16:creationId xmlns:a16="http://schemas.microsoft.com/office/drawing/2014/main" id="{1666BB2C-1CC4-5E6F-B030-0D8D04D1566A}"/>
+              </a:ext>
+            </a:extLst>
+          </p:cNvPr>
+          <p:cNvSpPr>
+            <a:spLocks noGrp="1"/>
+          </p:cNvSpPr>
+          <p:nvPr>
+            <p:ph idx="1"/>
+          </p:nvPr>
+        </p:nvSpPr>
+        <p:spPr/>
+        <p:txBody>
+          <a:bodyPr/>
+          <a:lstStyle/>
+          <a:p>
+            <a:endParaRPr lang="en-US"/>
+          </a:p>
+        </p:txBody>
+      </p:sp>
+    </p:spTree>
+    <p:extLst>
+      <p:ext uri="{BB962C8B-B14F-4D97-AF65-F5344CB8AC3E}">
+        <p14:creationId xmlns:p14="http://schemas.microsoft.com/office/powerpoint/2010/main" val="148421486"/>
+      </p:ext>
+    </p:extLst>
+  </p:cSld>
+  <p:clrMapOvr>
+    <a:masterClrMapping/>
+  </p:clrMapOvr>
+</p:sld>
+</file>
+
+<file path=ppt/slides/slide5.xml><?xml version="1.0" encoding="utf-8"?>
+<p:sld xmlns:a="http://schemas.openxmlformats.org/drawingml/2006/main" xmlns:r="http://schemas.openxmlformats.org/officeDocument/2006/relationships" xmlns:p="http://schemas.openxmlformats.org/presentationml/2006/main">
+  <p:cSld>
+    <p:spTree>
+      <p:nvGrpSpPr>
+        <p:cNvPr id="1" name=""/>
+        <p:cNvGrpSpPr/>
+        <p:nvPr/>
+      </p:nvGrpSpPr>
+      <p:grpSpPr>
+        <a:xfrm>
+          <a:off x="0" y="0"/>
+          <a:ext cx="0" cy="0"/>
+          <a:chOff x="0" y="0"/>
+          <a:chExt cx="0" cy="0"/>
+        </a:xfrm>
+      </p:grpSpPr>
+      <p:sp>
+        <p:nvSpPr>
+          <p:cNvPr id="2" name="Title 1">
+            <a:extLst>
+              <a:ext uri="{FF2B5EF4-FFF2-40B4-BE49-F238E27FC236}">
+                <a16:creationId xmlns:a16="http://schemas.microsoft.com/office/drawing/2014/main" id="{10846857-EF7F-FDE7-7DFC-CA9A00B64219}"/>
+              </a:ext>
+            </a:extLst>
+          </p:cNvPr>
+          <p:cNvSpPr>
+            <a:spLocks noGrp="1"/>
+          </p:cNvSpPr>
+          <p:nvPr>
+            <p:ph type="title"/>
+          </p:nvPr>
+        </p:nvSpPr>
+        <p:spPr/>
+        <p:txBody>
+          <a:bodyPr/>
+          <a:lstStyle/>
+          <a:p>
+            <a:r>
+              <a:rPr lang="en-US" dirty="0"/>
+              <a:t>Type Formation</a:t>
+            </a:r>
+          </a:p>
+        </p:txBody>
+      </p:sp>
+      <p:sp>
+        <p:nvSpPr>
+          <p:cNvPr id="3" name="Content Placeholder 2">
+            <a:extLst>
+              <a:ext uri="{FF2B5EF4-FFF2-40B4-BE49-F238E27FC236}">
+                <a16:creationId xmlns:a16="http://schemas.microsoft.com/office/drawing/2014/main" id="{06B8790A-69B4-26B7-3A15-AD02030BDC95}"/>
+              </a:ext>
+            </a:extLst>
+          </p:cNvPr>
+          <p:cNvSpPr>
+            <a:spLocks noGrp="1"/>
+          </p:cNvSpPr>
+          <p:nvPr>
+            <p:ph idx="1"/>
+          </p:nvPr>
+        </p:nvSpPr>
+        <p:spPr/>
+        <p:txBody>
+          <a:bodyPr/>
+          <a:lstStyle/>
+          <a:p>
+            <a:endParaRPr lang="en-US"/>
+          </a:p>
+        </p:txBody>
+      </p:sp>
+    </p:spTree>
+    <p:extLst>
+      <p:ext uri="{BB962C8B-B14F-4D97-AF65-F5344CB8AC3E}">
+        <p14:creationId xmlns:p14="http://schemas.microsoft.com/office/powerpoint/2010/main" val="253577171"/>
+      </p:ext>
+    </p:extLst>
+  </p:cSld>
+  <p:clrMapOvr>
+    <a:masterClrMapping/>
+  </p:clrMapOvr>
+</p:sld>
+</file>
+
+<file path=ppt/slides/slide6.xml><?xml version="1.0" encoding="utf-8"?>
+<p:sld xmlns:a="http://schemas.openxmlformats.org/drawingml/2006/main" xmlns:r="http://schemas.openxmlformats.org/officeDocument/2006/relationships" xmlns:p="http://schemas.openxmlformats.org/presentationml/2006/main">
+  <p:cSld>
+    <p:spTree>
+      <p:nvGrpSpPr>
+        <p:cNvPr id="1" name=""/>
+        <p:cNvGrpSpPr/>
+        <p:nvPr/>
+      </p:nvGrpSpPr>
+      <p:grpSpPr>
+        <a:xfrm>
+          <a:off x="0" y="0"/>
+          <a:ext cx="0" cy="0"/>
+          <a:chOff x="0" y="0"/>
+          <a:chExt cx="0" cy="0"/>
+        </a:xfrm>
+      </p:grpSpPr>
+      <p:sp>
+        <p:nvSpPr>
+          <p:cNvPr id="2" name="Title 1">
+            <a:extLst>
+              <a:ext uri="{FF2B5EF4-FFF2-40B4-BE49-F238E27FC236}">
+                <a16:creationId xmlns:a16="http://schemas.microsoft.com/office/drawing/2014/main" id="{D44B5B0C-DBCB-D842-7D51-20861439726F}"/>
+              </a:ext>
+            </a:extLst>
+          </p:cNvPr>
+          <p:cNvSpPr>
+            <a:spLocks noGrp="1"/>
+          </p:cNvSpPr>
+          <p:nvPr>
+            <p:ph type="title"/>
+          </p:nvPr>
+        </p:nvSpPr>
+        <p:spPr/>
+        <p:txBody>
+          <a:bodyPr/>
+          <a:lstStyle/>
+          <a:p>
+            <a:r>
+              <a:rPr lang="en-US" dirty="0"/>
+              <a:t>Grammar translation</a:t>
+            </a:r>
+          </a:p>
+        </p:txBody>
+      </p:sp>
+      <p:sp>
+        <p:nvSpPr>
+          <p:cNvPr id="3" name="Content Placeholder 2">
+            <a:extLst>
+              <a:ext uri="{FF2B5EF4-FFF2-40B4-BE49-F238E27FC236}">
+                <a16:creationId xmlns:a16="http://schemas.microsoft.com/office/drawing/2014/main" id="{E002D940-C3FB-2F81-E45C-436EE60F0FDD}"/>
+              </a:ext>
+            </a:extLst>
+          </p:cNvPr>
+          <p:cNvSpPr>
+            <a:spLocks noGrp="1"/>
+          </p:cNvSpPr>
+          <p:nvPr>
+            <p:ph idx="1"/>
+          </p:nvPr>
+        </p:nvSpPr>
+        <p:spPr/>
+        <p:txBody>
+          <a:bodyPr/>
+          <a:lstStyle/>
+          <a:p>
+            <a:endParaRPr lang="en-US" dirty="0"/>
+          </a:p>
+        </p:txBody>
+      </p:sp>
+    </p:spTree>
+    <p:extLst>
+      <p:ext uri="{BB962C8B-B14F-4D97-AF65-F5344CB8AC3E}">
+        <p14:creationId xmlns:p14="http://schemas.microsoft.com/office/powerpoint/2010/main" val="3844109003"/>
+      </p:ext>
+    </p:extLst>
+  </p:cSld>
+  <p:clrMapOvr>
+    <a:masterClrMapping/>
+  </p:clrMapOvr>
+</p:sld>
+</file>
+
+<file path=ppt/slides/slide7.xml><?xml version="1.0" encoding="utf-8"?>
+<p:sld xmlns:a="http://schemas.openxmlformats.org/drawingml/2006/main" xmlns:r="http://schemas.openxmlformats.org/officeDocument/2006/relationships" xmlns:p="http://schemas.openxmlformats.org/presentationml/2006/main">
+  <p:cSld>
+    <p:spTree>
+      <p:nvGrpSpPr>
+        <p:cNvPr id="1" name=""/>
+        <p:cNvGrpSpPr/>
+        <p:nvPr/>
+      </p:nvGrpSpPr>
+      <p:grpSpPr>
+        <a:xfrm>
+          <a:off x="0" y="0"/>
+          <a:ext cx="0" cy="0"/>
+          <a:chOff x="0" y="0"/>
+          <a:chExt cx="0" cy="0"/>
+        </a:xfrm>
+      </p:grpSpPr>
+      <p:sp>
+        <p:nvSpPr>
+          <p:cNvPr id="2" name="Title 1">
+            <a:extLst>
+              <a:ext uri="{FF2B5EF4-FFF2-40B4-BE49-F238E27FC236}">
+                <a16:creationId xmlns:a16="http://schemas.microsoft.com/office/drawing/2014/main" id="{C80E5A7D-7E03-8F98-79FF-77BE4B26D5CC}"/>
+              </a:ext>
+            </a:extLst>
+          </p:cNvPr>
+          <p:cNvSpPr>
+            <a:spLocks noGrp="1"/>
+          </p:cNvSpPr>
+          <p:nvPr>
+            <p:ph type="title"/>
+          </p:nvPr>
+        </p:nvSpPr>
+        <p:spPr/>
+        <p:txBody>
+          <a:bodyPr/>
+          <a:lstStyle/>
+          <a:p>
+            <a:r>
+              <a:rPr lang="en-US" dirty="0"/>
+              <a:t>Validation</a:t>
+            </a:r>
+          </a:p>
+        </p:txBody>
+      </p:sp>
+      <p:sp>
+        <p:nvSpPr>
+          <p:cNvPr id="3" name="Content Placeholder 2">
+            <a:extLst>
+              <a:ext uri="{FF2B5EF4-FFF2-40B4-BE49-F238E27FC236}">
+                <a16:creationId xmlns:a16="http://schemas.microsoft.com/office/drawing/2014/main" id="{EAE483B5-48A2-70F4-41DC-3925DA0EDEAE}"/>
+              </a:ext>
+            </a:extLst>
+          </p:cNvPr>
+          <p:cNvSpPr>
+            <a:spLocks noGrp="1"/>
+          </p:cNvSpPr>
+          <p:nvPr>
+            <p:ph idx="1"/>
+          </p:nvPr>
+        </p:nvSpPr>
+        <p:spPr/>
+        <p:txBody>
+          <a:bodyPr/>
+          <a:lstStyle/>
+          <a:p>
+            <a:endParaRPr lang="en-US" dirty="0"/>
+          </a:p>
+        </p:txBody>
+      </p:sp>
+    </p:spTree>
+    <p:extLst>
+      <p:ext uri="{BB962C8B-B14F-4D97-AF65-F5344CB8AC3E}">
+        <p14:creationId xmlns:p14="http://schemas.microsoft.com/office/powerpoint/2010/main" val="1214206463"/>
+      </p:ext>
+    </p:extLst>
+  </p:cSld>
+  <p:clrMapOvr>
+    <a:masterClrMapping/>
+  </p:clrMapOvr>
+</p:sld>
+</file>
+
+<file path=ppt/slides/slide8.xml><?xml version="1.0" encoding="utf-8"?>
+<p:sld xmlns:a="http://schemas.openxmlformats.org/drawingml/2006/main" xmlns:r="http://schemas.openxmlformats.org/officeDocument/2006/relationships" xmlns:p="http://schemas.openxmlformats.org/presentationml/2006/main">
+  <p:cSld>
+    <p:spTree>
+      <p:nvGrpSpPr>
+        <p:cNvPr id="1" name=""/>
+        <p:cNvGrpSpPr/>
+        <p:nvPr/>
+      </p:nvGrpSpPr>
+      <p:grpSpPr>
+        <a:xfrm>
+          <a:off x="0" y="0"/>
+          <a:ext cx="0" cy="0"/>
+          <a:chOff x="0" y="0"/>
+          <a:chExt cx="0" cy="0"/>
+        </a:xfrm>
+      </p:grpSpPr>
+      <p:sp>
+        <p:nvSpPr>
+          <p:cNvPr id="2" name="Title 1">
+            <a:extLst>
+              <a:ext uri="{FF2B5EF4-FFF2-40B4-BE49-F238E27FC236}">
+                <a16:creationId xmlns:a16="http://schemas.microsoft.com/office/drawing/2014/main" id="{08D6BB68-EF1A-BBD6-0A7F-BF9BF7BF9644}"/>
+              </a:ext>
+            </a:extLst>
+          </p:cNvPr>
+          <p:cNvSpPr>
+            <a:spLocks noGrp="1"/>
+          </p:cNvSpPr>
+          <p:nvPr>
+            <p:ph type="title"/>
+          </p:nvPr>
+        </p:nvSpPr>
+        <p:spPr/>
+        <p:txBody>
+          <a:bodyPr/>
+          <a:lstStyle/>
+          <a:p>
+            <a:r>
+              <a:rPr lang="en-US" dirty="0"/>
+              <a:t>Conclusion</a:t>
+            </a:r>
+          </a:p>
+        </p:txBody>
+      </p:sp>
+      <p:sp>
+        <p:nvSpPr>
+          <p:cNvPr id="3" name="Content Placeholder 2">
+            <a:extLst>
+              <a:ext uri="{FF2B5EF4-FFF2-40B4-BE49-F238E27FC236}">
+                <a16:creationId xmlns:a16="http://schemas.microsoft.com/office/drawing/2014/main" id="{8217DA8E-86E0-0FEA-A20F-0B31F5432622}"/>
+              </a:ext>
+            </a:extLst>
+          </p:cNvPr>
+          <p:cNvSpPr>
+            <a:spLocks noGrp="1"/>
+          </p:cNvSpPr>
+          <p:nvPr>
+            <p:ph idx="1"/>
+          </p:nvPr>
+        </p:nvSpPr>
+        <p:spPr/>
+        <p:txBody>
+          <a:bodyPr/>
+          <a:lstStyle/>
+          <a:p>
+            <a:endParaRPr lang="en-US"/>
+          </a:p>
+        </p:txBody>
+      </p:sp>
+    </p:spTree>
+    <p:extLst>
+      <p:ext uri="{BB962C8B-B14F-4D97-AF65-F5344CB8AC3E}">
+        <p14:creationId xmlns:p14="http://schemas.microsoft.com/office/powerpoint/2010/main" val="281048122"/>
       </p:ext>
     </p:extLst>
   </p:cSld>
@@ -3710,4 +5232,319 @@
     </a:ext>
   </a:extLst>
 </a:theme>
+</file>
+
+<file path=ppt/theme/theme2.xml><?xml version="1.0" encoding="utf-8"?>
+<a:theme xmlns:a="http://schemas.openxmlformats.org/drawingml/2006/main" name="Office Theme">
+  <a:themeElements>
+    <a:clrScheme name="Office">
+      <a:dk1>
+        <a:sysClr val="windowText" lastClr="000000"/>
+      </a:dk1>
+      <a:lt1>
+        <a:sysClr val="window" lastClr="FFFFFF"/>
+      </a:lt1>
+      <a:dk2>
+        <a:srgbClr val="0E2841"/>
+      </a:dk2>
+      <a:lt2>
+        <a:srgbClr val="E8E8E8"/>
+      </a:lt2>
+      <a:accent1>
+        <a:srgbClr val="156082"/>
+      </a:accent1>
+      <a:accent2>
+        <a:srgbClr val="E97132"/>
+      </a:accent2>
+      <a:accent3>
+        <a:srgbClr val="196B24"/>
+      </a:accent3>
+      <a:accent4>
+        <a:srgbClr val="0F9ED5"/>
+      </a:accent4>
+      <a:accent5>
+        <a:srgbClr val="A02B93"/>
+      </a:accent5>
+      <a:accent6>
+        <a:srgbClr val="4EA72E"/>
+      </a:accent6>
+      <a:hlink>
+        <a:srgbClr val="467886"/>
+      </a:hlink>
+      <a:folHlink>
+        <a:srgbClr val="96607D"/>
+      </a:folHlink>
+    </a:clrScheme>
+    <a:fontScheme name="Office">
+      <a:majorFont>
+        <a:latin typeface="Aptos Display" panose="02110004020202020204"/>
+        <a:ea typeface=""/>
+        <a:cs typeface=""/>
+        <a:font script="Jpan" typeface="游ゴシック Light"/>
+        <a:font script="Hang" typeface="맑은 고딕"/>
+        <a:font script="Hans" typeface="等线 Light"/>
+        <a:font script="Hant" typeface="新細明體"/>
+        <a:font script="Arab" typeface="Times New Roman"/>
+        <a:font script="Hebr" typeface="Times New Roman"/>
+        <a:font script="Thai" typeface="Angsana New"/>
+        <a:font script="Ethi" typeface="Nyala"/>
+        <a:font script="Beng" typeface="Vrinda"/>
+        <a:font script="Gujr" typeface="Shruti"/>
+        <a:font script="Khmr" typeface="MoolBoran"/>
+        <a:font script="Knda" typeface="Tunga"/>
+        <a:font script="Guru" typeface="Raavi"/>
+        <a:font script="Cans" typeface="Euphemia"/>
+        <a:font script="Cher" typeface="Plantagenet Cherokee"/>
+        <a:font script="Yiii" typeface="Microsoft Yi Baiti"/>
+        <a:font script="Tibt" typeface="Microsoft Himalaya"/>
+        <a:font script="Thaa" typeface="MV Boli"/>
+        <a:font script="Deva" typeface="Mangal"/>
+        <a:font script="Telu" typeface="Gautami"/>
+        <a:font script="Taml" typeface="Latha"/>
+        <a:font script="Syrc" typeface="Estrangelo Edessa"/>
+        <a:font script="Orya" typeface="Kalinga"/>
+        <a:font script="Mlym" typeface="Kartika"/>
+        <a:font script="Laoo" typeface="DokChampa"/>
+        <a:font script="Sinh" typeface="Iskoola Pota"/>
+        <a:font script="Mong" typeface="Mongolian Baiti"/>
+        <a:font script="Viet" typeface="Times New Roman"/>
+        <a:font script="Uigh" typeface="Microsoft Uighur"/>
+        <a:font script="Geor" typeface="Sylfaen"/>
+        <a:font script="Armn" typeface="Arial"/>
+        <a:font script="Bugi" typeface="Leelawadee UI"/>
+        <a:font script="Bopo" typeface="Microsoft JhengHei"/>
+        <a:font script="Java" typeface="Javanese Text"/>
+        <a:font script="Lisu" typeface="Segoe UI"/>
+        <a:font script="Mymr" typeface="Myanmar Text"/>
+        <a:font script="Nkoo" typeface="Ebrima"/>
+        <a:font script="Olck" typeface="Nirmala UI"/>
+        <a:font script="Osma" typeface="Ebrima"/>
+        <a:font script="Phag" typeface="Phagspa"/>
+        <a:font script="Syrn" typeface="Estrangelo Edessa"/>
+        <a:font script="Syrj" typeface="Estrangelo Edessa"/>
+        <a:font script="Syre" typeface="Estrangelo Edessa"/>
+        <a:font script="Sora" typeface="Nirmala UI"/>
+        <a:font script="Tale" typeface="Microsoft Tai Le"/>
+        <a:font script="Talu" typeface="Microsoft New Tai Lue"/>
+        <a:font script="Tfng" typeface="Ebrima"/>
+      </a:majorFont>
+      <a:minorFont>
+        <a:latin typeface="Aptos" panose="02110004020202020204"/>
+        <a:ea typeface=""/>
+        <a:cs typeface=""/>
+        <a:font script="Jpan" typeface="游ゴシック"/>
+        <a:font script="Hang" typeface="맑은 고딕"/>
+        <a:font script="Hans" typeface="等线"/>
+        <a:font script="Hant" typeface="新細明體"/>
+        <a:font script="Arab" typeface="Arial"/>
+        <a:font script="Hebr" typeface="Arial"/>
+        <a:font script="Thai" typeface="Cordia New"/>
+        <a:font script="Ethi" typeface="Nyala"/>
+        <a:font script="Beng" typeface="Vrinda"/>
+        <a:font script="Gujr" typeface="Shruti"/>
+        <a:font script="Khmr" typeface="DaunPenh"/>
+        <a:font script="Knda" typeface="Tunga"/>
+        <a:font script="Guru" typeface="Raavi"/>
+        <a:font script="Cans" typeface="Euphemia"/>
+        <a:font script="Cher" typeface="Plantagenet Cherokee"/>
+        <a:font script="Yiii" typeface="Microsoft Yi Baiti"/>
+        <a:font script="Tibt" typeface="Microsoft Himalaya"/>
+        <a:font script="Thaa" typeface="MV Boli"/>
+        <a:font script="Deva" typeface="Mangal"/>
+        <a:font script="Telu" typeface="Gautami"/>
+        <a:font script="Taml" typeface="Latha"/>
+        <a:font script="Syrc" typeface="Estrangelo Edessa"/>
+        <a:font script="Orya" typeface="Kalinga"/>
+        <a:font script="Mlym" typeface="Kartika"/>
+        <a:font script="Laoo" typeface="DokChampa"/>
+        <a:font script="Sinh" typeface="Iskoola Pota"/>
+        <a:font script="Mong" typeface="Mongolian Baiti"/>
+        <a:font script="Viet" typeface="Arial"/>
+        <a:font script="Uigh" typeface="Microsoft Uighur"/>
+        <a:font script="Geor" typeface="Sylfaen"/>
+        <a:font script="Armn" typeface="Arial"/>
+        <a:font script="Bugi" typeface="Leelawadee UI"/>
+        <a:font script="Bopo" typeface="Microsoft JhengHei"/>
+        <a:font script="Java" typeface="Javanese Text"/>
+        <a:font script="Lisu" typeface="Segoe UI"/>
+        <a:font script="Mymr" typeface="Myanmar Text"/>
+        <a:font script="Nkoo" typeface="Ebrima"/>
+        <a:font script="Olck" typeface="Nirmala UI"/>
+        <a:font script="Osma" typeface="Ebrima"/>
+        <a:font script="Phag" typeface="Phagspa"/>
+        <a:font script="Syrn" typeface="Estrangelo Edessa"/>
+        <a:font script="Syrj" typeface="Estrangelo Edessa"/>
+        <a:font script="Syre" typeface="Estrangelo Edessa"/>
+        <a:font script="Sora" typeface="Nirmala UI"/>
+        <a:font script="Tale" typeface="Microsoft Tai Le"/>
+        <a:font script="Talu" typeface="Microsoft New Tai Lue"/>
+        <a:font script="Tfng" typeface="Ebrima"/>
+      </a:minorFont>
+    </a:fontScheme>
+    <a:fmtScheme name="Office">
+      <a:fillStyleLst>
+        <a:solidFill>
+          <a:schemeClr val="phClr"/>
+        </a:solidFill>
+        <a:gradFill rotWithShape="1">
+          <a:gsLst>
+            <a:gs pos="0">
+              <a:schemeClr val="phClr">
+                <a:lumMod val="110000"/>
+                <a:satMod val="105000"/>
+                <a:tint val="67000"/>
+              </a:schemeClr>
+            </a:gs>
+            <a:gs pos="50000">
+              <a:schemeClr val="phClr">
+                <a:lumMod val="105000"/>
+                <a:satMod val="103000"/>
+                <a:tint val="73000"/>
+              </a:schemeClr>
+            </a:gs>
+            <a:gs pos="100000">
+              <a:schemeClr val="phClr">
+                <a:lumMod val="105000"/>
+                <a:satMod val="109000"/>
+                <a:tint val="81000"/>
+              </a:schemeClr>
+            </a:gs>
+          </a:gsLst>
+          <a:lin ang="5400000" scaled="0"/>
+        </a:gradFill>
+        <a:gradFill rotWithShape="1">
+          <a:gsLst>
+            <a:gs pos="0">
+              <a:schemeClr val="phClr">
+                <a:satMod val="103000"/>
+                <a:lumMod val="102000"/>
+                <a:tint val="94000"/>
+              </a:schemeClr>
+            </a:gs>
+            <a:gs pos="50000">
+              <a:schemeClr val="phClr">
+                <a:satMod val="110000"/>
+                <a:lumMod val="100000"/>
+                <a:shade val="100000"/>
+              </a:schemeClr>
+            </a:gs>
+            <a:gs pos="100000">
+              <a:schemeClr val="phClr">
+                <a:lumMod val="99000"/>
+                <a:satMod val="120000"/>
+                <a:shade val="78000"/>
+              </a:schemeClr>
+            </a:gs>
+          </a:gsLst>
+          <a:lin ang="5400000" scaled="0"/>
+        </a:gradFill>
+      </a:fillStyleLst>
+      <a:lnStyleLst>
+        <a:ln w="12700" cap="flat" cmpd="sng" algn="ctr">
+          <a:solidFill>
+            <a:schemeClr val="phClr"/>
+          </a:solidFill>
+          <a:prstDash val="solid"/>
+          <a:miter lim="800000"/>
+        </a:ln>
+        <a:ln w="19050" cap="flat" cmpd="sng" algn="ctr">
+          <a:solidFill>
+            <a:schemeClr val="phClr"/>
+          </a:solidFill>
+          <a:prstDash val="solid"/>
+          <a:miter lim="800000"/>
+        </a:ln>
+        <a:ln w="25400" cap="flat" cmpd="sng" algn="ctr">
+          <a:solidFill>
+            <a:schemeClr val="phClr"/>
+          </a:solidFill>
+          <a:prstDash val="solid"/>
+          <a:miter lim="800000"/>
+        </a:ln>
+      </a:lnStyleLst>
+      <a:effectStyleLst>
+        <a:effectStyle>
+          <a:effectLst/>
+        </a:effectStyle>
+        <a:effectStyle>
+          <a:effectLst/>
+        </a:effectStyle>
+        <a:effectStyle>
+          <a:effectLst>
+            <a:outerShdw blurRad="57150" dist="19050" dir="5400000" algn="ctr" rotWithShape="0">
+              <a:srgbClr val="000000">
+                <a:alpha val="63000"/>
+              </a:srgbClr>
+            </a:outerShdw>
+          </a:effectLst>
+        </a:effectStyle>
+      </a:effectStyleLst>
+      <a:bgFillStyleLst>
+        <a:solidFill>
+          <a:schemeClr val="phClr"/>
+        </a:solidFill>
+        <a:solidFill>
+          <a:schemeClr val="phClr">
+            <a:tint val="95000"/>
+            <a:satMod val="170000"/>
+          </a:schemeClr>
+        </a:solidFill>
+        <a:gradFill rotWithShape="1">
+          <a:gsLst>
+            <a:gs pos="0">
+              <a:schemeClr val="phClr">
+                <a:tint val="93000"/>
+                <a:satMod val="150000"/>
+                <a:shade val="98000"/>
+                <a:lumMod val="102000"/>
+              </a:schemeClr>
+            </a:gs>
+            <a:gs pos="50000">
+              <a:schemeClr val="phClr">
+                <a:tint val="98000"/>
+                <a:satMod val="130000"/>
+                <a:shade val="90000"/>
+                <a:lumMod val="103000"/>
+              </a:schemeClr>
+            </a:gs>
+            <a:gs pos="100000">
+              <a:schemeClr val="phClr">
+                <a:shade val="63000"/>
+                <a:satMod val="120000"/>
+              </a:schemeClr>
+            </a:gs>
+          </a:gsLst>
+          <a:lin ang="5400000" scaled="0"/>
+        </a:gradFill>
+      </a:bgFillStyleLst>
+    </a:fmtScheme>
+  </a:themeElements>
+  <a:objectDefaults>
+    <a:lnDef>
+      <a:spPr/>
+      <a:bodyPr/>
+      <a:lstStyle/>
+      <a:style>
+        <a:lnRef idx="2">
+          <a:schemeClr val="accent1"/>
+        </a:lnRef>
+        <a:fillRef idx="0">
+          <a:schemeClr val="accent1"/>
+        </a:fillRef>
+        <a:effectRef idx="1">
+          <a:schemeClr val="accent1"/>
+        </a:effectRef>
+        <a:fontRef idx="minor">
+          <a:schemeClr val="tx1"/>
+        </a:fontRef>
+      </a:style>
+    </a:lnDef>
+  </a:objectDefaults>
+  <a:extraClrSchemeLst/>
+  <a:extLst>
+    <a:ext uri="{05A4C25C-085E-4340-85A3-A5531E510DB2}">
+      <thm15:themeFamily xmlns:thm15="http://schemas.microsoft.com/office/thememl/2012/main" name="Office Theme" id="{2E142A2C-CD16-42D6-873A-C26D2A0506FA}" vid="{1BDDFF52-6CD6-40A5-AB3C-68EB2F1E4D0A}"/>
+    </a:ext>
+  </a:extLst>
+</a:theme>
 </file>
--- a/latex/Inforum/slides/presentation.pptx
+++ b/latex/Inforum/slides/presentation.pptx
@@ -5,17 +5,21 @@
     <p:sldMasterId id="2147483648" r:id="rId1"/>
   </p:sldMasterIdLst>
   <p:notesMasterIdLst>
-    <p:notesMasterId r:id="rId10"/>
+    <p:notesMasterId r:id="rId14"/>
   </p:notesMasterIdLst>
   <p:sldIdLst>
     <p:sldId id="256" r:id="rId2"/>
     <p:sldId id="262" r:id="rId3"/>
     <p:sldId id="263" r:id="rId4"/>
-    <p:sldId id="257" r:id="rId5"/>
-    <p:sldId id="258" r:id="rId6"/>
-    <p:sldId id="259" r:id="rId7"/>
-    <p:sldId id="260" r:id="rId8"/>
-    <p:sldId id="261" r:id="rId9"/>
+    <p:sldId id="264" r:id="rId5"/>
+    <p:sldId id="257" r:id="rId6"/>
+    <p:sldId id="258" r:id="rId7"/>
+    <p:sldId id="266" r:id="rId8"/>
+    <p:sldId id="267" r:id="rId9"/>
+    <p:sldId id="265" r:id="rId10"/>
+    <p:sldId id="259" r:id="rId11"/>
+    <p:sldId id="260" r:id="rId12"/>
+    <p:sldId id="261" r:id="rId13"/>
   </p:sldIdLst>
   <p:sldSz cx="12192000" cy="6858000"/>
   <p:notesSz cx="6858000" cy="9144000"/>
@@ -204,7 +208,7 @@
           <a:p>
             <a:fld id="{09FCF1CA-1EF4-8541-88C2-7128EDC81E2C}" type="datetimeFigureOut">
               <a:rPr lang="en-US" smtClean="0"/>
-              <a:t>9/2/24</a:t>
+              <a:t>9/3/24</a:t>
             </a:fld>
             <a:endParaRPr lang="en-US"/>
           </a:p>
@@ -695,13 +699,7 @@
           <a:p>
             <a:r>
               <a:rPr lang="en-US" dirty="0"/>
-              <a:t>Present the system </a:t>
-            </a:r>
-          </a:p>
-          <a:p>
-            <a:r>
-              <a:rPr lang="en-US" dirty="0"/>
-              <a:t>Type equivalence</a:t>
+              <a:t>Present the system</a:t>
             </a:r>
           </a:p>
         </p:txBody>
@@ -732,7 +730,7 @@
     </p:spTree>
     <p:extLst>
       <p:ext uri="{BB962C8B-B14F-4D97-AF65-F5344CB8AC3E}">
-        <p14:creationId xmlns:p14="http://schemas.microsoft.com/office/powerpoint/2010/main" val="816823797"/>
+        <p14:creationId xmlns:p14="http://schemas.microsoft.com/office/powerpoint/2010/main" val="1873751186"/>
       </p:ext>
     </p:extLst>
   </p:cSld>
@@ -786,22 +784,7 @@
           <a:bodyPr/>
           <a:lstStyle/>
           <a:p>
-            <a:r>
-              <a:rPr lang="en-US" dirty="0"/>
-              <a:t>Type formation rules</a:t>
-            </a:r>
-          </a:p>
-          <a:p>
-            <a:r>
-              <a:rPr lang="en-US" dirty="0"/>
-              <a:t>Normalization</a:t>
-            </a:r>
-          </a:p>
-          <a:p>
-            <a:r>
-              <a:rPr lang="en-US" dirty="0"/>
-              <a:t>Recursive types and challenges</a:t>
-            </a:r>
+            <a:endParaRPr lang="en-US" dirty="0"/>
           </a:p>
         </p:txBody>
       </p:sp>
@@ -831,7 +814,7 @@
     </p:spTree>
     <p:extLst>
       <p:ext uri="{BB962C8B-B14F-4D97-AF65-F5344CB8AC3E}">
-        <p14:creationId xmlns:p14="http://schemas.microsoft.com/office/powerpoint/2010/main" val="638890360"/>
+        <p14:creationId xmlns:p14="http://schemas.microsoft.com/office/powerpoint/2010/main" val="816823797"/>
       </p:ext>
     </p:extLst>
   </p:cSld>
@@ -887,13 +870,20 @@
           <a:p>
             <a:r>
               <a:rPr lang="en-US" dirty="0"/>
-              <a:t>Word() &amp; </a:t>
-            </a:r>
-            <a:r>
-              <a:rPr lang="en-US" dirty="0" err="1"/>
-              <a:t>bisimilarity</a:t>
-            </a:r>
-            <a:endParaRPr lang="en-US" dirty="0"/>
+              <a:t>Type formation rules</a:t>
+            </a:r>
+          </a:p>
+          <a:p>
+            <a:r>
+              <a:rPr lang="en-US" dirty="0"/>
+              <a:t>Normalization</a:t>
+            </a:r>
+          </a:p>
+          <a:p>
+            <a:r>
+              <a:rPr lang="en-US" dirty="0"/>
+              <a:t>Recursive types and challenges</a:t>
+            </a:r>
           </a:p>
         </p:txBody>
       </p:sp>
@@ -923,7 +913,7 @@
     </p:spTree>
     <p:extLst>
       <p:ext uri="{BB962C8B-B14F-4D97-AF65-F5344CB8AC3E}">
-        <p14:creationId xmlns:p14="http://schemas.microsoft.com/office/powerpoint/2010/main" val="1570453111"/>
+        <p14:creationId xmlns:p14="http://schemas.microsoft.com/office/powerpoint/2010/main" val="638890360"/>
       </p:ext>
     </p:extLst>
   </p:cSld>
@@ -977,6 +967,177 @@
           <a:bodyPr/>
           <a:lstStyle/>
           <a:p>
+            <a:r>
+              <a:rPr lang="en-US" dirty="0"/>
+              <a:t>T and U are renamed.</a:t>
+            </a:r>
+          </a:p>
+        </p:txBody>
+      </p:sp>
+      <p:sp>
+        <p:nvSpPr>
+          <p:cNvPr id="4" name="Slide Number Placeholder 3"/>
+          <p:cNvSpPr>
+            <a:spLocks noGrp="1"/>
+          </p:cNvSpPr>
+          <p:nvPr>
+            <p:ph type="sldNum" sz="quarter" idx="5"/>
+          </p:nvPr>
+        </p:nvSpPr>
+        <p:spPr/>
+        <p:txBody>
+          <a:bodyPr/>
+          <a:lstStyle/>
+          <a:p>
+            <a:fld id="{02547659-C21A-9648-9FCA-C328DECACF95}" type="slidenum">
+              <a:rPr lang="en-US" smtClean="0"/>
+              <a:t>9</a:t>
+            </a:fld>
+            <a:endParaRPr lang="en-US"/>
+          </a:p>
+        </p:txBody>
+      </p:sp>
+    </p:spTree>
+    <p:extLst>
+      <p:ext uri="{BB962C8B-B14F-4D97-AF65-F5344CB8AC3E}">
+        <p14:creationId xmlns:p14="http://schemas.microsoft.com/office/powerpoint/2010/main" val="2149415144"/>
+      </p:ext>
+    </p:extLst>
+  </p:cSld>
+  <p:clrMapOvr>
+    <a:masterClrMapping/>
+  </p:clrMapOvr>
+</p:notes>
+</file>
+
+<file path=ppt/notesSlides/notesSlide7.xml><?xml version="1.0" encoding="utf-8"?>
+<p:notes xmlns:a="http://schemas.openxmlformats.org/drawingml/2006/main" xmlns:r="http://schemas.openxmlformats.org/officeDocument/2006/relationships" xmlns:p="http://schemas.openxmlformats.org/presentationml/2006/main">
+  <p:cSld>
+    <p:spTree>
+      <p:nvGrpSpPr>
+        <p:cNvPr id="1" name=""/>
+        <p:cNvGrpSpPr/>
+        <p:nvPr/>
+      </p:nvGrpSpPr>
+      <p:grpSpPr>
+        <a:xfrm>
+          <a:off x="0" y="0"/>
+          <a:ext cx="0" cy="0"/>
+          <a:chOff x="0" y="0"/>
+          <a:chExt cx="0" cy="0"/>
+        </a:xfrm>
+      </p:grpSpPr>
+      <p:sp>
+        <p:nvSpPr>
+          <p:cNvPr id="2" name="Slide Image Placeholder 1"/>
+          <p:cNvSpPr>
+            <a:spLocks noGrp="1" noRot="1" noChangeAspect="1"/>
+          </p:cNvSpPr>
+          <p:nvPr>
+            <p:ph type="sldImg"/>
+          </p:nvPr>
+        </p:nvSpPr>
+        <p:spPr/>
+      </p:sp>
+      <p:sp>
+        <p:nvSpPr>
+          <p:cNvPr id="3" name="Notes Placeholder 2"/>
+          <p:cNvSpPr>
+            <a:spLocks noGrp="1"/>
+          </p:cNvSpPr>
+          <p:nvPr>
+            <p:ph type="body" idx="1"/>
+          </p:nvPr>
+        </p:nvSpPr>
+        <p:spPr/>
+        <p:txBody>
+          <a:bodyPr/>
+          <a:lstStyle/>
+          <a:p>
+            <a:endParaRPr lang="en-US" dirty="0"/>
+          </a:p>
+        </p:txBody>
+      </p:sp>
+      <p:sp>
+        <p:nvSpPr>
+          <p:cNvPr id="4" name="Slide Number Placeholder 3"/>
+          <p:cNvSpPr>
+            <a:spLocks noGrp="1"/>
+          </p:cNvSpPr>
+          <p:nvPr>
+            <p:ph type="sldNum" sz="quarter" idx="5"/>
+          </p:nvPr>
+        </p:nvSpPr>
+        <p:spPr/>
+        <p:txBody>
+          <a:bodyPr/>
+          <a:lstStyle/>
+          <a:p>
+            <a:fld id="{02547659-C21A-9648-9FCA-C328DECACF95}" type="slidenum">
+              <a:rPr lang="en-US" smtClean="0"/>
+              <a:t>10</a:t>
+            </a:fld>
+            <a:endParaRPr lang="en-US"/>
+          </a:p>
+        </p:txBody>
+      </p:sp>
+    </p:spTree>
+    <p:extLst>
+      <p:ext uri="{BB962C8B-B14F-4D97-AF65-F5344CB8AC3E}">
+        <p14:creationId xmlns:p14="http://schemas.microsoft.com/office/powerpoint/2010/main" val="1570453111"/>
+      </p:ext>
+    </p:extLst>
+  </p:cSld>
+  <p:clrMapOvr>
+    <a:masterClrMapping/>
+  </p:clrMapOvr>
+</p:notes>
+</file>
+
+<file path=ppt/notesSlides/notesSlide8.xml><?xml version="1.0" encoding="utf-8"?>
+<p:notes xmlns:a="http://schemas.openxmlformats.org/drawingml/2006/main" xmlns:r="http://schemas.openxmlformats.org/officeDocument/2006/relationships" xmlns:p="http://schemas.openxmlformats.org/presentationml/2006/main">
+  <p:cSld>
+    <p:spTree>
+      <p:nvGrpSpPr>
+        <p:cNvPr id="1" name=""/>
+        <p:cNvGrpSpPr/>
+        <p:nvPr/>
+      </p:nvGrpSpPr>
+      <p:grpSpPr>
+        <a:xfrm>
+          <a:off x="0" y="0"/>
+          <a:ext cx="0" cy="0"/>
+          <a:chOff x="0" y="0"/>
+          <a:chExt cx="0" cy="0"/>
+        </a:xfrm>
+      </p:grpSpPr>
+      <p:sp>
+        <p:nvSpPr>
+          <p:cNvPr id="2" name="Slide Image Placeholder 1"/>
+          <p:cNvSpPr>
+            <a:spLocks noGrp="1" noRot="1" noChangeAspect="1"/>
+          </p:cNvSpPr>
+          <p:nvPr>
+            <p:ph type="sldImg"/>
+          </p:nvPr>
+        </p:nvSpPr>
+        <p:spPr/>
+      </p:sp>
+      <p:sp>
+        <p:nvSpPr>
+          <p:cNvPr id="3" name="Notes Placeholder 2"/>
+          <p:cNvSpPr>
+            <a:spLocks noGrp="1"/>
+          </p:cNvSpPr>
+          <p:nvPr>
+            <p:ph type="body" idx="1"/>
+          </p:nvPr>
+        </p:nvSpPr>
+        <p:spPr/>
+        <p:txBody>
+          <a:bodyPr/>
+          <a:lstStyle/>
+          <a:p>
             <a:pPr marL="0" marR="0" lvl="0" indent="0" algn="l" defTabSz="914400" rtl="0" eaLnBrk="1" fontAlgn="auto" latinLnBrk="0" hangingPunct="1">
               <a:lnSpc>
                 <a:spcPct val="100000"/>
@@ -1029,7 +1190,7 @@
           <a:p>
             <a:fld id="{02547659-C21A-9648-9FCA-C328DECACF95}" type="slidenum">
               <a:rPr lang="en-US" smtClean="0"/>
-              <a:t>7</a:t>
+              <a:t>11</a:t>
             </a:fld>
             <a:endParaRPr lang="en-US"/>
           </a:p>
@@ -1195,7 +1356,7 @@
           <a:p>
             <a:fld id="{685279DD-01D5-524E-9992-E36B6FF62298}" type="datetimeFigureOut">
               <a:rPr lang="en-US" smtClean="0"/>
-              <a:t>9/2/24</a:t>
+              <a:t>9/3/24</a:t>
             </a:fld>
             <a:endParaRPr lang="en-US"/>
           </a:p>
@@ -1393,7 +1554,7 @@
           <a:p>
             <a:fld id="{685279DD-01D5-524E-9992-E36B6FF62298}" type="datetimeFigureOut">
               <a:rPr lang="en-US" smtClean="0"/>
-              <a:t>9/2/24</a:t>
+              <a:t>9/3/24</a:t>
             </a:fld>
             <a:endParaRPr lang="en-US"/>
           </a:p>
@@ -1601,7 +1762,7 @@
           <a:p>
             <a:fld id="{685279DD-01D5-524E-9992-E36B6FF62298}" type="datetimeFigureOut">
               <a:rPr lang="en-US" smtClean="0"/>
-              <a:t>9/2/24</a:t>
+              <a:t>9/3/24</a:t>
             </a:fld>
             <a:endParaRPr lang="en-US"/>
           </a:p>
@@ -1799,7 +1960,7 @@
           <a:p>
             <a:fld id="{685279DD-01D5-524E-9992-E36B6FF62298}" type="datetimeFigureOut">
               <a:rPr lang="en-US" smtClean="0"/>
-              <a:t>9/2/24</a:t>
+              <a:t>9/3/24</a:t>
             </a:fld>
             <a:endParaRPr lang="en-US"/>
           </a:p>
@@ -2074,7 +2235,7 @@
           <a:p>
             <a:fld id="{685279DD-01D5-524E-9992-E36B6FF62298}" type="datetimeFigureOut">
               <a:rPr lang="en-US" smtClean="0"/>
-              <a:t>9/2/24</a:t>
+              <a:t>9/3/24</a:t>
             </a:fld>
             <a:endParaRPr lang="en-US"/>
           </a:p>
@@ -2339,7 +2500,7 @@
           <a:p>
             <a:fld id="{685279DD-01D5-524E-9992-E36B6FF62298}" type="datetimeFigureOut">
               <a:rPr lang="en-US" smtClean="0"/>
-              <a:t>9/2/24</a:t>
+              <a:t>9/3/24</a:t>
             </a:fld>
             <a:endParaRPr lang="en-US"/>
           </a:p>
@@ -2751,7 +2912,7 @@
           <a:p>
             <a:fld id="{685279DD-01D5-524E-9992-E36B6FF62298}" type="datetimeFigureOut">
               <a:rPr lang="en-US" smtClean="0"/>
-              <a:t>9/2/24</a:t>
+              <a:t>9/3/24</a:t>
             </a:fld>
             <a:endParaRPr lang="en-US"/>
           </a:p>
@@ -2892,7 +3053,7 @@
           <a:p>
             <a:fld id="{685279DD-01D5-524E-9992-E36B6FF62298}" type="datetimeFigureOut">
               <a:rPr lang="en-US" smtClean="0"/>
-              <a:t>9/2/24</a:t>
+              <a:t>9/3/24</a:t>
             </a:fld>
             <a:endParaRPr lang="en-US"/>
           </a:p>
@@ -3005,7 +3166,7 @@
           <a:p>
             <a:fld id="{685279DD-01D5-524E-9992-E36B6FF62298}" type="datetimeFigureOut">
               <a:rPr lang="en-US" smtClean="0"/>
-              <a:t>9/2/24</a:t>
+              <a:t>9/3/24</a:t>
             </a:fld>
             <a:endParaRPr lang="en-US"/>
           </a:p>
@@ -3316,7 +3477,7 @@
           <a:p>
             <a:fld id="{685279DD-01D5-524E-9992-E36B6FF62298}" type="datetimeFigureOut">
               <a:rPr lang="en-US" smtClean="0"/>
-              <a:t>9/2/24</a:t>
+              <a:t>9/3/24</a:t>
             </a:fld>
             <a:endParaRPr lang="en-US"/>
           </a:p>
@@ -3604,7 +3765,7 @@
           <a:p>
             <a:fld id="{685279DD-01D5-524E-9992-E36B6FF62298}" type="datetimeFigureOut">
               <a:rPr lang="en-US" smtClean="0"/>
-              <a:t>9/2/24</a:t>
+              <a:t>9/3/24</a:t>
             </a:fld>
             <a:endParaRPr lang="en-US"/>
           </a:p>
@@ -3845,7 +4006,7 @@
           <a:p>
             <a:fld id="{685279DD-01D5-524E-9992-E36B6FF62298}" type="datetimeFigureOut">
               <a:rPr lang="en-US" smtClean="0"/>
-              <a:t>9/2/24</a:t>
+              <a:t>9/3/24</a:t>
             </a:fld>
             <a:endParaRPr lang="en-US"/>
           </a:p>
@@ -4338,6 +4499,265 @@
 </p:sld>
 </file>
 
+<file path=ppt/slides/slide10.xml><?xml version="1.0" encoding="utf-8"?>
+<p:sld xmlns:a="http://schemas.openxmlformats.org/drawingml/2006/main" xmlns:r="http://schemas.openxmlformats.org/officeDocument/2006/relationships" xmlns:p="http://schemas.openxmlformats.org/presentationml/2006/main">
+  <p:cSld>
+    <p:spTree>
+      <p:nvGrpSpPr>
+        <p:cNvPr id="1" name=""/>
+        <p:cNvGrpSpPr/>
+        <p:nvPr/>
+      </p:nvGrpSpPr>
+      <p:grpSpPr>
+        <a:xfrm>
+          <a:off x="0" y="0"/>
+          <a:ext cx="0" cy="0"/>
+          <a:chOff x="0" y="0"/>
+          <a:chExt cx="0" cy="0"/>
+        </a:xfrm>
+      </p:grpSpPr>
+      <p:sp>
+        <p:nvSpPr>
+          <p:cNvPr id="2" name="Title 1">
+            <a:extLst>
+              <a:ext uri="{FF2B5EF4-FFF2-40B4-BE49-F238E27FC236}">
+                <a16:creationId xmlns:a16="http://schemas.microsoft.com/office/drawing/2014/main" id="{D44B5B0C-DBCB-D842-7D51-20861439726F}"/>
+              </a:ext>
+            </a:extLst>
+          </p:cNvPr>
+          <p:cNvSpPr>
+            <a:spLocks noGrp="1"/>
+          </p:cNvSpPr>
+          <p:nvPr>
+            <p:ph type="title"/>
+          </p:nvPr>
+        </p:nvSpPr>
+        <p:spPr/>
+        <p:txBody>
+          <a:bodyPr/>
+          <a:lstStyle/>
+          <a:p>
+            <a:r>
+              <a:rPr lang="en-US" dirty="0"/>
+              <a:t>Grammar translation</a:t>
+            </a:r>
+          </a:p>
+        </p:txBody>
+      </p:sp>
+      <p:sp>
+        <p:nvSpPr>
+          <p:cNvPr id="3" name="Content Placeholder 2">
+            <a:extLst>
+              <a:ext uri="{FF2B5EF4-FFF2-40B4-BE49-F238E27FC236}">
+                <a16:creationId xmlns:a16="http://schemas.microsoft.com/office/drawing/2014/main" id="{E002D940-C3FB-2F81-E45C-436EE60F0FDD}"/>
+              </a:ext>
+            </a:extLst>
+          </p:cNvPr>
+          <p:cNvSpPr>
+            <a:spLocks noGrp="1"/>
+          </p:cNvSpPr>
+          <p:nvPr>
+            <p:ph idx="1"/>
+          </p:nvPr>
+        </p:nvSpPr>
+        <p:spPr/>
+        <p:txBody>
+          <a:bodyPr/>
+          <a:lstStyle/>
+          <a:p>
+            <a:r>
+              <a:rPr lang="en-US" dirty="0"/>
+              <a:t>Show rules and then example.</a:t>
+            </a:r>
+          </a:p>
+        </p:txBody>
+      </p:sp>
+    </p:spTree>
+    <p:extLst>
+      <p:ext uri="{BB962C8B-B14F-4D97-AF65-F5344CB8AC3E}">
+        <p14:creationId xmlns:p14="http://schemas.microsoft.com/office/powerpoint/2010/main" val="3844109003"/>
+      </p:ext>
+    </p:extLst>
+  </p:cSld>
+  <p:clrMapOvr>
+    <a:masterClrMapping/>
+  </p:clrMapOvr>
+</p:sld>
+</file>
+
+<file path=ppt/slides/slide11.xml><?xml version="1.0" encoding="utf-8"?>
+<p:sld xmlns:a="http://schemas.openxmlformats.org/drawingml/2006/main" xmlns:r="http://schemas.openxmlformats.org/officeDocument/2006/relationships" xmlns:p="http://schemas.openxmlformats.org/presentationml/2006/main">
+  <p:cSld>
+    <p:spTree>
+      <p:nvGrpSpPr>
+        <p:cNvPr id="1" name=""/>
+        <p:cNvGrpSpPr/>
+        <p:nvPr/>
+      </p:nvGrpSpPr>
+      <p:grpSpPr>
+        <a:xfrm>
+          <a:off x="0" y="0"/>
+          <a:ext cx="0" cy="0"/>
+          <a:chOff x="0" y="0"/>
+          <a:chExt cx="0" cy="0"/>
+        </a:xfrm>
+      </p:grpSpPr>
+      <p:sp>
+        <p:nvSpPr>
+          <p:cNvPr id="2" name="Title 1">
+            <a:extLst>
+              <a:ext uri="{FF2B5EF4-FFF2-40B4-BE49-F238E27FC236}">
+                <a16:creationId xmlns:a16="http://schemas.microsoft.com/office/drawing/2014/main" id="{C80E5A7D-7E03-8F98-79FF-77BE4B26D5CC}"/>
+              </a:ext>
+            </a:extLst>
+          </p:cNvPr>
+          <p:cNvSpPr>
+            <a:spLocks noGrp="1"/>
+          </p:cNvSpPr>
+          <p:nvPr>
+            <p:ph type="title"/>
+          </p:nvPr>
+        </p:nvSpPr>
+        <p:spPr/>
+        <p:txBody>
+          <a:bodyPr/>
+          <a:lstStyle/>
+          <a:p>
+            <a:r>
+              <a:rPr lang="en-US" dirty="0"/>
+              <a:t>Validation</a:t>
+            </a:r>
+          </a:p>
+        </p:txBody>
+      </p:sp>
+      <p:pic>
+        <p:nvPicPr>
+          <p:cNvPr id="4" name="Content Placeholder 3">
+            <a:extLst>
+              <a:ext uri="{FF2B5EF4-FFF2-40B4-BE49-F238E27FC236}">
+                <a16:creationId xmlns:a16="http://schemas.microsoft.com/office/drawing/2014/main" id="{FF91FDB0-784F-2D63-512C-850420CF6B11}"/>
+              </a:ext>
+            </a:extLst>
+          </p:cNvPr>
+          <p:cNvPicPr>
+            <a:picLocks noGrp="1" noChangeAspect="1"/>
+          </p:cNvPicPr>
+          <p:nvPr>
+            <p:ph idx="1"/>
+          </p:nvPr>
+        </p:nvPicPr>
+        <p:blipFill>
+          <a:blip r:embed="rId3"/>
+          <a:stretch>
+            <a:fillRect/>
+          </a:stretch>
+        </p:blipFill>
+        <p:spPr>
+          <a:xfrm>
+            <a:off x="2311400" y="2667794"/>
+            <a:ext cx="7569200" cy="2667000"/>
+          </a:xfrm>
+          <a:prstGeom prst="rect">
+            <a:avLst/>
+          </a:prstGeom>
+        </p:spPr>
+      </p:pic>
+    </p:spTree>
+    <p:extLst>
+      <p:ext uri="{BB962C8B-B14F-4D97-AF65-F5344CB8AC3E}">
+        <p14:creationId xmlns:p14="http://schemas.microsoft.com/office/powerpoint/2010/main" val="1214206463"/>
+      </p:ext>
+    </p:extLst>
+  </p:cSld>
+  <p:clrMapOvr>
+    <a:masterClrMapping/>
+  </p:clrMapOvr>
+</p:sld>
+</file>
+
+<file path=ppt/slides/slide12.xml><?xml version="1.0" encoding="utf-8"?>
+<p:sld xmlns:a="http://schemas.openxmlformats.org/drawingml/2006/main" xmlns:r="http://schemas.openxmlformats.org/officeDocument/2006/relationships" xmlns:p="http://schemas.openxmlformats.org/presentationml/2006/main">
+  <p:cSld>
+    <p:spTree>
+      <p:nvGrpSpPr>
+        <p:cNvPr id="1" name=""/>
+        <p:cNvGrpSpPr/>
+        <p:nvPr/>
+      </p:nvGrpSpPr>
+      <p:grpSpPr>
+        <a:xfrm>
+          <a:off x="0" y="0"/>
+          <a:ext cx="0" cy="0"/>
+          <a:chOff x="0" y="0"/>
+          <a:chExt cx="0" cy="0"/>
+        </a:xfrm>
+      </p:grpSpPr>
+      <p:sp>
+        <p:nvSpPr>
+          <p:cNvPr id="2" name="Title 1">
+            <a:extLst>
+              <a:ext uri="{FF2B5EF4-FFF2-40B4-BE49-F238E27FC236}">
+                <a16:creationId xmlns:a16="http://schemas.microsoft.com/office/drawing/2014/main" id="{08D6BB68-EF1A-BBD6-0A7F-BF9BF7BF9644}"/>
+              </a:ext>
+            </a:extLst>
+          </p:cNvPr>
+          <p:cNvSpPr>
+            <a:spLocks noGrp="1"/>
+          </p:cNvSpPr>
+          <p:nvPr>
+            <p:ph type="title"/>
+          </p:nvPr>
+        </p:nvSpPr>
+        <p:spPr/>
+        <p:txBody>
+          <a:bodyPr/>
+          <a:lstStyle/>
+          <a:p>
+            <a:r>
+              <a:rPr lang="en-US" dirty="0"/>
+              <a:t>Conclusion</a:t>
+            </a:r>
+          </a:p>
+        </p:txBody>
+      </p:sp>
+      <p:sp>
+        <p:nvSpPr>
+          <p:cNvPr id="3" name="Content Placeholder 2">
+            <a:extLst>
+              <a:ext uri="{FF2B5EF4-FFF2-40B4-BE49-F238E27FC236}">
+                <a16:creationId xmlns:a16="http://schemas.microsoft.com/office/drawing/2014/main" id="{8217DA8E-86E0-0FEA-A20F-0B31F5432622}"/>
+              </a:ext>
+            </a:extLst>
+          </p:cNvPr>
+          <p:cNvSpPr>
+            <a:spLocks noGrp="1"/>
+          </p:cNvSpPr>
+          <p:nvPr>
+            <p:ph idx="1"/>
+          </p:nvPr>
+        </p:nvSpPr>
+        <p:spPr/>
+        <p:txBody>
+          <a:bodyPr/>
+          <a:lstStyle/>
+          <a:p>
+            <a:endParaRPr lang="en-US"/>
+          </a:p>
+        </p:txBody>
+      </p:sp>
+    </p:spTree>
+    <p:extLst>
+      <p:ext uri="{BB962C8B-B14F-4D97-AF65-F5344CB8AC3E}">
+        <p14:creationId xmlns:p14="http://schemas.microsoft.com/office/powerpoint/2010/main" val="281048122"/>
+      </p:ext>
+    </p:extLst>
+  </p:cSld>
+  <p:clrMapOvr>
+    <a:masterClrMapping/>
+  </p:clrMapOvr>
+</p:sld>
+</file>
+
 <file path=ppt/slides/slide2.xml><?xml version="1.0" encoding="utf-8"?>
 <p:sld xmlns:a="http://schemas.openxmlformats.org/drawingml/2006/main" xmlns:r="http://schemas.openxmlformats.org/officeDocument/2006/relationships" xmlns:p="http://schemas.openxmlformats.org/presentationml/2006/main">
   <p:cSld>
@@ -4377,7 +4797,10 @@
           <a:lstStyle/>
           <a:p>
             <a:r>
-              <a:rPr lang="en-US" dirty="0"/>
+              <a:rPr lang="en-US" dirty="0">
+                <a:latin typeface="Calibri" panose="020F0502020204030204" pitchFamily="34" charset="0"/>
+                <a:cs typeface="Calibri" panose="020F0502020204030204" pitchFamily="34" charset="0"/>
+              </a:rPr>
               <a:t>Introduction</a:t>
             </a:r>
           </a:p>
@@ -4521,63 +4944,191 @@
           <a:chExt cx="0" cy="0"/>
         </a:xfrm>
       </p:grpSpPr>
-      <p:sp>
-        <p:nvSpPr>
-          <p:cNvPr id="2" name="Title 1">
-            <a:extLst>
-              <a:ext uri="{FF2B5EF4-FFF2-40B4-BE49-F238E27FC236}">
-                <a16:creationId xmlns:a16="http://schemas.microsoft.com/office/drawing/2014/main" id="{C7022B3D-6934-BB07-DE35-067EDF176C6A}"/>
-              </a:ext>
-            </a:extLst>
-          </p:cNvPr>
-          <p:cNvSpPr>
-            <a:spLocks noGrp="1"/>
-          </p:cNvSpPr>
-          <p:nvPr>
-            <p:ph type="title"/>
-          </p:nvPr>
-        </p:nvSpPr>
-        <p:spPr/>
-        <p:txBody>
-          <a:bodyPr/>
-          <a:lstStyle/>
-          <a:p>
-            <a:r>
-              <a:rPr lang="en-US" dirty="0"/>
-              <a:t>Type equivalence</a:t>
-            </a:r>
-          </a:p>
-        </p:txBody>
-      </p:sp>
-      <p:sp>
-        <p:nvSpPr>
-          <p:cNvPr id="3" name="Content Placeholder 2">
-            <a:extLst>
-              <a:ext uri="{FF2B5EF4-FFF2-40B4-BE49-F238E27FC236}">
-                <a16:creationId xmlns:a16="http://schemas.microsoft.com/office/drawing/2014/main" id="{1666BB2C-1CC4-5E6F-B030-0D8D04D1566A}"/>
-              </a:ext>
-            </a:extLst>
-          </p:cNvPr>
-          <p:cNvSpPr>
-            <a:spLocks noGrp="1"/>
-          </p:cNvSpPr>
+      <mc:AlternateContent xmlns:mc="http://schemas.openxmlformats.org/markup-compatibility/2006">
+        <mc:Choice xmlns:a14="http://schemas.microsoft.com/office/drawing/2010/main" Requires="a14">
+          <p:sp>
+            <p:nvSpPr>
+              <p:cNvPr id="2" name="Title 1">
+                <a:extLst>
+                  <a:ext uri="{FF2B5EF4-FFF2-40B4-BE49-F238E27FC236}">
+                    <a16:creationId xmlns:a16="http://schemas.microsoft.com/office/drawing/2014/main" id="{86E952E6-90A4-E3C9-CEF3-B427AD6827DD}"/>
+                  </a:ext>
+                </a:extLst>
+              </p:cNvPr>
+              <p:cNvSpPr>
+                <a:spLocks noGrp="1"/>
+              </p:cNvSpPr>
+              <p:nvPr>
+                <p:ph type="title"/>
+              </p:nvPr>
+            </p:nvSpPr>
+            <p:spPr/>
+            <p:txBody>
+              <a:bodyPr/>
+              <a:lstStyle/>
+              <a:p>
+                <a:r>
+                  <a:rPr lang="en-GB" dirty="0"/>
+                  <a:t>System </a:t>
+                </a:r>
+                <a14:m>
+                  <m:oMath xmlns:m="http://schemas.openxmlformats.org/officeDocument/2006/math">
+                    <m:sSubSup>
+                      <m:sSubSupPr>
+                        <m:ctrlPr>
+                          <a:rPr lang="pt-PT" sz="4400" i="1" smtClean="0">
+                            <a:solidFill>
+                              <a:srgbClr val="434343"/>
+                            </a:solidFill>
+                            <a:latin typeface="Cambria Math" panose="02040503050406030204" pitchFamily="18" charset="0"/>
+                            <a:sym typeface="Michroma"/>
+                          </a:rPr>
+                        </m:ctrlPr>
+                      </m:sSubSupPr>
+                      <m:e>
+                        <m:r>
+                          <a:rPr lang="pt-PT" sz="4400" b="0" i="1" smtClean="0">
+                            <a:solidFill>
+                              <a:srgbClr val="434343"/>
+                            </a:solidFill>
+                            <a:latin typeface="Cambria Math" panose="02040503050406030204" pitchFamily="18" charset="0"/>
+                            <a:sym typeface="Michroma"/>
+                          </a:rPr>
+                          <m:t>𝐹</m:t>
+                        </m:r>
+                      </m:e>
+                      <m:sub>
+                        <m:r>
+                          <a:rPr lang="pt-PT" sz="4400" i="1" smtClean="0">
+                            <a:solidFill>
+                              <a:srgbClr val="434343"/>
+                            </a:solidFill>
+                            <a:latin typeface="Cambria Math" panose="02040503050406030204" pitchFamily="18" charset="0"/>
+                            <a:ea typeface="Cambria Math" panose="02040503050406030204" pitchFamily="18" charset="0"/>
+                            <a:sym typeface="Michroma"/>
+                          </a:rPr>
+                          <m:t>𝜔</m:t>
+                        </m:r>
+                      </m:sub>
+                      <m:sup>
+                        <m:r>
+                          <a:rPr lang="pt-PT" sz="4400" i="1" smtClean="0">
+                            <a:solidFill>
+                              <a:srgbClr val="434343"/>
+                            </a:solidFill>
+                            <a:latin typeface="Cambria Math" panose="02040503050406030204" pitchFamily="18" charset="0"/>
+                            <a:ea typeface="Cambria Math" panose="02040503050406030204" pitchFamily="18" charset="0"/>
+                            <a:sym typeface="Michroma"/>
+                          </a:rPr>
+                          <m:t>𝜇</m:t>
+                        </m:r>
+                        <m:r>
+                          <a:rPr lang="pt-PT" sz="4400" b="0" i="1" smtClean="0">
+                            <a:solidFill>
+                              <a:srgbClr val="434343"/>
+                            </a:solidFill>
+                            <a:latin typeface="Cambria Math" panose="02040503050406030204" pitchFamily="18" charset="0"/>
+                            <a:ea typeface="Cambria Math" panose="02040503050406030204" pitchFamily="18" charset="0"/>
+                            <a:sym typeface="Michroma"/>
+                          </a:rPr>
+                          <m:t>∗</m:t>
+                        </m:r>
+                        <m:r>
+                          <a:rPr lang="pt-PT" sz="4400" b="0" i="1" smtClean="0">
+                            <a:solidFill>
+                              <a:srgbClr val="434343"/>
+                            </a:solidFill>
+                            <a:latin typeface="Cambria Math" panose="02040503050406030204" pitchFamily="18" charset="0"/>
+                            <a:ea typeface="Cambria Math" panose="02040503050406030204" pitchFamily="18" charset="0"/>
+                            <a:sym typeface="Michroma"/>
+                          </a:rPr>
+                          <m:t>;</m:t>
+                        </m:r>
+                      </m:sup>
+                    </m:sSubSup>
+                  </m:oMath>
+                </a14:m>
+                <a:endParaRPr lang="en-US" dirty="0"/>
+              </a:p>
+            </p:txBody>
+          </p:sp>
+        </mc:Choice>
+        <mc:Fallback>
+          <p:sp>
+            <p:nvSpPr>
+              <p:cNvPr id="2" name="Title 1">
+                <a:extLst>
+                  <a:ext uri="{FF2B5EF4-FFF2-40B4-BE49-F238E27FC236}">
+                    <a16:creationId xmlns:a16="http://schemas.microsoft.com/office/drawing/2014/main" id="{86E952E6-90A4-E3C9-CEF3-B427AD6827DD}"/>
+                  </a:ext>
+                </a:extLst>
+              </p:cNvPr>
+              <p:cNvSpPr>
+                <a:spLocks noGrp="1" noRot="1" noChangeAspect="1" noMove="1" noResize="1" noEditPoints="1" noAdjustHandles="1" noChangeArrowheads="1" noChangeShapeType="1" noTextEdit="1"/>
+              </p:cNvSpPr>
+              <p:nvPr>
+                <p:ph type="title"/>
+              </p:nvPr>
+            </p:nvSpPr>
+            <p:spPr>
+              <a:blipFill>
+                <a:blip r:embed="rId3"/>
+                <a:stretch>
+                  <a:fillRect l="-2413"/>
+                </a:stretch>
+              </a:blipFill>
+            </p:spPr>
+            <p:txBody>
+              <a:bodyPr/>
+              <a:lstStyle/>
+              <a:p>
+                <a:r>
+                  <a:rPr lang="en-US">
+                    <a:noFill/>
+                  </a:rPr>
+                  <a:t> </a:t>
+                </a:r>
+              </a:p>
+            </p:txBody>
+          </p:sp>
+        </mc:Fallback>
+      </mc:AlternateContent>
+      <p:pic>
+        <p:nvPicPr>
+          <p:cNvPr id="4" name="Content Placeholder 3">
+            <a:extLst>
+              <a:ext uri="{FF2B5EF4-FFF2-40B4-BE49-F238E27FC236}">
+                <a16:creationId xmlns:a16="http://schemas.microsoft.com/office/drawing/2014/main" id="{EDF7EC7F-BB2F-D92A-D7F2-CF557BBBA149}"/>
+              </a:ext>
+            </a:extLst>
+          </p:cNvPr>
+          <p:cNvPicPr>
+            <a:picLocks noGrp="1" noChangeAspect="1"/>
+          </p:cNvPicPr>
           <p:nvPr>
             <p:ph idx="1"/>
           </p:nvPr>
-        </p:nvSpPr>
-        <p:spPr/>
-        <p:txBody>
-          <a:bodyPr/>
-          <a:lstStyle/>
-          <a:p>
-            <a:endParaRPr lang="en-US"/>
-          </a:p>
-        </p:txBody>
-      </p:sp>
+        </p:nvPicPr>
+        <p:blipFill>
+          <a:blip r:embed="rId4"/>
+          <a:stretch>
+            <a:fillRect/>
+          </a:stretch>
+        </p:blipFill>
+        <p:spPr>
+          <a:xfrm>
+            <a:off x="2093250" y="1825625"/>
+            <a:ext cx="8005500" cy="4351338"/>
+          </a:xfrm>
+          <a:prstGeom prst="rect">
+            <a:avLst/>
+          </a:prstGeom>
+        </p:spPr>
+      </p:pic>
     </p:spTree>
     <p:extLst>
       <p:ext uri="{BB962C8B-B14F-4D97-AF65-F5344CB8AC3E}">
-        <p14:creationId xmlns:p14="http://schemas.microsoft.com/office/powerpoint/2010/main" val="148421486"/>
+        <p14:creationId xmlns:p14="http://schemas.microsoft.com/office/powerpoint/2010/main" val="3063019842"/>
       </p:ext>
     </p:extLst>
   </p:cSld>
@@ -4609,7 +5160,7 @@
           <p:cNvPr id="2" name="Title 1">
             <a:extLst>
               <a:ext uri="{FF2B5EF4-FFF2-40B4-BE49-F238E27FC236}">
-                <a16:creationId xmlns:a16="http://schemas.microsoft.com/office/drawing/2014/main" id="{10846857-EF7F-FDE7-7DFC-CA9A00B64219}"/>
+                <a16:creationId xmlns:a16="http://schemas.microsoft.com/office/drawing/2014/main" id="{C7022B3D-6934-BB07-DE35-067EDF176C6A}"/>
               </a:ext>
             </a:extLst>
           </p:cNvPr>
@@ -4627,7 +5178,7 @@
           <a:p>
             <a:r>
               <a:rPr lang="en-US" dirty="0"/>
-              <a:t>Type Formation</a:t>
+              <a:t>Weak Head Normal Form</a:t>
             </a:r>
           </a:p>
         </p:txBody>
@@ -4637,7 +5188,7 @@
           <p:cNvPr id="3" name="Content Placeholder 2">
             <a:extLst>
               <a:ext uri="{FF2B5EF4-FFF2-40B4-BE49-F238E27FC236}">
-                <a16:creationId xmlns:a16="http://schemas.microsoft.com/office/drawing/2014/main" id="{06B8790A-69B4-26B7-3A15-AD02030BDC95}"/>
+                <a16:creationId xmlns:a16="http://schemas.microsoft.com/office/drawing/2014/main" id="{1666BB2C-1CC4-5E6F-B030-0D8D04D1566A}"/>
               </a:ext>
             </a:extLst>
           </p:cNvPr>
@@ -4653,14 +5204,14 @@
           <a:bodyPr/>
           <a:lstStyle/>
           <a:p>
-            <a:endParaRPr lang="en-US"/>
+            <a:endParaRPr lang="en-US" dirty="0"/>
           </a:p>
         </p:txBody>
       </p:sp>
     </p:spTree>
     <p:extLst>
       <p:ext uri="{BB962C8B-B14F-4D97-AF65-F5344CB8AC3E}">
-        <p14:creationId xmlns:p14="http://schemas.microsoft.com/office/powerpoint/2010/main" val="253577171"/>
+        <p14:creationId xmlns:p14="http://schemas.microsoft.com/office/powerpoint/2010/main" val="148421486"/>
       </p:ext>
     </p:extLst>
   </p:cSld>
@@ -4692,7 +5243,7 @@
           <p:cNvPr id="2" name="Title 1">
             <a:extLst>
               <a:ext uri="{FF2B5EF4-FFF2-40B4-BE49-F238E27FC236}">
-                <a16:creationId xmlns:a16="http://schemas.microsoft.com/office/drawing/2014/main" id="{D44B5B0C-DBCB-D842-7D51-20861439726F}"/>
+                <a16:creationId xmlns:a16="http://schemas.microsoft.com/office/drawing/2014/main" id="{10846857-EF7F-FDE7-7DFC-CA9A00B64219}"/>
               </a:ext>
             </a:extLst>
           </p:cNvPr>
@@ -4710,7 +5261,7 @@
           <a:p>
             <a:r>
               <a:rPr lang="en-US" dirty="0"/>
-              <a:t>Grammar translation</a:t>
+              <a:t>Type Formation</a:t>
             </a:r>
           </a:p>
         </p:txBody>
@@ -4720,7 +5271,7 @@
           <p:cNvPr id="3" name="Content Placeholder 2">
             <a:extLst>
               <a:ext uri="{FF2B5EF4-FFF2-40B4-BE49-F238E27FC236}">
-                <a16:creationId xmlns:a16="http://schemas.microsoft.com/office/drawing/2014/main" id="{E002D940-C3FB-2F81-E45C-436EE60F0FDD}"/>
+                <a16:creationId xmlns:a16="http://schemas.microsoft.com/office/drawing/2014/main" id="{06B8790A-69B4-26B7-3A15-AD02030BDC95}"/>
               </a:ext>
             </a:extLst>
           </p:cNvPr>
@@ -4736,14 +5287,14 @@
           <a:bodyPr/>
           <a:lstStyle/>
           <a:p>
-            <a:endParaRPr lang="en-US" dirty="0"/>
+            <a:endParaRPr lang="en-US"/>
           </a:p>
         </p:txBody>
       </p:sp>
     </p:spTree>
     <p:extLst>
       <p:ext uri="{BB962C8B-B14F-4D97-AF65-F5344CB8AC3E}">
-        <p14:creationId xmlns:p14="http://schemas.microsoft.com/office/powerpoint/2010/main" val="3844109003"/>
+        <p14:creationId xmlns:p14="http://schemas.microsoft.com/office/powerpoint/2010/main" val="253577171"/>
       </p:ext>
     </p:extLst>
   </p:cSld>
@@ -4775,7 +5326,7 @@
           <p:cNvPr id="2" name="Title 1">
             <a:extLst>
               <a:ext uri="{FF2B5EF4-FFF2-40B4-BE49-F238E27FC236}">
-                <a16:creationId xmlns:a16="http://schemas.microsoft.com/office/drawing/2014/main" id="{C80E5A7D-7E03-8F98-79FF-77BE4B26D5CC}"/>
+                <a16:creationId xmlns:a16="http://schemas.microsoft.com/office/drawing/2014/main" id="{A79A43C0-F6B2-DC18-78D9-138F9CD644C9}"/>
               </a:ext>
             </a:extLst>
           </p:cNvPr>
@@ -4792,9 +5343,10 @@
           <a:lstStyle/>
           <a:p>
             <a:r>
-              <a:rPr lang="en-US" dirty="0"/>
-              <a:t>Validation</a:t>
-            </a:r>
+              <a:rPr lang="en-US" dirty="0" err="1"/>
+              <a:t>Normalisation</a:t>
+            </a:r>
+            <a:endParaRPr lang="en-US" dirty="0"/>
           </a:p>
         </p:txBody>
       </p:sp>
@@ -4803,7 +5355,7 @@
           <p:cNvPr id="3" name="Content Placeholder 2">
             <a:extLst>
               <a:ext uri="{FF2B5EF4-FFF2-40B4-BE49-F238E27FC236}">
-                <a16:creationId xmlns:a16="http://schemas.microsoft.com/office/drawing/2014/main" id="{EAE483B5-48A2-70F4-41DC-3925DA0EDEAE}"/>
+                <a16:creationId xmlns:a16="http://schemas.microsoft.com/office/drawing/2014/main" id="{32099FD1-A2EA-C0FD-569E-539AA3083B11}"/>
               </a:ext>
             </a:extLst>
           </p:cNvPr>
@@ -4819,14 +5371,14 @@
           <a:bodyPr/>
           <a:lstStyle/>
           <a:p>
-            <a:endParaRPr lang="en-US" dirty="0"/>
+            <a:endParaRPr lang="en-US"/>
           </a:p>
         </p:txBody>
       </p:sp>
     </p:spTree>
     <p:extLst>
       <p:ext uri="{BB962C8B-B14F-4D97-AF65-F5344CB8AC3E}">
-        <p14:creationId xmlns:p14="http://schemas.microsoft.com/office/powerpoint/2010/main" val="1214206463"/>
+        <p14:creationId xmlns:p14="http://schemas.microsoft.com/office/powerpoint/2010/main" val="2069511883"/>
       </p:ext>
     </p:extLst>
   </p:cSld>
@@ -4858,7 +5410,7 @@
           <p:cNvPr id="2" name="Title 1">
             <a:extLst>
               <a:ext uri="{FF2B5EF4-FFF2-40B4-BE49-F238E27FC236}">
-                <a16:creationId xmlns:a16="http://schemas.microsoft.com/office/drawing/2014/main" id="{08D6BB68-EF1A-BBD6-0A7F-BF9BF7BF9644}"/>
+                <a16:creationId xmlns:a16="http://schemas.microsoft.com/office/drawing/2014/main" id="{9D558800-1DD1-5FAD-B1DD-9D3C42FC97AF}"/>
               </a:ext>
             </a:extLst>
           </p:cNvPr>
@@ -4876,7 +5428,7 @@
           <a:p>
             <a:r>
               <a:rPr lang="en-US" dirty="0"/>
-              <a:t>Conclusion</a:t>
+              <a:t>Recursive types</a:t>
             </a:r>
           </a:p>
         </p:txBody>
@@ -4886,7 +5438,7 @@
           <p:cNvPr id="3" name="Content Placeholder 2">
             <a:extLst>
               <a:ext uri="{FF2B5EF4-FFF2-40B4-BE49-F238E27FC236}">
-                <a16:creationId xmlns:a16="http://schemas.microsoft.com/office/drawing/2014/main" id="{8217DA8E-86E0-0FEA-A20F-0B31F5432622}"/>
+                <a16:creationId xmlns:a16="http://schemas.microsoft.com/office/drawing/2014/main" id="{7EE6CA53-DA1E-1389-FB61-ACE2427C9D89}"/>
               </a:ext>
             </a:extLst>
           </p:cNvPr>
@@ -4909,7 +5461,536 @@
     </p:spTree>
     <p:extLst>
       <p:ext uri="{BB962C8B-B14F-4D97-AF65-F5344CB8AC3E}">
-        <p14:creationId xmlns:p14="http://schemas.microsoft.com/office/powerpoint/2010/main" val="281048122"/>
+        <p14:creationId xmlns:p14="http://schemas.microsoft.com/office/powerpoint/2010/main" val="4286783048"/>
+      </p:ext>
+    </p:extLst>
+  </p:cSld>
+  <p:clrMapOvr>
+    <a:masterClrMapping/>
+  </p:clrMapOvr>
+</p:sld>
+</file>
+
+<file path=ppt/slides/slide9.xml><?xml version="1.0" encoding="utf-8"?>
+<p:sld xmlns:a="http://schemas.openxmlformats.org/drawingml/2006/main" xmlns:r="http://schemas.openxmlformats.org/officeDocument/2006/relationships" xmlns:p="http://schemas.openxmlformats.org/presentationml/2006/main">
+  <p:cSld>
+    <p:spTree>
+      <p:nvGrpSpPr>
+        <p:cNvPr id="1" name=""/>
+        <p:cNvGrpSpPr/>
+        <p:nvPr/>
+      </p:nvGrpSpPr>
+      <p:grpSpPr>
+        <a:xfrm>
+          <a:off x="0" y="0"/>
+          <a:ext cx="0" cy="0"/>
+          <a:chOff x="0" y="0"/>
+          <a:chExt cx="0" cy="0"/>
+        </a:xfrm>
+      </p:grpSpPr>
+      <p:sp>
+        <p:nvSpPr>
+          <p:cNvPr id="2" name="Title 1">
+            <a:extLst>
+              <a:ext uri="{FF2B5EF4-FFF2-40B4-BE49-F238E27FC236}">
+                <a16:creationId xmlns:a16="http://schemas.microsoft.com/office/drawing/2014/main" id="{73F290E7-8600-8B82-45B1-9EAA0BBA9022}"/>
+              </a:ext>
+            </a:extLst>
+          </p:cNvPr>
+          <p:cNvSpPr>
+            <a:spLocks noGrp="1"/>
+          </p:cNvSpPr>
+          <p:nvPr>
+            <p:ph type="title"/>
+          </p:nvPr>
+        </p:nvSpPr>
+        <p:spPr/>
+        <p:txBody>
+          <a:bodyPr/>
+          <a:lstStyle/>
+          <a:p>
+            <a:r>
+              <a:rPr lang="en-US" dirty="0"/>
+              <a:t>Decidability of type equivalence</a:t>
+            </a:r>
+          </a:p>
+        </p:txBody>
+      </p:sp>
+      <mc:AlternateContent xmlns:mc="http://schemas.openxmlformats.org/markup-compatibility/2006">
+        <mc:Choice xmlns:a14="http://schemas.microsoft.com/office/drawing/2010/main" Requires="a14">
+          <p:sp>
+            <p:nvSpPr>
+              <p:cNvPr id="3" name="Content Placeholder 2">
+                <a:extLst>
+                  <a:ext uri="{FF2B5EF4-FFF2-40B4-BE49-F238E27FC236}">
+                    <a16:creationId xmlns:a16="http://schemas.microsoft.com/office/drawing/2014/main" id="{B24DCD6A-E9D2-0EC9-20A1-24131A667F20}"/>
+                  </a:ext>
+                </a:extLst>
+              </p:cNvPr>
+              <p:cNvSpPr>
+                <a:spLocks noGrp="1"/>
+              </p:cNvSpPr>
+              <p:nvPr>
+                <p:ph idx="1"/>
+              </p:nvPr>
+            </p:nvSpPr>
+            <p:spPr/>
+            <p:txBody>
+              <a:bodyPr>
+                <a:normAutofit/>
+              </a:bodyPr>
+              <a:lstStyle/>
+              <a:p>
+                <a:pPr marL="0" indent="0">
+                  <a:buNone/>
+                </a:pPr>
+                <a:r>
+                  <a:rPr lang="en-US" sz="2800" dirty="0"/>
+                  <a:t>Type equivalence is decidable for types in </a:t>
+                </a:r>
+                <a14:m>
+                  <m:oMath xmlns:m="http://schemas.openxmlformats.org/officeDocument/2006/math">
+                    <m:sSubSup>
+                      <m:sSubSupPr>
+                        <m:ctrlPr>
+                          <a:rPr lang="pt-PT" sz="2800" i="1" smtClean="0">
+                            <a:solidFill>
+                              <a:srgbClr val="434343"/>
+                            </a:solidFill>
+                            <a:latin typeface="Cambria Math" panose="02040503050406030204" pitchFamily="18" charset="0"/>
+                            <a:sym typeface="Michroma"/>
+                          </a:rPr>
+                        </m:ctrlPr>
+                      </m:sSubSupPr>
+                      <m:e>
+                        <m:r>
+                          <a:rPr lang="pt-PT" sz="2800" b="0" i="1" smtClean="0">
+                            <a:solidFill>
+                              <a:srgbClr val="434343"/>
+                            </a:solidFill>
+                            <a:latin typeface="Cambria Math" panose="02040503050406030204" pitchFamily="18" charset="0"/>
+                            <a:sym typeface="Michroma"/>
+                          </a:rPr>
+                          <m:t>𝐹</m:t>
+                        </m:r>
+                      </m:e>
+                      <m:sub>
+                        <m:r>
+                          <a:rPr lang="pt-PT" sz="2800" i="1" smtClean="0">
+                            <a:solidFill>
+                              <a:srgbClr val="434343"/>
+                            </a:solidFill>
+                            <a:latin typeface="Cambria Math" panose="02040503050406030204" pitchFamily="18" charset="0"/>
+                            <a:ea typeface="Cambria Math" panose="02040503050406030204" pitchFamily="18" charset="0"/>
+                            <a:sym typeface="Michroma"/>
+                          </a:rPr>
+                          <m:t>𝜔</m:t>
+                        </m:r>
+                      </m:sub>
+                      <m:sup>
+                        <m:r>
+                          <a:rPr lang="pt-PT" sz="2800" i="1" smtClean="0">
+                            <a:solidFill>
+                              <a:srgbClr val="434343"/>
+                            </a:solidFill>
+                            <a:latin typeface="Cambria Math" panose="02040503050406030204" pitchFamily="18" charset="0"/>
+                            <a:ea typeface="Cambria Math" panose="02040503050406030204" pitchFamily="18" charset="0"/>
+                            <a:sym typeface="Michroma"/>
+                          </a:rPr>
+                          <m:t>𝜇</m:t>
+                        </m:r>
+                        <m:r>
+                          <a:rPr lang="pt-PT" sz="2800" b="0" i="1" smtClean="0">
+                            <a:solidFill>
+                              <a:srgbClr val="434343"/>
+                            </a:solidFill>
+                            <a:latin typeface="Cambria Math" panose="02040503050406030204" pitchFamily="18" charset="0"/>
+                            <a:ea typeface="Cambria Math" panose="02040503050406030204" pitchFamily="18" charset="0"/>
+                            <a:sym typeface="Michroma"/>
+                          </a:rPr>
+                          <m:t>∗;</m:t>
+                        </m:r>
+                      </m:sup>
+                    </m:sSubSup>
+                  </m:oMath>
+                </a14:m>
+                <a:endParaRPr lang="en-US" sz="2800" dirty="0"/>
+              </a:p>
+              <a:p>
+                <a:endParaRPr lang="en-US" sz="2800" dirty="0"/>
+              </a:p>
+              <a:p>
+                <a:pPr marL="0" indent="0">
+                  <a:buNone/>
+                </a:pPr>
+                <a:r>
+                  <a:rPr lang="en-US" sz="2800" b="1" dirty="0">
+                    <a:solidFill>
+                      <a:schemeClr val="tx1">
+                        <a:lumMod val="75000"/>
+                        <a:lumOff val="25000"/>
+                      </a:schemeClr>
+                    </a:solidFill>
+                  </a:rPr>
+                  <a:t>Algorithm</a:t>
+                </a:r>
+                <a:r>
+                  <a:rPr lang="en-US" sz="2800" dirty="0">
+                    <a:solidFill>
+                      <a:schemeClr val="tx1">
+                        <a:lumMod val="75000"/>
+                        <a:lumOff val="25000"/>
+                      </a:schemeClr>
+                    </a:solidFill>
+                  </a:rPr>
+                  <a:t> T ~ U</a:t>
+                </a:r>
+              </a:p>
+              <a:p>
+                <a:endParaRPr lang="en-US" dirty="0"/>
+              </a:p>
+            </p:txBody>
+          </p:sp>
+        </mc:Choice>
+        <mc:Fallback>
+          <p:sp>
+            <p:nvSpPr>
+              <p:cNvPr id="3" name="Content Placeholder 2">
+                <a:extLst>
+                  <a:ext uri="{FF2B5EF4-FFF2-40B4-BE49-F238E27FC236}">
+                    <a16:creationId xmlns:a16="http://schemas.microsoft.com/office/drawing/2014/main" id="{B24DCD6A-E9D2-0EC9-20A1-24131A667F20}"/>
+                  </a:ext>
+                </a:extLst>
+              </p:cNvPr>
+              <p:cNvSpPr>
+                <a:spLocks noGrp="1" noRot="1" noChangeAspect="1" noMove="1" noResize="1" noEditPoints="1" noAdjustHandles="1" noChangeArrowheads="1" noChangeShapeType="1" noTextEdit="1"/>
+              </p:cNvSpPr>
+              <p:nvPr>
+                <p:ph idx="1"/>
+              </p:nvPr>
+            </p:nvSpPr>
+            <p:spPr>
+              <a:blipFill>
+                <a:blip r:embed="rId3"/>
+                <a:stretch>
+                  <a:fillRect l="-1206" t="-2035"/>
+                </a:stretch>
+              </a:blipFill>
+            </p:spPr>
+            <p:txBody>
+              <a:bodyPr/>
+              <a:lstStyle/>
+              <a:p>
+                <a:r>
+                  <a:rPr lang="en-US">
+                    <a:noFill/>
+                  </a:rPr>
+                  <a:t> </a:t>
+                </a:r>
+              </a:p>
+            </p:txBody>
+          </p:sp>
+        </mc:Fallback>
+      </mc:AlternateContent>
+      <p:grpSp>
+        <p:nvGrpSpPr>
+          <p:cNvPr id="4" name="Group 3">
+            <a:extLst>
+              <a:ext uri="{FF2B5EF4-FFF2-40B4-BE49-F238E27FC236}">
+                <a16:creationId xmlns:a16="http://schemas.microsoft.com/office/drawing/2014/main" id="{9243696F-5C77-1BF4-ADBD-BA4DADC8559F}"/>
+              </a:ext>
+            </a:extLst>
+          </p:cNvPr>
+          <p:cNvGrpSpPr/>
+          <p:nvPr/>
+        </p:nvGrpSpPr>
+        <p:grpSpPr>
+          <a:xfrm>
+            <a:off x="3110886" y="4480909"/>
+            <a:ext cx="2272684" cy="1484864"/>
+            <a:chOff x="754461" y="2308287"/>
+            <a:chExt cx="2272684" cy="1484864"/>
+          </a:xfrm>
+        </p:grpSpPr>
+        <p:sp>
+          <p:nvSpPr>
+            <p:cNvPr id="5" name="TextBox 4">
+              <a:extLst>
+                <a:ext uri="{FF2B5EF4-FFF2-40B4-BE49-F238E27FC236}">
+                  <a16:creationId xmlns:a16="http://schemas.microsoft.com/office/drawing/2014/main" id="{021AB9BD-5E2E-21C7-B594-7A3747EC646F}"/>
+                </a:ext>
+              </a:extLst>
+            </p:cNvPr>
+            <p:cNvSpPr txBox="1"/>
+            <p:nvPr/>
+          </p:nvSpPr>
+          <p:spPr>
+            <a:xfrm>
+              <a:off x="754461" y="3269931"/>
+              <a:ext cx="2272684" cy="523220"/>
+            </a:xfrm>
+            <a:prstGeom prst="rect">
+              <a:avLst/>
+            </a:prstGeom>
+            <a:noFill/>
+          </p:spPr>
+          <p:txBody>
+            <a:bodyPr wrap="square" rtlCol="0">
+              <a:spAutoFit/>
+            </a:bodyPr>
+            <a:lstStyle/>
+            <a:p>
+              <a:pPr algn="ctr"/>
+              <a:r>
+                <a:rPr lang="en-US" dirty="0">
+                  <a:latin typeface="Fira Sans" panose="020B0503050000020004" pitchFamily="34" charset="0"/>
+                </a:rPr>
+                <a:t>Compute </a:t>
+              </a:r>
+              <a:r>
+                <a:rPr lang="en-US" i="1" dirty="0">
+                  <a:latin typeface="Fira Sans" panose="020B0503050000020004" pitchFamily="34" charset="0"/>
+                </a:rPr>
+                <a:t>word</a:t>
+              </a:r>
+              <a:r>
+                <a:rPr lang="en-US" dirty="0">
+                  <a:latin typeface="Fira Sans" panose="020B0503050000020004" pitchFamily="34" charset="0"/>
+                </a:rPr>
+                <a:t>(T) and </a:t>
+              </a:r>
+              <a:r>
+                <a:rPr lang="en-US" i="1" dirty="0">
+                  <a:latin typeface="Fira Sans" panose="020B0503050000020004" pitchFamily="34" charset="0"/>
+                </a:rPr>
+                <a:t>word</a:t>
+              </a:r>
+              <a:r>
+                <a:rPr lang="en-US" dirty="0">
+                  <a:latin typeface="Fira Sans" panose="020B0503050000020004" pitchFamily="34" charset="0"/>
+                </a:rPr>
+                <a:t>(U)</a:t>
+              </a:r>
+            </a:p>
+          </p:txBody>
+        </p:sp>
+        <p:pic>
+          <p:nvPicPr>
+            <p:cNvPr id="6" name="Picture 5" descr="A black background with a black square&#10;&#10;Description automatically generated with medium confidence">
+              <a:extLst>
+                <a:ext uri="{FF2B5EF4-FFF2-40B4-BE49-F238E27FC236}">
+                  <a16:creationId xmlns:a16="http://schemas.microsoft.com/office/drawing/2014/main" id="{5A514AAA-F2CE-FC26-ABFE-1F1CFB16EE7C}"/>
+                </a:ext>
+              </a:extLst>
+            </p:cNvPr>
+            <p:cNvPicPr>
+              <a:picLocks noChangeAspect="1"/>
+            </p:cNvPicPr>
+            <p:nvPr/>
+          </p:nvPicPr>
+          <p:blipFill>
+            <a:blip r:embed="rId4"/>
+            <a:stretch>
+              <a:fillRect/>
+            </a:stretch>
+          </p:blipFill>
+          <p:spPr>
+            <a:xfrm>
+              <a:off x="1627340" y="2308287"/>
+              <a:ext cx="526927" cy="526927"/>
+            </a:xfrm>
+            <a:prstGeom prst="rect">
+              <a:avLst/>
+            </a:prstGeom>
+          </p:spPr>
+        </p:pic>
+      </p:grpSp>
+      <p:grpSp>
+        <p:nvGrpSpPr>
+          <p:cNvPr id="7" name="Group 6">
+            <a:extLst>
+              <a:ext uri="{FF2B5EF4-FFF2-40B4-BE49-F238E27FC236}">
+                <a16:creationId xmlns:a16="http://schemas.microsoft.com/office/drawing/2014/main" id="{FE905A0C-8526-1155-7FCB-52BE7A0E6B2B}"/>
+              </a:ext>
+            </a:extLst>
+          </p:cNvPr>
+          <p:cNvGrpSpPr/>
+          <p:nvPr/>
+        </p:nvGrpSpPr>
+        <p:grpSpPr>
+          <a:xfrm>
+            <a:off x="6808431" y="4480909"/>
+            <a:ext cx="2272685" cy="1484864"/>
+            <a:chOff x="3551066" y="2308287"/>
+            <a:chExt cx="2272685" cy="1484864"/>
+          </a:xfrm>
+        </p:grpSpPr>
+        <mc:AlternateContent xmlns:mc="http://schemas.openxmlformats.org/markup-compatibility/2006" xmlns:a14="http://schemas.microsoft.com/office/drawing/2010/main">
+          <mc:Choice Requires="a14">
+            <p:sp>
+              <p:nvSpPr>
+                <p:cNvPr id="8" name="TextBox 7">
+                  <a:extLst>
+                    <a:ext uri="{FF2B5EF4-FFF2-40B4-BE49-F238E27FC236}">
+                      <a16:creationId xmlns:a16="http://schemas.microsoft.com/office/drawing/2014/main" id="{CC730F88-3A9E-731D-DEF0-55219D3728E7}"/>
+                    </a:ext>
+                  </a:extLst>
+                </p:cNvPr>
+                <p:cNvSpPr txBox="1"/>
+                <p:nvPr/>
+              </p:nvSpPr>
+              <p:spPr>
+                <a:xfrm>
+                  <a:off x="3551066" y="3269931"/>
+                  <a:ext cx="2272685" cy="523220"/>
+                </a:xfrm>
+                <a:prstGeom prst="rect">
+                  <a:avLst/>
+                </a:prstGeom>
+                <a:noFill/>
+              </p:spPr>
+              <p:txBody>
+                <a:bodyPr wrap="square" rtlCol="0">
+                  <a:spAutoFit/>
+                </a:bodyPr>
+                <a:lstStyle/>
+                <a:p>
+                  <a:pPr algn="ctr"/>
+                  <a:r>
+                    <a:rPr lang="en-US" dirty="0">
+                      <a:latin typeface="Fira Sans" panose="020B0503050000020004" pitchFamily="34" charset="0"/>
+                    </a:rPr>
+                    <a:t>Decide whether </a:t>
+                  </a:r>
+                </a:p>
+                <a:p>
+                  <a:pPr algn="ctr"/>
+                  <a:r>
+                    <a:rPr lang="en-US" i="1" dirty="0">
+                      <a:latin typeface="Fira Sans" panose="020B0503050000020004" pitchFamily="34" charset="0"/>
+                    </a:rPr>
+                    <a:t>word</a:t>
+                  </a:r>
+                  <a:r>
+                    <a:rPr lang="en-US" dirty="0">
+                      <a:latin typeface="Fira Sans" panose="020B0503050000020004" pitchFamily="34" charset="0"/>
+                    </a:rPr>
+                    <a:t>(T) </a:t>
+                  </a:r>
+                  <a14:m>
+                    <m:oMath xmlns:m="http://schemas.openxmlformats.org/officeDocument/2006/math">
+                      <m:r>
+                        <a:rPr lang="en-US" i="1" smtClean="0">
+                          <a:latin typeface="Cambria Math" panose="02040503050406030204" pitchFamily="18" charset="0"/>
+                          <a:ea typeface="Cambria Math" panose="02040503050406030204" pitchFamily="18" charset="0"/>
+                        </a:rPr>
+                        <m:t>≈</m:t>
+                      </m:r>
+                    </m:oMath>
+                  </a14:m>
+                  <a:r>
+                    <a:rPr lang="pt-PT" dirty="0">
+                      <a:latin typeface="Fira Sans" panose="020B0503050000020004" pitchFamily="34" charset="0"/>
+                      <a:ea typeface="Cambria Math" panose="02040503050406030204" pitchFamily="18" charset="0"/>
+                    </a:rPr>
+                    <a:t> </a:t>
+                  </a:r>
+                  <a:r>
+                    <a:rPr lang="en-US" i="1" dirty="0">
+                      <a:latin typeface="Fira Sans" panose="020B0503050000020004" pitchFamily="34" charset="0"/>
+                    </a:rPr>
+                    <a:t>word</a:t>
+                  </a:r>
+                  <a:r>
+                    <a:rPr lang="en-US" dirty="0">
+                      <a:latin typeface="Fira Sans" panose="020B0503050000020004" pitchFamily="34" charset="0"/>
+                    </a:rPr>
+                    <a:t>(U)</a:t>
+                  </a:r>
+                </a:p>
+              </p:txBody>
+            </p:sp>
+          </mc:Choice>
+          <mc:Fallback xmlns="">
+            <p:sp>
+              <p:nvSpPr>
+                <p:cNvPr id="10" name="TextBox 9">
+                  <a:extLst>
+                    <a:ext uri="{FF2B5EF4-FFF2-40B4-BE49-F238E27FC236}">
+                      <a16:creationId xmlns:a16="http://schemas.microsoft.com/office/drawing/2014/main" id="{11CC47AE-A1D8-6085-1E13-699FCABDC480}"/>
+                    </a:ext>
+                  </a:extLst>
+                </p:cNvPr>
+                <p:cNvSpPr txBox="1">
+                  <a:spLocks noRot="1" noChangeAspect="1" noMove="1" noResize="1" noEditPoints="1" noAdjustHandles="1" noChangeArrowheads="1" noChangeShapeType="1" noTextEdit="1"/>
+                </p:cNvSpPr>
+                <p:nvPr/>
+              </p:nvSpPr>
+              <p:spPr>
+                <a:xfrm>
+                  <a:off x="3551066" y="3269931"/>
+                  <a:ext cx="2272685" cy="523220"/>
+                </a:xfrm>
+                <a:prstGeom prst="rect">
+                  <a:avLst/>
+                </a:prstGeom>
+                <a:blipFill>
+                  <a:blip r:embed="rId5"/>
+                  <a:stretch>
+                    <a:fillRect t="-2381" b="-11905"/>
+                  </a:stretch>
+                </a:blipFill>
+              </p:spPr>
+              <p:txBody>
+                <a:bodyPr/>
+                <a:lstStyle/>
+                <a:p>
+                  <a:r>
+                    <a:rPr lang="en-US">
+                      <a:noFill/>
+                    </a:rPr>
+                    <a:t> </a:t>
+                  </a:r>
+                </a:p>
+              </p:txBody>
+            </p:sp>
+          </mc:Fallback>
+        </mc:AlternateContent>
+        <p:pic>
+          <p:nvPicPr>
+            <p:cNvPr id="9" name="Picture 8" descr="A black background with a black square&#10;&#10;Description automatically generated with medium confidence">
+              <a:extLst>
+                <a:ext uri="{FF2B5EF4-FFF2-40B4-BE49-F238E27FC236}">
+                  <a16:creationId xmlns:a16="http://schemas.microsoft.com/office/drawing/2014/main" id="{427A8C93-AE0D-ED46-56B0-05FA253195C2}"/>
+                </a:ext>
+              </a:extLst>
+            </p:cNvPr>
+            <p:cNvPicPr>
+              <a:picLocks noChangeAspect="1"/>
+            </p:cNvPicPr>
+            <p:nvPr/>
+          </p:nvPicPr>
+          <p:blipFill>
+            <a:blip r:embed="rId6"/>
+            <a:stretch>
+              <a:fillRect/>
+            </a:stretch>
+          </p:blipFill>
+          <p:spPr>
+            <a:xfrm>
+              <a:off x="4468335" y="2308287"/>
+              <a:ext cx="526927" cy="526927"/>
+            </a:xfrm>
+            <a:prstGeom prst="rect">
+              <a:avLst/>
+            </a:prstGeom>
+          </p:spPr>
+        </p:pic>
+      </p:grpSp>
+    </p:spTree>
+    <p:extLst>
+      <p:ext uri="{BB962C8B-B14F-4D97-AF65-F5344CB8AC3E}">
+        <p14:creationId xmlns:p14="http://schemas.microsoft.com/office/powerpoint/2010/main" val="1341504001"/>
       </p:ext>
     </p:extLst>
   </p:cSld>

--- a/latex/Inforum/slides/presentation.pptx
+++ b/latex/Inforum/slides/presentation.pptx
@@ -5,21 +5,22 @@
     <p:sldMasterId id="2147483648" r:id="rId1"/>
   </p:sldMasterIdLst>
   <p:notesMasterIdLst>
-    <p:notesMasterId r:id="rId14"/>
+    <p:notesMasterId r:id="rId15"/>
   </p:notesMasterIdLst>
   <p:sldIdLst>
     <p:sldId id="256" r:id="rId2"/>
     <p:sldId id="262" r:id="rId3"/>
-    <p:sldId id="263" r:id="rId4"/>
-    <p:sldId id="264" r:id="rId5"/>
-    <p:sldId id="257" r:id="rId6"/>
-    <p:sldId id="258" r:id="rId7"/>
-    <p:sldId id="266" r:id="rId8"/>
-    <p:sldId id="267" r:id="rId9"/>
-    <p:sldId id="265" r:id="rId10"/>
-    <p:sldId id="259" r:id="rId11"/>
-    <p:sldId id="260" r:id="rId12"/>
-    <p:sldId id="261" r:id="rId13"/>
+    <p:sldId id="268" r:id="rId4"/>
+    <p:sldId id="269" r:id="rId5"/>
+    <p:sldId id="264" r:id="rId6"/>
+    <p:sldId id="257" r:id="rId7"/>
+    <p:sldId id="258" r:id="rId8"/>
+    <p:sldId id="266" r:id="rId9"/>
+    <p:sldId id="267" r:id="rId10"/>
+    <p:sldId id="265" r:id="rId11"/>
+    <p:sldId id="259" r:id="rId12"/>
+    <p:sldId id="260" r:id="rId13"/>
+    <p:sldId id="261" r:id="rId14"/>
   </p:sldIdLst>
   <p:sldSz cx="12192000" cy="6858000"/>
   <p:notesSz cx="6858000" cy="9144000"/>
@@ -504,32 +505,333 @@
         </p:nvSpPr>
         <p:spPr/>
       </p:sp>
-      <p:sp>
-        <p:nvSpPr>
-          <p:cNvPr id="3" name="Notes Placeholder 2"/>
-          <p:cNvSpPr>
-            <a:spLocks noGrp="1"/>
-          </p:cNvSpPr>
-          <p:nvPr>
-            <p:ph type="body" idx="1"/>
-          </p:nvPr>
-        </p:nvSpPr>
-        <p:spPr/>
-        <p:txBody>
-          <a:bodyPr/>
-          <a:lstStyle/>
-          <a:p>
-            <a:r>
-              <a:rPr lang="en-US" dirty="0"/>
-              <a:t>Motivation; </a:t>
-            </a:r>
-            <a:r>
-              <a:rPr lang="en-US"/>
-              <a:t>key concepts;</a:t>
-            </a:r>
-          </a:p>
-        </p:txBody>
-      </p:sp>
+      <mc:AlternateContent xmlns:mc="http://schemas.openxmlformats.org/markup-compatibility/2006">
+        <mc:Choice xmlns:a14="http://schemas.microsoft.com/office/drawing/2010/main" Requires="a14">
+          <p:sp>
+            <p:nvSpPr>
+              <p:cNvPr id="3" name="Notes Placeholder 2"/>
+              <p:cNvSpPr>
+                <a:spLocks noGrp="1"/>
+              </p:cNvSpPr>
+              <p:nvPr>
+                <p:ph type="body" idx="1"/>
+              </p:nvPr>
+            </p:nvSpPr>
+            <p:spPr/>
+            <p:txBody>
+              <a:bodyPr/>
+              <a:lstStyle/>
+              <a:p>
+                <a:r>
+                  <a:rPr lang="en-US" dirty="0"/>
+                  <a:t>Locate </a:t>
+                </a:r>
+                <a:r>
+                  <a:rPr lang="en-US" dirty="0" err="1"/>
+                  <a:t>FreeST</a:t>
+                </a:r>
+                <a:r>
+                  <a:rPr lang="en-US" dirty="0"/>
+                  <a:t> in </a:t>
+                </a:r>
+                <a14:m>
+                  <m:oMath xmlns:m="http://schemas.openxmlformats.org/officeDocument/2006/math">
+                    <m:sSubSup>
+                      <m:sSubSupPr>
+                        <m:ctrlPr>
+                          <a:rPr lang="pt-PT" i="1" smtClean="0">
+                            <a:solidFill>
+                              <a:srgbClr val="434343"/>
+                            </a:solidFill>
+                            <a:latin typeface="Cambria Math" panose="02040503050406030204" pitchFamily="18" charset="0"/>
+                            <a:sym typeface="Michroma"/>
+                          </a:rPr>
+                        </m:ctrlPr>
+                      </m:sSubSupPr>
+                      <m:e>
+                        <m:r>
+                          <a:rPr lang="pt-PT" i="1">
+                            <a:solidFill>
+                              <a:srgbClr val="434343"/>
+                            </a:solidFill>
+                            <a:latin typeface="Cambria Math" panose="02040503050406030204" pitchFamily="18" charset="0"/>
+                            <a:sym typeface="Michroma"/>
+                          </a:rPr>
+                          <m:t>𝐹</m:t>
+                        </m:r>
+                      </m:e>
+                      <m:sub/>
+                      <m:sup>
+                        <m:r>
+                          <a:rPr lang="pt-PT" i="1">
+                            <a:solidFill>
+                              <a:srgbClr val="434343"/>
+                            </a:solidFill>
+                            <a:latin typeface="Cambria Math" panose="02040503050406030204" pitchFamily="18" charset="0"/>
+                            <a:ea typeface="Cambria Math" panose="02040503050406030204" pitchFamily="18" charset="0"/>
+                            <a:sym typeface="Michroma"/>
+                          </a:rPr>
+                          <m:t>𝜇</m:t>
+                        </m:r>
+                        <m:r>
+                          <a:rPr lang="pt-PT" i="1">
+                            <a:solidFill>
+                              <a:srgbClr val="434343"/>
+                            </a:solidFill>
+                            <a:latin typeface="Cambria Math" panose="02040503050406030204" pitchFamily="18" charset="0"/>
+                            <a:ea typeface="Cambria Math" panose="02040503050406030204" pitchFamily="18" charset="0"/>
+                            <a:sym typeface="Michroma"/>
+                          </a:rPr>
+                          <m:t>;</m:t>
+                        </m:r>
+                      </m:sup>
+                    </m:sSubSup>
+                    <m:r>
+                      <a:rPr lang="pt-PT" b="0" i="1" smtClean="0">
+                        <a:solidFill>
+                          <a:srgbClr val="434343"/>
+                        </a:solidFill>
+                        <a:latin typeface="Cambria Math" panose="02040503050406030204" pitchFamily="18" charset="0"/>
+                        <a:ea typeface="Cambria Math" panose="02040503050406030204" pitchFamily="18" charset="0"/>
+                        <a:sym typeface="Michroma"/>
+                      </a:rPr>
+                      <m:t> </m:t>
+                    </m:r>
+                  </m:oMath>
+                </a14:m>
+                <a:r>
+                  <a:rPr lang="en-US" dirty="0"/>
+                  <a:t>. The next step is higher-order setting.</a:t>
+                </a:r>
+              </a:p>
+              <a:p>
+                <a:r>
+                  <a:rPr lang="en-US" dirty="0"/>
+                  <a:t>Work is focused on </a:t>
+                </a:r>
+                <a14:m>
+                  <m:oMath xmlns:m="http://schemas.openxmlformats.org/officeDocument/2006/math">
+                    <m:sSubSup>
+                      <m:sSubSupPr>
+                        <m:ctrlPr>
+                          <a:rPr lang="pt-PT" sz="1200" i="1" smtClean="0">
+                            <a:solidFill>
+                              <a:srgbClr val="434343"/>
+                            </a:solidFill>
+                            <a:latin typeface="Cambria Math" panose="02040503050406030204" pitchFamily="18" charset="0"/>
+                            <a:sym typeface="Michroma"/>
+                          </a:rPr>
+                        </m:ctrlPr>
+                      </m:sSubSupPr>
+                      <m:e>
+                        <m:r>
+                          <a:rPr lang="pt-PT" sz="1200" b="0" i="1" smtClean="0">
+                            <a:solidFill>
+                              <a:srgbClr val="434343"/>
+                            </a:solidFill>
+                            <a:latin typeface="Cambria Math" panose="02040503050406030204" pitchFamily="18" charset="0"/>
+                            <a:sym typeface="Michroma"/>
+                          </a:rPr>
+                          <m:t>𝐹</m:t>
+                        </m:r>
+                      </m:e>
+                      <m:sub>
+                        <m:r>
+                          <a:rPr lang="pt-PT" sz="1200" i="1" smtClean="0">
+                            <a:solidFill>
+                              <a:srgbClr val="434343"/>
+                            </a:solidFill>
+                            <a:latin typeface="Cambria Math" panose="02040503050406030204" pitchFamily="18" charset="0"/>
+                            <a:ea typeface="Cambria Math" panose="02040503050406030204" pitchFamily="18" charset="0"/>
+                            <a:sym typeface="Michroma"/>
+                          </a:rPr>
+                          <m:t>𝜔</m:t>
+                        </m:r>
+                      </m:sub>
+                      <m:sup>
+                        <m:r>
+                          <a:rPr lang="pt-PT" sz="1200" i="1" smtClean="0">
+                            <a:solidFill>
+                              <a:srgbClr val="434343"/>
+                            </a:solidFill>
+                            <a:latin typeface="Cambria Math" panose="02040503050406030204" pitchFamily="18" charset="0"/>
+                            <a:ea typeface="Cambria Math" panose="02040503050406030204" pitchFamily="18" charset="0"/>
+                            <a:sym typeface="Michroma"/>
+                          </a:rPr>
+                          <m:t>𝜇</m:t>
+                        </m:r>
+                        <m:r>
+                          <a:rPr lang="pt-PT" sz="1200" b="0" i="1" smtClean="0">
+                            <a:solidFill>
+                              <a:srgbClr val="434343"/>
+                            </a:solidFill>
+                            <a:latin typeface="Cambria Math" panose="02040503050406030204" pitchFamily="18" charset="0"/>
+                            <a:ea typeface="Cambria Math" panose="02040503050406030204" pitchFamily="18" charset="0"/>
+                            <a:sym typeface="Michroma"/>
+                          </a:rPr>
+                          <m:t>∗;</m:t>
+                        </m:r>
+                      </m:sup>
+                    </m:sSubSup>
+                  </m:oMath>
+                </a14:m>
+                <a:r>
+                  <a:rPr lang="en-US" dirty="0"/>
+                  <a:t> with goal of integrating advanced features (</a:t>
+                </a:r>
+                <a:r>
+                  <a:rPr lang="en-US" dirty="0" err="1"/>
+                  <a:t>equirecursion</a:t>
+                </a:r>
+                <a:r>
+                  <a:rPr lang="en-US" dirty="0"/>
+                  <a:t>, higher-order polymorphism, </a:t>
+                </a:r>
+                <a:r>
+                  <a:rPr lang="en-US" dirty="0" err="1"/>
+                  <a:t>ctfs</a:t>
+                </a:r>
+                <a:r>
+                  <a:rPr lang="en-US" dirty="0"/>
+                  <a:t>) into a cohesive type system incorporated into a programming language.</a:t>
+                </a:r>
+              </a:p>
+              <a:p>
+                <a:endParaRPr lang="en-US" dirty="0"/>
+              </a:p>
+            </p:txBody>
+          </p:sp>
+        </mc:Choice>
+        <mc:Fallback>
+          <p:sp>
+            <p:nvSpPr>
+              <p:cNvPr id="3" name="Notes Placeholder 2"/>
+              <p:cNvSpPr>
+                <a:spLocks noGrp="1"/>
+              </p:cNvSpPr>
+              <p:nvPr>
+                <p:ph type="body" idx="1"/>
+              </p:nvPr>
+            </p:nvSpPr>
+            <p:spPr/>
+            <p:txBody>
+              <a:bodyPr/>
+              <a:lstStyle/>
+              <a:p>
+                <a:r>
+                  <a:rPr lang="en-US" dirty="0"/>
+                  <a:t>Locate </a:t>
+                </a:r>
+                <a:r>
+                  <a:rPr lang="en-US" dirty="0" err="1"/>
+                  <a:t>FreeST</a:t>
+                </a:r>
+                <a:r>
+                  <a:rPr lang="en-US" dirty="0"/>
+                  <a:t> in </a:t>
+                </a:r>
+                <a:r>
+                  <a:rPr lang="pt-PT" i="0">
+                    <a:solidFill>
+                      <a:srgbClr val="434343"/>
+                    </a:solidFill>
+                    <a:latin typeface="Cambria Math" panose="02040503050406030204" pitchFamily="18" charset="0"/>
+                    <a:sym typeface="Michroma"/>
+                  </a:rPr>
+                  <a:t>𝐹_^(</a:t>
+                </a:r>
+                <a:r>
+                  <a:rPr lang="pt-PT" i="0">
+                    <a:solidFill>
+                      <a:srgbClr val="434343"/>
+                    </a:solidFill>
+                    <a:latin typeface="Cambria Math" panose="02040503050406030204" pitchFamily="18" charset="0"/>
+                    <a:ea typeface="Cambria Math" panose="02040503050406030204" pitchFamily="18" charset="0"/>
+                    <a:sym typeface="Michroma"/>
+                  </a:rPr>
+                  <a:t>𝜇;)</a:t>
+                </a:r>
+                <a:r>
+                  <a:rPr lang="pt-PT" b="0" i="0">
+                    <a:solidFill>
+                      <a:srgbClr val="434343"/>
+                    </a:solidFill>
+                    <a:latin typeface="Cambria Math" panose="02040503050406030204" pitchFamily="18" charset="0"/>
+                    <a:ea typeface="Cambria Math" panose="02040503050406030204" pitchFamily="18" charset="0"/>
+                    <a:sym typeface="Michroma"/>
+                  </a:rPr>
+                  <a:t>  </a:t>
+                </a:r>
+                <a:r>
+                  <a:rPr lang="en-US" dirty="0"/>
+                  <a:t>. The next step is higher-order setting.</a:t>
+                </a:r>
+              </a:p>
+              <a:p>
+                <a:r>
+                  <a:rPr lang="en-US" dirty="0"/>
+                  <a:t>Work is focused on </a:t>
+                </a:r>
+                <a:r>
+                  <a:rPr lang="pt-PT" sz="1200" b="0" i="0">
+                    <a:solidFill>
+                      <a:srgbClr val="434343"/>
+                    </a:solidFill>
+                    <a:latin typeface="Cambria Math" panose="02040503050406030204" pitchFamily="18" charset="0"/>
+                    <a:sym typeface="Michroma"/>
+                  </a:rPr>
+                  <a:t>𝐹_</a:t>
+                </a:r>
+                <a:r>
+                  <a:rPr lang="pt-PT" sz="1200" i="0">
+                    <a:solidFill>
+                      <a:srgbClr val="434343"/>
+                    </a:solidFill>
+                    <a:latin typeface="Cambria Math" panose="02040503050406030204" pitchFamily="18" charset="0"/>
+                    <a:ea typeface="Cambria Math" panose="02040503050406030204" pitchFamily="18" charset="0"/>
+                    <a:sym typeface="Michroma"/>
+                  </a:rPr>
+                  <a:t>𝜔^(𝜇</a:t>
+                </a:r>
+                <a:r>
+                  <a:rPr lang="pt-PT" sz="1200" b="0" i="0">
+                    <a:solidFill>
+                      <a:srgbClr val="434343"/>
+                    </a:solidFill>
+                    <a:latin typeface="Cambria Math" panose="02040503050406030204" pitchFamily="18" charset="0"/>
+                    <a:ea typeface="Cambria Math" panose="02040503050406030204" pitchFamily="18" charset="0"/>
+                    <a:sym typeface="Michroma"/>
+                  </a:rPr>
+                  <a:t>∗;)</a:t>
+                </a:r>
+                <a:r>
+                  <a:rPr lang="en-US" dirty="0"/>
+                  <a:t> with goal of integrating advanced features (</a:t>
+                </a:r>
+                <a:r>
+                  <a:rPr lang="en-US" dirty="0" err="1"/>
+                  <a:t>equirecursion</a:t>
+                </a:r>
+                <a:r>
+                  <a:rPr lang="en-US" dirty="0"/>
+                  <a:t>, higher-order polymorphism, </a:t>
+                </a:r>
+                <a:r>
+                  <a:rPr lang="en-US" dirty="0" err="1"/>
+                  <a:t>ctfs</a:t>
+                </a:r>
+                <a:r>
+                  <a:rPr lang="en-US" dirty="0"/>
+                  <a:t>) into a cohesive type system incorporated into a programming language.</a:t>
+                </a:r>
+              </a:p>
+              <a:p>
+                <a:endParaRPr lang="en-US" dirty="0"/>
+              </a:p>
+            </p:txBody>
+          </p:sp>
+        </mc:Fallback>
+      </mc:AlternateContent>
       <p:sp>
         <p:nvSpPr>
           <p:cNvPr id="4" name="Slide Number Placeholder 3"/>
@@ -612,7 +914,15 @@
           <a:p>
             <a:r>
               <a:rPr lang="en-US" dirty="0"/>
-              <a:t>Context free session types (with example)</a:t>
+              <a:t>Goal is to move beyond context-free session types by introducing type operators into </a:t>
+            </a:r>
+            <a:r>
+              <a:rPr lang="en-US" dirty="0" err="1"/>
+              <a:t>FreeST</a:t>
+            </a:r>
+            <a:r>
+              <a:rPr lang="en-US" dirty="0"/>
+              <a:t>.</a:t>
             </a:r>
           </a:p>
         </p:txBody>
@@ -643,7 +953,7 @@
     </p:spTree>
     <p:extLst>
       <p:ext uri="{BB962C8B-B14F-4D97-AF65-F5344CB8AC3E}">
-        <p14:creationId xmlns:p14="http://schemas.microsoft.com/office/powerpoint/2010/main" val="1613311663"/>
+        <p14:creationId xmlns:p14="http://schemas.microsoft.com/office/powerpoint/2010/main" val="2180935392"/>
       </p:ext>
     </p:extLst>
   </p:cSld>
@@ -721,7 +1031,7 @@
           <a:p>
             <a:fld id="{02547659-C21A-9648-9FCA-C328DECACF95}" type="slidenum">
               <a:rPr lang="en-US" smtClean="0"/>
-              <a:t>4</a:t>
+              <a:t>5</a:t>
             </a:fld>
             <a:endParaRPr lang="en-US"/>
           </a:p>
@@ -805,7 +1115,7 @@
           <a:p>
             <a:fld id="{02547659-C21A-9648-9FCA-C328DECACF95}" type="slidenum">
               <a:rPr lang="en-US" smtClean="0"/>
-              <a:t>5</a:t>
+              <a:t>6</a:t>
             </a:fld>
             <a:endParaRPr lang="en-US"/>
           </a:p>
@@ -904,7 +1214,7 @@
           <a:p>
             <a:fld id="{02547659-C21A-9648-9FCA-C328DECACF95}" type="slidenum">
               <a:rPr lang="en-US" smtClean="0"/>
-              <a:t>6</a:t>
+              <a:t>7</a:t>
             </a:fld>
             <a:endParaRPr lang="en-US"/>
           </a:p>
@@ -991,7 +1301,7 @@
           <a:p>
             <a:fld id="{02547659-C21A-9648-9FCA-C328DECACF95}" type="slidenum">
               <a:rPr lang="en-US" smtClean="0"/>
-              <a:t>9</a:t>
+              <a:t>10</a:t>
             </a:fld>
             <a:endParaRPr lang="en-US"/>
           </a:p>
@@ -1075,7 +1385,7 @@
           <a:p>
             <a:fld id="{02547659-C21A-9648-9FCA-C328DECACF95}" type="slidenum">
               <a:rPr lang="en-US" smtClean="0"/>
-              <a:t>10</a:t>
+              <a:t>11</a:t>
             </a:fld>
             <a:endParaRPr lang="en-US"/>
           </a:p>
@@ -1190,7 +1500,7 @@
           <a:p>
             <a:fld id="{02547659-C21A-9648-9FCA-C328DECACF95}" type="slidenum">
               <a:rPr lang="en-US" smtClean="0"/>
-              <a:t>11</a:t>
+              <a:t>12</a:t>
             </a:fld>
             <a:endParaRPr lang="en-US"/>
           </a:p>
@@ -4521,978 +4831,6 @@
           <p:cNvPr id="2" name="Title 1">
             <a:extLst>
               <a:ext uri="{FF2B5EF4-FFF2-40B4-BE49-F238E27FC236}">
-                <a16:creationId xmlns:a16="http://schemas.microsoft.com/office/drawing/2014/main" id="{D44B5B0C-DBCB-D842-7D51-20861439726F}"/>
-              </a:ext>
-            </a:extLst>
-          </p:cNvPr>
-          <p:cNvSpPr>
-            <a:spLocks noGrp="1"/>
-          </p:cNvSpPr>
-          <p:nvPr>
-            <p:ph type="title"/>
-          </p:nvPr>
-        </p:nvSpPr>
-        <p:spPr/>
-        <p:txBody>
-          <a:bodyPr/>
-          <a:lstStyle/>
-          <a:p>
-            <a:r>
-              <a:rPr lang="en-US" dirty="0"/>
-              <a:t>Grammar translation</a:t>
-            </a:r>
-          </a:p>
-        </p:txBody>
-      </p:sp>
-      <p:sp>
-        <p:nvSpPr>
-          <p:cNvPr id="3" name="Content Placeholder 2">
-            <a:extLst>
-              <a:ext uri="{FF2B5EF4-FFF2-40B4-BE49-F238E27FC236}">
-                <a16:creationId xmlns:a16="http://schemas.microsoft.com/office/drawing/2014/main" id="{E002D940-C3FB-2F81-E45C-436EE60F0FDD}"/>
-              </a:ext>
-            </a:extLst>
-          </p:cNvPr>
-          <p:cNvSpPr>
-            <a:spLocks noGrp="1"/>
-          </p:cNvSpPr>
-          <p:nvPr>
-            <p:ph idx="1"/>
-          </p:nvPr>
-        </p:nvSpPr>
-        <p:spPr/>
-        <p:txBody>
-          <a:bodyPr/>
-          <a:lstStyle/>
-          <a:p>
-            <a:r>
-              <a:rPr lang="en-US" dirty="0"/>
-              <a:t>Show rules and then example.</a:t>
-            </a:r>
-          </a:p>
-        </p:txBody>
-      </p:sp>
-    </p:spTree>
-    <p:extLst>
-      <p:ext uri="{BB962C8B-B14F-4D97-AF65-F5344CB8AC3E}">
-        <p14:creationId xmlns:p14="http://schemas.microsoft.com/office/powerpoint/2010/main" val="3844109003"/>
-      </p:ext>
-    </p:extLst>
-  </p:cSld>
-  <p:clrMapOvr>
-    <a:masterClrMapping/>
-  </p:clrMapOvr>
-</p:sld>
-</file>
-
-<file path=ppt/slides/slide11.xml><?xml version="1.0" encoding="utf-8"?>
-<p:sld xmlns:a="http://schemas.openxmlformats.org/drawingml/2006/main" xmlns:r="http://schemas.openxmlformats.org/officeDocument/2006/relationships" xmlns:p="http://schemas.openxmlformats.org/presentationml/2006/main">
-  <p:cSld>
-    <p:spTree>
-      <p:nvGrpSpPr>
-        <p:cNvPr id="1" name=""/>
-        <p:cNvGrpSpPr/>
-        <p:nvPr/>
-      </p:nvGrpSpPr>
-      <p:grpSpPr>
-        <a:xfrm>
-          <a:off x="0" y="0"/>
-          <a:ext cx="0" cy="0"/>
-          <a:chOff x="0" y="0"/>
-          <a:chExt cx="0" cy="0"/>
-        </a:xfrm>
-      </p:grpSpPr>
-      <p:sp>
-        <p:nvSpPr>
-          <p:cNvPr id="2" name="Title 1">
-            <a:extLst>
-              <a:ext uri="{FF2B5EF4-FFF2-40B4-BE49-F238E27FC236}">
-                <a16:creationId xmlns:a16="http://schemas.microsoft.com/office/drawing/2014/main" id="{C80E5A7D-7E03-8F98-79FF-77BE4B26D5CC}"/>
-              </a:ext>
-            </a:extLst>
-          </p:cNvPr>
-          <p:cNvSpPr>
-            <a:spLocks noGrp="1"/>
-          </p:cNvSpPr>
-          <p:nvPr>
-            <p:ph type="title"/>
-          </p:nvPr>
-        </p:nvSpPr>
-        <p:spPr/>
-        <p:txBody>
-          <a:bodyPr/>
-          <a:lstStyle/>
-          <a:p>
-            <a:r>
-              <a:rPr lang="en-US" dirty="0"/>
-              <a:t>Validation</a:t>
-            </a:r>
-          </a:p>
-        </p:txBody>
-      </p:sp>
-      <p:pic>
-        <p:nvPicPr>
-          <p:cNvPr id="4" name="Content Placeholder 3">
-            <a:extLst>
-              <a:ext uri="{FF2B5EF4-FFF2-40B4-BE49-F238E27FC236}">
-                <a16:creationId xmlns:a16="http://schemas.microsoft.com/office/drawing/2014/main" id="{FF91FDB0-784F-2D63-512C-850420CF6B11}"/>
-              </a:ext>
-            </a:extLst>
-          </p:cNvPr>
-          <p:cNvPicPr>
-            <a:picLocks noGrp="1" noChangeAspect="1"/>
-          </p:cNvPicPr>
-          <p:nvPr>
-            <p:ph idx="1"/>
-          </p:nvPr>
-        </p:nvPicPr>
-        <p:blipFill>
-          <a:blip r:embed="rId3"/>
-          <a:stretch>
-            <a:fillRect/>
-          </a:stretch>
-        </p:blipFill>
-        <p:spPr>
-          <a:xfrm>
-            <a:off x="2311400" y="2667794"/>
-            <a:ext cx="7569200" cy="2667000"/>
-          </a:xfrm>
-          <a:prstGeom prst="rect">
-            <a:avLst/>
-          </a:prstGeom>
-        </p:spPr>
-      </p:pic>
-    </p:spTree>
-    <p:extLst>
-      <p:ext uri="{BB962C8B-B14F-4D97-AF65-F5344CB8AC3E}">
-        <p14:creationId xmlns:p14="http://schemas.microsoft.com/office/powerpoint/2010/main" val="1214206463"/>
-      </p:ext>
-    </p:extLst>
-  </p:cSld>
-  <p:clrMapOvr>
-    <a:masterClrMapping/>
-  </p:clrMapOvr>
-</p:sld>
-</file>
-
-<file path=ppt/slides/slide12.xml><?xml version="1.0" encoding="utf-8"?>
-<p:sld xmlns:a="http://schemas.openxmlformats.org/drawingml/2006/main" xmlns:r="http://schemas.openxmlformats.org/officeDocument/2006/relationships" xmlns:p="http://schemas.openxmlformats.org/presentationml/2006/main">
-  <p:cSld>
-    <p:spTree>
-      <p:nvGrpSpPr>
-        <p:cNvPr id="1" name=""/>
-        <p:cNvGrpSpPr/>
-        <p:nvPr/>
-      </p:nvGrpSpPr>
-      <p:grpSpPr>
-        <a:xfrm>
-          <a:off x="0" y="0"/>
-          <a:ext cx="0" cy="0"/>
-          <a:chOff x="0" y="0"/>
-          <a:chExt cx="0" cy="0"/>
-        </a:xfrm>
-      </p:grpSpPr>
-      <p:sp>
-        <p:nvSpPr>
-          <p:cNvPr id="2" name="Title 1">
-            <a:extLst>
-              <a:ext uri="{FF2B5EF4-FFF2-40B4-BE49-F238E27FC236}">
-                <a16:creationId xmlns:a16="http://schemas.microsoft.com/office/drawing/2014/main" id="{08D6BB68-EF1A-BBD6-0A7F-BF9BF7BF9644}"/>
-              </a:ext>
-            </a:extLst>
-          </p:cNvPr>
-          <p:cNvSpPr>
-            <a:spLocks noGrp="1"/>
-          </p:cNvSpPr>
-          <p:nvPr>
-            <p:ph type="title"/>
-          </p:nvPr>
-        </p:nvSpPr>
-        <p:spPr/>
-        <p:txBody>
-          <a:bodyPr/>
-          <a:lstStyle/>
-          <a:p>
-            <a:r>
-              <a:rPr lang="en-US" dirty="0"/>
-              <a:t>Conclusion</a:t>
-            </a:r>
-          </a:p>
-        </p:txBody>
-      </p:sp>
-      <p:sp>
-        <p:nvSpPr>
-          <p:cNvPr id="3" name="Content Placeholder 2">
-            <a:extLst>
-              <a:ext uri="{FF2B5EF4-FFF2-40B4-BE49-F238E27FC236}">
-                <a16:creationId xmlns:a16="http://schemas.microsoft.com/office/drawing/2014/main" id="{8217DA8E-86E0-0FEA-A20F-0B31F5432622}"/>
-              </a:ext>
-            </a:extLst>
-          </p:cNvPr>
-          <p:cNvSpPr>
-            <a:spLocks noGrp="1"/>
-          </p:cNvSpPr>
-          <p:nvPr>
-            <p:ph idx="1"/>
-          </p:nvPr>
-        </p:nvSpPr>
-        <p:spPr/>
-        <p:txBody>
-          <a:bodyPr/>
-          <a:lstStyle/>
-          <a:p>
-            <a:endParaRPr lang="en-US"/>
-          </a:p>
-        </p:txBody>
-      </p:sp>
-    </p:spTree>
-    <p:extLst>
-      <p:ext uri="{BB962C8B-B14F-4D97-AF65-F5344CB8AC3E}">
-        <p14:creationId xmlns:p14="http://schemas.microsoft.com/office/powerpoint/2010/main" val="281048122"/>
-      </p:ext>
-    </p:extLst>
-  </p:cSld>
-  <p:clrMapOvr>
-    <a:masterClrMapping/>
-  </p:clrMapOvr>
-</p:sld>
-</file>
-
-<file path=ppt/slides/slide2.xml><?xml version="1.0" encoding="utf-8"?>
-<p:sld xmlns:a="http://schemas.openxmlformats.org/drawingml/2006/main" xmlns:r="http://schemas.openxmlformats.org/officeDocument/2006/relationships" xmlns:p="http://schemas.openxmlformats.org/presentationml/2006/main">
-  <p:cSld>
-    <p:spTree>
-      <p:nvGrpSpPr>
-        <p:cNvPr id="1" name=""/>
-        <p:cNvGrpSpPr/>
-        <p:nvPr/>
-      </p:nvGrpSpPr>
-      <p:grpSpPr>
-        <a:xfrm>
-          <a:off x="0" y="0"/>
-          <a:ext cx="0" cy="0"/>
-          <a:chOff x="0" y="0"/>
-          <a:chExt cx="0" cy="0"/>
-        </a:xfrm>
-      </p:grpSpPr>
-      <p:sp>
-        <p:nvSpPr>
-          <p:cNvPr id="2" name="Title 1">
-            <a:extLst>
-              <a:ext uri="{FF2B5EF4-FFF2-40B4-BE49-F238E27FC236}">
-                <a16:creationId xmlns:a16="http://schemas.microsoft.com/office/drawing/2014/main" id="{5582EA54-88FB-90A2-EA86-8F1F9FE6B13C}"/>
-              </a:ext>
-            </a:extLst>
-          </p:cNvPr>
-          <p:cNvSpPr>
-            <a:spLocks noGrp="1"/>
-          </p:cNvSpPr>
-          <p:nvPr>
-            <p:ph type="title"/>
-          </p:nvPr>
-        </p:nvSpPr>
-        <p:spPr/>
-        <p:txBody>
-          <a:bodyPr/>
-          <a:lstStyle/>
-          <a:p>
-            <a:r>
-              <a:rPr lang="en-US" dirty="0">
-                <a:latin typeface="Calibri" panose="020F0502020204030204" pitchFamily="34" charset="0"/>
-                <a:cs typeface="Calibri" panose="020F0502020204030204" pitchFamily="34" charset="0"/>
-              </a:rPr>
-              <a:t>Introduction</a:t>
-            </a:r>
-          </a:p>
-        </p:txBody>
-      </p:sp>
-      <p:sp>
-        <p:nvSpPr>
-          <p:cNvPr id="3" name="Content Placeholder 2">
-            <a:extLst>
-              <a:ext uri="{FF2B5EF4-FFF2-40B4-BE49-F238E27FC236}">
-                <a16:creationId xmlns:a16="http://schemas.microsoft.com/office/drawing/2014/main" id="{436F6375-1AFC-714D-BE7E-7ED68651AD0F}"/>
-              </a:ext>
-            </a:extLst>
-          </p:cNvPr>
-          <p:cNvSpPr>
-            <a:spLocks noGrp="1"/>
-          </p:cNvSpPr>
-          <p:nvPr>
-            <p:ph idx="1"/>
-          </p:nvPr>
-        </p:nvSpPr>
-        <p:spPr/>
-        <p:txBody>
-          <a:bodyPr/>
-          <a:lstStyle/>
-          <a:p>
-            <a:endParaRPr lang="en-US"/>
-          </a:p>
-        </p:txBody>
-      </p:sp>
-    </p:spTree>
-    <p:extLst>
-      <p:ext uri="{BB962C8B-B14F-4D97-AF65-F5344CB8AC3E}">
-        <p14:creationId xmlns:p14="http://schemas.microsoft.com/office/powerpoint/2010/main" val="596133914"/>
-      </p:ext>
-    </p:extLst>
-  </p:cSld>
-  <p:clrMapOvr>
-    <a:masterClrMapping/>
-  </p:clrMapOvr>
-</p:sld>
-</file>
-
-<file path=ppt/slides/slide3.xml><?xml version="1.0" encoding="utf-8"?>
-<p:sld xmlns:a="http://schemas.openxmlformats.org/drawingml/2006/main" xmlns:r="http://schemas.openxmlformats.org/officeDocument/2006/relationships" xmlns:p="http://schemas.openxmlformats.org/presentationml/2006/main">
-  <p:cSld>
-    <p:spTree>
-      <p:nvGrpSpPr>
-        <p:cNvPr id="1" name=""/>
-        <p:cNvGrpSpPr/>
-        <p:nvPr/>
-      </p:nvGrpSpPr>
-      <p:grpSpPr>
-        <a:xfrm>
-          <a:off x="0" y="0"/>
-          <a:ext cx="0" cy="0"/>
-          <a:chOff x="0" y="0"/>
-          <a:chExt cx="0" cy="0"/>
-        </a:xfrm>
-      </p:grpSpPr>
-      <p:sp>
-        <p:nvSpPr>
-          <p:cNvPr id="2" name="Title 1">
-            <a:extLst>
-              <a:ext uri="{FF2B5EF4-FFF2-40B4-BE49-F238E27FC236}">
-                <a16:creationId xmlns:a16="http://schemas.microsoft.com/office/drawing/2014/main" id="{563F6B43-5302-0D63-7B2B-D63B58683CAB}"/>
-              </a:ext>
-            </a:extLst>
-          </p:cNvPr>
-          <p:cNvSpPr>
-            <a:spLocks noGrp="1"/>
-          </p:cNvSpPr>
-          <p:nvPr>
-            <p:ph type="title"/>
-          </p:nvPr>
-        </p:nvSpPr>
-        <p:spPr/>
-        <p:txBody>
-          <a:bodyPr/>
-          <a:lstStyle/>
-          <a:p>
-            <a:r>
-              <a:rPr lang="en-US" dirty="0"/>
-              <a:t>Background</a:t>
-            </a:r>
-          </a:p>
-        </p:txBody>
-      </p:sp>
-      <p:sp>
-        <p:nvSpPr>
-          <p:cNvPr id="3" name="Content Placeholder 2">
-            <a:extLst>
-              <a:ext uri="{FF2B5EF4-FFF2-40B4-BE49-F238E27FC236}">
-                <a16:creationId xmlns:a16="http://schemas.microsoft.com/office/drawing/2014/main" id="{6AF1FF97-1BF8-DCE0-1029-D1EE50FEBC22}"/>
-              </a:ext>
-            </a:extLst>
-          </p:cNvPr>
-          <p:cNvSpPr>
-            <a:spLocks noGrp="1"/>
-          </p:cNvSpPr>
-          <p:nvPr>
-            <p:ph idx="1"/>
-          </p:nvPr>
-        </p:nvSpPr>
-        <p:spPr/>
-        <p:txBody>
-          <a:bodyPr/>
-          <a:lstStyle/>
-          <a:p>
-            <a:endParaRPr lang="en-US"/>
-          </a:p>
-        </p:txBody>
-      </p:sp>
-    </p:spTree>
-    <p:extLst>
-      <p:ext uri="{BB962C8B-B14F-4D97-AF65-F5344CB8AC3E}">
-        <p14:creationId xmlns:p14="http://schemas.microsoft.com/office/powerpoint/2010/main" val="435655630"/>
-      </p:ext>
-    </p:extLst>
-  </p:cSld>
-  <p:clrMapOvr>
-    <a:masterClrMapping/>
-  </p:clrMapOvr>
-</p:sld>
-</file>
-
-<file path=ppt/slides/slide4.xml><?xml version="1.0" encoding="utf-8"?>
-<p:sld xmlns:a="http://schemas.openxmlformats.org/drawingml/2006/main" xmlns:r="http://schemas.openxmlformats.org/officeDocument/2006/relationships" xmlns:p="http://schemas.openxmlformats.org/presentationml/2006/main">
-  <p:cSld>
-    <p:spTree>
-      <p:nvGrpSpPr>
-        <p:cNvPr id="1" name=""/>
-        <p:cNvGrpSpPr/>
-        <p:nvPr/>
-      </p:nvGrpSpPr>
-      <p:grpSpPr>
-        <a:xfrm>
-          <a:off x="0" y="0"/>
-          <a:ext cx="0" cy="0"/>
-          <a:chOff x="0" y="0"/>
-          <a:chExt cx="0" cy="0"/>
-        </a:xfrm>
-      </p:grpSpPr>
-      <mc:AlternateContent xmlns:mc="http://schemas.openxmlformats.org/markup-compatibility/2006">
-        <mc:Choice xmlns:a14="http://schemas.microsoft.com/office/drawing/2010/main" Requires="a14">
-          <p:sp>
-            <p:nvSpPr>
-              <p:cNvPr id="2" name="Title 1">
-                <a:extLst>
-                  <a:ext uri="{FF2B5EF4-FFF2-40B4-BE49-F238E27FC236}">
-                    <a16:creationId xmlns:a16="http://schemas.microsoft.com/office/drawing/2014/main" id="{86E952E6-90A4-E3C9-CEF3-B427AD6827DD}"/>
-                  </a:ext>
-                </a:extLst>
-              </p:cNvPr>
-              <p:cNvSpPr>
-                <a:spLocks noGrp="1"/>
-              </p:cNvSpPr>
-              <p:nvPr>
-                <p:ph type="title"/>
-              </p:nvPr>
-            </p:nvSpPr>
-            <p:spPr/>
-            <p:txBody>
-              <a:bodyPr/>
-              <a:lstStyle/>
-              <a:p>
-                <a:r>
-                  <a:rPr lang="en-GB" dirty="0"/>
-                  <a:t>System </a:t>
-                </a:r>
-                <a14:m>
-                  <m:oMath xmlns:m="http://schemas.openxmlformats.org/officeDocument/2006/math">
-                    <m:sSubSup>
-                      <m:sSubSupPr>
-                        <m:ctrlPr>
-                          <a:rPr lang="pt-PT" sz="4400" i="1" smtClean="0">
-                            <a:solidFill>
-                              <a:srgbClr val="434343"/>
-                            </a:solidFill>
-                            <a:latin typeface="Cambria Math" panose="02040503050406030204" pitchFamily="18" charset="0"/>
-                            <a:sym typeface="Michroma"/>
-                          </a:rPr>
-                        </m:ctrlPr>
-                      </m:sSubSupPr>
-                      <m:e>
-                        <m:r>
-                          <a:rPr lang="pt-PT" sz="4400" b="0" i="1" smtClean="0">
-                            <a:solidFill>
-                              <a:srgbClr val="434343"/>
-                            </a:solidFill>
-                            <a:latin typeface="Cambria Math" panose="02040503050406030204" pitchFamily="18" charset="0"/>
-                            <a:sym typeface="Michroma"/>
-                          </a:rPr>
-                          <m:t>𝐹</m:t>
-                        </m:r>
-                      </m:e>
-                      <m:sub>
-                        <m:r>
-                          <a:rPr lang="pt-PT" sz="4400" i="1" smtClean="0">
-                            <a:solidFill>
-                              <a:srgbClr val="434343"/>
-                            </a:solidFill>
-                            <a:latin typeface="Cambria Math" panose="02040503050406030204" pitchFamily="18" charset="0"/>
-                            <a:ea typeface="Cambria Math" panose="02040503050406030204" pitchFamily="18" charset="0"/>
-                            <a:sym typeface="Michroma"/>
-                          </a:rPr>
-                          <m:t>𝜔</m:t>
-                        </m:r>
-                      </m:sub>
-                      <m:sup>
-                        <m:r>
-                          <a:rPr lang="pt-PT" sz="4400" i="1" smtClean="0">
-                            <a:solidFill>
-                              <a:srgbClr val="434343"/>
-                            </a:solidFill>
-                            <a:latin typeface="Cambria Math" panose="02040503050406030204" pitchFamily="18" charset="0"/>
-                            <a:ea typeface="Cambria Math" panose="02040503050406030204" pitchFamily="18" charset="0"/>
-                            <a:sym typeface="Michroma"/>
-                          </a:rPr>
-                          <m:t>𝜇</m:t>
-                        </m:r>
-                        <m:r>
-                          <a:rPr lang="pt-PT" sz="4400" b="0" i="1" smtClean="0">
-                            <a:solidFill>
-                              <a:srgbClr val="434343"/>
-                            </a:solidFill>
-                            <a:latin typeface="Cambria Math" panose="02040503050406030204" pitchFamily="18" charset="0"/>
-                            <a:ea typeface="Cambria Math" panose="02040503050406030204" pitchFamily="18" charset="0"/>
-                            <a:sym typeface="Michroma"/>
-                          </a:rPr>
-                          <m:t>∗</m:t>
-                        </m:r>
-                        <m:r>
-                          <a:rPr lang="pt-PT" sz="4400" b="0" i="1" smtClean="0">
-                            <a:solidFill>
-                              <a:srgbClr val="434343"/>
-                            </a:solidFill>
-                            <a:latin typeface="Cambria Math" panose="02040503050406030204" pitchFamily="18" charset="0"/>
-                            <a:ea typeface="Cambria Math" panose="02040503050406030204" pitchFamily="18" charset="0"/>
-                            <a:sym typeface="Michroma"/>
-                          </a:rPr>
-                          <m:t>;</m:t>
-                        </m:r>
-                      </m:sup>
-                    </m:sSubSup>
-                  </m:oMath>
-                </a14:m>
-                <a:endParaRPr lang="en-US" dirty="0"/>
-              </a:p>
-            </p:txBody>
-          </p:sp>
-        </mc:Choice>
-        <mc:Fallback>
-          <p:sp>
-            <p:nvSpPr>
-              <p:cNvPr id="2" name="Title 1">
-                <a:extLst>
-                  <a:ext uri="{FF2B5EF4-FFF2-40B4-BE49-F238E27FC236}">
-                    <a16:creationId xmlns:a16="http://schemas.microsoft.com/office/drawing/2014/main" id="{86E952E6-90A4-E3C9-CEF3-B427AD6827DD}"/>
-                  </a:ext>
-                </a:extLst>
-              </p:cNvPr>
-              <p:cNvSpPr>
-                <a:spLocks noGrp="1" noRot="1" noChangeAspect="1" noMove="1" noResize="1" noEditPoints="1" noAdjustHandles="1" noChangeArrowheads="1" noChangeShapeType="1" noTextEdit="1"/>
-              </p:cNvSpPr>
-              <p:nvPr>
-                <p:ph type="title"/>
-              </p:nvPr>
-            </p:nvSpPr>
-            <p:spPr>
-              <a:blipFill>
-                <a:blip r:embed="rId3"/>
-                <a:stretch>
-                  <a:fillRect l="-2413"/>
-                </a:stretch>
-              </a:blipFill>
-            </p:spPr>
-            <p:txBody>
-              <a:bodyPr/>
-              <a:lstStyle/>
-              <a:p>
-                <a:r>
-                  <a:rPr lang="en-US">
-                    <a:noFill/>
-                  </a:rPr>
-                  <a:t> </a:t>
-                </a:r>
-              </a:p>
-            </p:txBody>
-          </p:sp>
-        </mc:Fallback>
-      </mc:AlternateContent>
-      <p:pic>
-        <p:nvPicPr>
-          <p:cNvPr id="4" name="Content Placeholder 3">
-            <a:extLst>
-              <a:ext uri="{FF2B5EF4-FFF2-40B4-BE49-F238E27FC236}">
-                <a16:creationId xmlns:a16="http://schemas.microsoft.com/office/drawing/2014/main" id="{EDF7EC7F-BB2F-D92A-D7F2-CF557BBBA149}"/>
-              </a:ext>
-            </a:extLst>
-          </p:cNvPr>
-          <p:cNvPicPr>
-            <a:picLocks noGrp="1" noChangeAspect="1"/>
-          </p:cNvPicPr>
-          <p:nvPr>
-            <p:ph idx="1"/>
-          </p:nvPr>
-        </p:nvPicPr>
-        <p:blipFill>
-          <a:blip r:embed="rId4"/>
-          <a:stretch>
-            <a:fillRect/>
-          </a:stretch>
-        </p:blipFill>
-        <p:spPr>
-          <a:xfrm>
-            <a:off x="2093250" y="1825625"/>
-            <a:ext cx="8005500" cy="4351338"/>
-          </a:xfrm>
-          <a:prstGeom prst="rect">
-            <a:avLst/>
-          </a:prstGeom>
-        </p:spPr>
-      </p:pic>
-    </p:spTree>
-    <p:extLst>
-      <p:ext uri="{BB962C8B-B14F-4D97-AF65-F5344CB8AC3E}">
-        <p14:creationId xmlns:p14="http://schemas.microsoft.com/office/powerpoint/2010/main" val="3063019842"/>
-      </p:ext>
-    </p:extLst>
-  </p:cSld>
-  <p:clrMapOvr>
-    <a:masterClrMapping/>
-  </p:clrMapOvr>
-</p:sld>
-</file>
-
-<file path=ppt/slides/slide5.xml><?xml version="1.0" encoding="utf-8"?>
-<p:sld xmlns:a="http://schemas.openxmlformats.org/drawingml/2006/main" xmlns:r="http://schemas.openxmlformats.org/officeDocument/2006/relationships" xmlns:p="http://schemas.openxmlformats.org/presentationml/2006/main">
-  <p:cSld>
-    <p:spTree>
-      <p:nvGrpSpPr>
-        <p:cNvPr id="1" name=""/>
-        <p:cNvGrpSpPr/>
-        <p:nvPr/>
-      </p:nvGrpSpPr>
-      <p:grpSpPr>
-        <a:xfrm>
-          <a:off x="0" y="0"/>
-          <a:ext cx="0" cy="0"/>
-          <a:chOff x="0" y="0"/>
-          <a:chExt cx="0" cy="0"/>
-        </a:xfrm>
-      </p:grpSpPr>
-      <p:sp>
-        <p:nvSpPr>
-          <p:cNvPr id="2" name="Title 1">
-            <a:extLst>
-              <a:ext uri="{FF2B5EF4-FFF2-40B4-BE49-F238E27FC236}">
-                <a16:creationId xmlns:a16="http://schemas.microsoft.com/office/drawing/2014/main" id="{C7022B3D-6934-BB07-DE35-067EDF176C6A}"/>
-              </a:ext>
-            </a:extLst>
-          </p:cNvPr>
-          <p:cNvSpPr>
-            <a:spLocks noGrp="1"/>
-          </p:cNvSpPr>
-          <p:nvPr>
-            <p:ph type="title"/>
-          </p:nvPr>
-        </p:nvSpPr>
-        <p:spPr/>
-        <p:txBody>
-          <a:bodyPr/>
-          <a:lstStyle/>
-          <a:p>
-            <a:r>
-              <a:rPr lang="en-US" dirty="0"/>
-              <a:t>Weak Head Normal Form</a:t>
-            </a:r>
-          </a:p>
-        </p:txBody>
-      </p:sp>
-      <p:sp>
-        <p:nvSpPr>
-          <p:cNvPr id="3" name="Content Placeholder 2">
-            <a:extLst>
-              <a:ext uri="{FF2B5EF4-FFF2-40B4-BE49-F238E27FC236}">
-                <a16:creationId xmlns:a16="http://schemas.microsoft.com/office/drawing/2014/main" id="{1666BB2C-1CC4-5E6F-B030-0D8D04D1566A}"/>
-              </a:ext>
-            </a:extLst>
-          </p:cNvPr>
-          <p:cNvSpPr>
-            <a:spLocks noGrp="1"/>
-          </p:cNvSpPr>
-          <p:nvPr>
-            <p:ph idx="1"/>
-          </p:nvPr>
-        </p:nvSpPr>
-        <p:spPr/>
-        <p:txBody>
-          <a:bodyPr/>
-          <a:lstStyle/>
-          <a:p>
-            <a:endParaRPr lang="en-US" dirty="0"/>
-          </a:p>
-        </p:txBody>
-      </p:sp>
-    </p:spTree>
-    <p:extLst>
-      <p:ext uri="{BB962C8B-B14F-4D97-AF65-F5344CB8AC3E}">
-        <p14:creationId xmlns:p14="http://schemas.microsoft.com/office/powerpoint/2010/main" val="148421486"/>
-      </p:ext>
-    </p:extLst>
-  </p:cSld>
-  <p:clrMapOvr>
-    <a:masterClrMapping/>
-  </p:clrMapOvr>
-</p:sld>
-</file>
-
-<file path=ppt/slides/slide6.xml><?xml version="1.0" encoding="utf-8"?>
-<p:sld xmlns:a="http://schemas.openxmlformats.org/drawingml/2006/main" xmlns:r="http://schemas.openxmlformats.org/officeDocument/2006/relationships" xmlns:p="http://schemas.openxmlformats.org/presentationml/2006/main">
-  <p:cSld>
-    <p:spTree>
-      <p:nvGrpSpPr>
-        <p:cNvPr id="1" name=""/>
-        <p:cNvGrpSpPr/>
-        <p:nvPr/>
-      </p:nvGrpSpPr>
-      <p:grpSpPr>
-        <a:xfrm>
-          <a:off x="0" y="0"/>
-          <a:ext cx="0" cy="0"/>
-          <a:chOff x="0" y="0"/>
-          <a:chExt cx="0" cy="0"/>
-        </a:xfrm>
-      </p:grpSpPr>
-      <p:sp>
-        <p:nvSpPr>
-          <p:cNvPr id="2" name="Title 1">
-            <a:extLst>
-              <a:ext uri="{FF2B5EF4-FFF2-40B4-BE49-F238E27FC236}">
-                <a16:creationId xmlns:a16="http://schemas.microsoft.com/office/drawing/2014/main" id="{10846857-EF7F-FDE7-7DFC-CA9A00B64219}"/>
-              </a:ext>
-            </a:extLst>
-          </p:cNvPr>
-          <p:cNvSpPr>
-            <a:spLocks noGrp="1"/>
-          </p:cNvSpPr>
-          <p:nvPr>
-            <p:ph type="title"/>
-          </p:nvPr>
-        </p:nvSpPr>
-        <p:spPr/>
-        <p:txBody>
-          <a:bodyPr/>
-          <a:lstStyle/>
-          <a:p>
-            <a:r>
-              <a:rPr lang="en-US" dirty="0"/>
-              <a:t>Type Formation</a:t>
-            </a:r>
-          </a:p>
-        </p:txBody>
-      </p:sp>
-      <p:sp>
-        <p:nvSpPr>
-          <p:cNvPr id="3" name="Content Placeholder 2">
-            <a:extLst>
-              <a:ext uri="{FF2B5EF4-FFF2-40B4-BE49-F238E27FC236}">
-                <a16:creationId xmlns:a16="http://schemas.microsoft.com/office/drawing/2014/main" id="{06B8790A-69B4-26B7-3A15-AD02030BDC95}"/>
-              </a:ext>
-            </a:extLst>
-          </p:cNvPr>
-          <p:cNvSpPr>
-            <a:spLocks noGrp="1"/>
-          </p:cNvSpPr>
-          <p:nvPr>
-            <p:ph idx="1"/>
-          </p:nvPr>
-        </p:nvSpPr>
-        <p:spPr/>
-        <p:txBody>
-          <a:bodyPr/>
-          <a:lstStyle/>
-          <a:p>
-            <a:endParaRPr lang="en-US"/>
-          </a:p>
-        </p:txBody>
-      </p:sp>
-    </p:spTree>
-    <p:extLst>
-      <p:ext uri="{BB962C8B-B14F-4D97-AF65-F5344CB8AC3E}">
-        <p14:creationId xmlns:p14="http://schemas.microsoft.com/office/powerpoint/2010/main" val="253577171"/>
-      </p:ext>
-    </p:extLst>
-  </p:cSld>
-  <p:clrMapOvr>
-    <a:masterClrMapping/>
-  </p:clrMapOvr>
-</p:sld>
-</file>
-
-<file path=ppt/slides/slide7.xml><?xml version="1.0" encoding="utf-8"?>
-<p:sld xmlns:a="http://schemas.openxmlformats.org/drawingml/2006/main" xmlns:r="http://schemas.openxmlformats.org/officeDocument/2006/relationships" xmlns:p="http://schemas.openxmlformats.org/presentationml/2006/main">
-  <p:cSld>
-    <p:spTree>
-      <p:nvGrpSpPr>
-        <p:cNvPr id="1" name=""/>
-        <p:cNvGrpSpPr/>
-        <p:nvPr/>
-      </p:nvGrpSpPr>
-      <p:grpSpPr>
-        <a:xfrm>
-          <a:off x="0" y="0"/>
-          <a:ext cx="0" cy="0"/>
-          <a:chOff x="0" y="0"/>
-          <a:chExt cx="0" cy="0"/>
-        </a:xfrm>
-      </p:grpSpPr>
-      <p:sp>
-        <p:nvSpPr>
-          <p:cNvPr id="2" name="Title 1">
-            <a:extLst>
-              <a:ext uri="{FF2B5EF4-FFF2-40B4-BE49-F238E27FC236}">
-                <a16:creationId xmlns:a16="http://schemas.microsoft.com/office/drawing/2014/main" id="{A79A43C0-F6B2-DC18-78D9-138F9CD644C9}"/>
-              </a:ext>
-            </a:extLst>
-          </p:cNvPr>
-          <p:cNvSpPr>
-            <a:spLocks noGrp="1"/>
-          </p:cNvSpPr>
-          <p:nvPr>
-            <p:ph type="title"/>
-          </p:nvPr>
-        </p:nvSpPr>
-        <p:spPr/>
-        <p:txBody>
-          <a:bodyPr/>
-          <a:lstStyle/>
-          <a:p>
-            <a:r>
-              <a:rPr lang="en-US" dirty="0" err="1"/>
-              <a:t>Normalisation</a:t>
-            </a:r>
-            <a:endParaRPr lang="en-US" dirty="0"/>
-          </a:p>
-        </p:txBody>
-      </p:sp>
-      <p:sp>
-        <p:nvSpPr>
-          <p:cNvPr id="3" name="Content Placeholder 2">
-            <a:extLst>
-              <a:ext uri="{FF2B5EF4-FFF2-40B4-BE49-F238E27FC236}">
-                <a16:creationId xmlns:a16="http://schemas.microsoft.com/office/drawing/2014/main" id="{32099FD1-A2EA-C0FD-569E-539AA3083B11}"/>
-              </a:ext>
-            </a:extLst>
-          </p:cNvPr>
-          <p:cNvSpPr>
-            <a:spLocks noGrp="1"/>
-          </p:cNvSpPr>
-          <p:nvPr>
-            <p:ph idx="1"/>
-          </p:nvPr>
-        </p:nvSpPr>
-        <p:spPr/>
-        <p:txBody>
-          <a:bodyPr/>
-          <a:lstStyle/>
-          <a:p>
-            <a:endParaRPr lang="en-US"/>
-          </a:p>
-        </p:txBody>
-      </p:sp>
-    </p:spTree>
-    <p:extLst>
-      <p:ext uri="{BB962C8B-B14F-4D97-AF65-F5344CB8AC3E}">
-        <p14:creationId xmlns:p14="http://schemas.microsoft.com/office/powerpoint/2010/main" val="2069511883"/>
-      </p:ext>
-    </p:extLst>
-  </p:cSld>
-  <p:clrMapOvr>
-    <a:masterClrMapping/>
-  </p:clrMapOvr>
-</p:sld>
-</file>
-
-<file path=ppt/slides/slide8.xml><?xml version="1.0" encoding="utf-8"?>
-<p:sld xmlns:a="http://schemas.openxmlformats.org/drawingml/2006/main" xmlns:r="http://schemas.openxmlformats.org/officeDocument/2006/relationships" xmlns:p="http://schemas.openxmlformats.org/presentationml/2006/main">
-  <p:cSld>
-    <p:spTree>
-      <p:nvGrpSpPr>
-        <p:cNvPr id="1" name=""/>
-        <p:cNvGrpSpPr/>
-        <p:nvPr/>
-      </p:nvGrpSpPr>
-      <p:grpSpPr>
-        <a:xfrm>
-          <a:off x="0" y="0"/>
-          <a:ext cx="0" cy="0"/>
-          <a:chOff x="0" y="0"/>
-          <a:chExt cx="0" cy="0"/>
-        </a:xfrm>
-      </p:grpSpPr>
-      <p:sp>
-        <p:nvSpPr>
-          <p:cNvPr id="2" name="Title 1">
-            <a:extLst>
-              <a:ext uri="{FF2B5EF4-FFF2-40B4-BE49-F238E27FC236}">
-                <a16:creationId xmlns:a16="http://schemas.microsoft.com/office/drawing/2014/main" id="{9D558800-1DD1-5FAD-B1DD-9D3C42FC97AF}"/>
-              </a:ext>
-            </a:extLst>
-          </p:cNvPr>
-          <p:cNvSpPr>
-            <a:spLocks noGrp="1"/>
-          </p:cNvSpPr>
-          <p:nvPr>
-            <p:ph type="title"/>
-          </p:nvPr>
-        </p:nvSpPr>
-        <p:spPr/>
-        <p:txBody>
-          <a:bodyPr/>
-          <a:lstStyle/>
-          <a:p>
-            <a:r>
-              <a:rPr lang="en-US" dirty="0"/>
-              <a:t>Recursive types</a:t>
-            </a:r>
-          </a:p>
-        </p:txBody>
-      </p:sp>
-      <p:sp>
-        <p:nvSpPr>
-          <p:cNvPr id="3" name="Content Placeholder 2">
-            <a:extLst>
-              <a:ext uri="{FF2B5EF4-FFF2-40B4-BE49-F238E27FC236}">
-                <a16:creationId xmlns:a16="http://schemas.microsoft.com/office/drawing/2014/main" id="{7EE6CA53-DA1E-1389-FB61-ACE2427C9D89}"/>
-              </a:ext>
-            </a:extLst>
-          </p:cNvPr>
-          <p:cNvSpPr>
-            <a:spLocks noGrp="1"/>
-          </p:cNvSpPr>
-          <p:nvPr>
-            <p:ph idx="1"/>
-          </p:nvPr>
-        </p:nvSpPr>
-        <p:spPr/>
-        <p:txBody>
-          <a:bodyPr/>
-          <a:lstStyle/>
-          <a:p>
-            <a:endParaRPr lang="en-US"/>
-          </a:p>
-        </p:txBody>
-      </p:sp>
-    </p:spTree>
-    <p:extLst>
-      <p:ext uri="{BB962C8B-B14F-4D97-AF65-F5344CB8AC3E}">
-        <p14:creationId xmlns:p14="http://schemas.microsoft.com/office/powerpoint/2010/main" val="4286783048"/>
-      </p:ext>
-    </p:extLst>
-  </p:cSld>
-  <p:clrMapOvr>
-    <a:masterClrMapping/>
-  </p:clrMapOvr>
-</p:sld>
-</file>
-
-<file path=ppt/slides/slide9.xml><?xml version="1.0" encoding="utf-8"?>
-<p:sld xmlns:a="http://schemas.openxmlformats.org/drawingml/2006/main" xmlns:r="http://schemas.openxmlformats.org/officeDocument/2006/relationships" xmlns:p="http://schemas.openxmlformats.org/presentationml/2006/main">
-  <p:cSld>
-    <p:spTree>
-      <p:nvGrpSpPr>
-        <p:cNvPr id="1" name=""/>
-        <p:cNvGrpSpPr/>
-        <p:nvPr/>
-      </p:nvGrpSpPr>
-      <p:grpSpPr>
-        <a:xfrm>
-          <a:off x="0" y="0"/>
-          <a:ext cx="0" cy="0"/>
-          <a:chOff x="0" y="0"/>
-          <a:chExt cx="0" cy="0"/>
-        </a:xfrm>
-      </p:grpSpPr>
-      <p:sp>
-        <p:nvSpPr>
-          <p:cNvPr id="2" name="Title 1">
-            <a:extLst>
-              <a:ext uri="{FF2B5EF4-FFF2-40B4-BE49-F238E27FC236}">
                 <a16:creationId xmlns:a16="http://schemas.microsoft.com/office/drawing/2014/main" id="{73F290E7-8600-8B82-45B1-9EAA0BBA9022}"/>
               </a:ext>
             </a:extLst>
@@ -5991,6 +5329,1401 @@
     <p:extLst>
       <p:ext uri="{BB962C8B-B14F-4D97-AF65-F5344CB8AC3E}">
         <p14:creationId xmlns:p14="http://schemas.microsoft.com/office/powerpoint/2010/main" val="1341504001"/>
+      </p:ext>
+    </p:extLst>
+  </p:cSld>
+  <p:clrMapOvr>
+    <a:masterClrMapping/>
+  </p:clrMapOvr>
+</p:sld>
+</file>
+
+<file path=ppt/slides/slide11.xml><?xml version="1.0" encoding="utf-8"?>
+<p:sld xmlns:a="http://schemas.openxmlformats.org/drawingml/2006/main" xmlns:r="http://schemas.openxmlformats.org/officeDocument/2006/relationships" xmlns:p="http://schemas.openxmlformats.org/presentationml/2006/main">
+  <p:cSld>
+    <p:spTree>
+      <p:nvGrpSpPr>
+        <p:cNvPr id="1" name=""/>
+        <p:cNvGrpSpPr/>
+        <p:nvPr/>
+      </p:nvGrpSpPr>
+      <p:grpSpPr>
+        <a:xfrm>
+          <a:off x="0" y="0"/>
+          <a:ext cx="0" cy="0"/>
+          <a:chOff x="0" y="0"/>
+          <a:chExt cx="0" cy="0"/>
+        </a:xfrm>
+      </p:grpSpPr>
+      <p:sp>
+        <p:nvSpPr>
+          <p:cNvPr id="2" name="Title 1">
+            <a:extLst>
+              <a:ext uri="{FF2B5EF4-FFF2-40B4-BE49-F238E27FC236}">
+                <a16:creationId xmlns:a16="http://schemas.microsoft.com/office/drawing/2014/main" id="{D44B5B0C-DBCB-D842-7D51-20861439726F}"/>
+              </a:ext>
+            </a:extLst>
+          </p:cNvPr>
+          <p:cNvSpPr>
+            <a:spLocks noGrp="1"/>
+          </p:cNvSpPr>
+          <p:nvPr>
+            <p:ph type="title"/>
+          </p:nvPr>
+        </p:nvSpPr>
+        <p:spPr/>
+        <p:txBody>
+          <a:bodyPr/>
+          <a:lstStyle/>
+          <a:p>
+            <a:r>
+              <a:rPr lang="en-US" dirty="0"/>
+              <a:t>Grammar translation</a:t>
+            </a:r>
+          </a:p>
+        </p:txBody>
+      </p:sp>
+      <p:sp>
+        <p:nvSpPr>
+          <p:cNvPr id="3" name="Content Placeholder 2">
+            <a:extLst>
+              <a:ext uri="{FF2B5EF4-FFF2-40B4-BE49-F238E27FC236}">
+                <a16:creationId xmlns:a16="http://schemas.microsoft.com/office/drawing/2014/main" id="{E002D940-C3FB-2F81-E45C-436EE60F0FDD}"/>
+              </a:ext>
+            </a:extLst>
+          </p:cNvPr>
+          <p:cNvSpPr>
+            <a:spLocks noGrp="1"/>
+          </p:cNvSpPr>
+          <p:nvPr>
+            <p:ph idx="1"/>
+          </p:nvPr>
+        </p:nvSpPr>
+        <p:spPr/>
+        <p:txBody>
+          <a:bodyPr/>
+          <a:lstStyle/>
+          <a:p>
+            <a:r>
+              <a:rPr lang="en-US" dirty="0"/>
+              <a:t>Show rules and then example.</a:t>
+            </a:r>
+          </a:p>
+        </p:txBody>
+      </p:sp>
+    </p:spTree>
+    <p:extLst>
+      <p:ext uri="{BB962C8B-B14F-4D97-AF65-F5344CB8AC3E}">
+        <p14:creationId xmlns:p14="http://schemas.microsoft.com/office/powerpoint/2010/main" val="3844109003"/>
+      </p:ext>
+    </p:extLst>
+  </p:cSld>
+  <p:clrMapOvr>
+    <a:masterClrMapping/>
+  </p:clrMapOvr>
+</p:sld>
+</file>
+
+<file path=ppt/slides/slide12.xml><?xml version="1.0" encoding="utf-8"?>
+<p:sld xmlns:a="http://schemas.openxmlformats.org/drawingml/2006/main" xmlns:r="http://schemas.openxmlformats.org/officeDocument/2006/relationships" xmlns:p="http://schemas.openxmlformats.org/presentationml/2006/main">
+  <p:cSld>
+    <p:spTree>
+      <p:nvGrpSpPr>
+        <p:cNvPr id="1" name=""/>
+        <p:cNvGrpSpPr/>
+        <p:nvPr/>
+      </p:nvGrpSpPr>
+      <p:grpSpPr>
+        <a:xfrm>
+          <a:off x="0" y="0"/>
+          <a:ext cx="0" cy="0"/>
+          <a:chOff x="0" y="0"/>
+          <a:chExt cx="0" cy="0"/>
+        </a:xfrm>
+      </p:grpSpPr>
+      <p:sp>
+        <p:nvSpPr>
+          <p:cNvPr id="2" name="Title 1">
+            <a:extLst>
+              <a:ext uri="{FF2B5EF4-FFF2-40B4-BE49-F238E27FC236}">
+                <a16:creationId xmlns:a16="http://schemas.microsoft.com/office/drawing/2014/main" id="{C80E5A7D-7E03-8F98-79FF-77BE4B26D5CC}"/>
+              </a:ext>
+            </a:extLst>
+          </p:cNvPr>
+          <p:cNvSpPr>
+            <a:spLocks noGrp="1"/>
+          </p:cNvSpPr>
+          <p:nvPr>
+            <p:ph type="title"/>
+          </p:nvPr>
+        </p:nvSpPr>
+        <p:spPr/>
+        <p:txBody>
+          <a:bodyPr/>
+          <a:lstStyle/>
+          <a:p>
+            <a:r>
+              <a:rPr lang="en-US" dirty="0"/>
+              <a:t>Validation</a:t>
+            </a:r>
+          </a:p>
+        </p:txBody>
+      </p:sp>
+      <p:pic>
+        <p:nvPicPr>
+          <p:cNvPr id="4" name="Content Placeholder 3">
+            <a:extLst>
+              <a:ext uri="{FF2B5EF4-FFF2-40B4-BE49-F238E27FC236}">
+                <a16:creationId xmlns:a16="http://schemas.microsoft.com/office/drawing/2014/main" id="{FF91FDB0-784F-2D63-512C-850420CF6B11}"/>
+              </a:ext>
+            </a:extLst>
+          </p:cNvPr>
+          <p:cNvPicPr>
+            <a:picLocks noGrp="1" noChangeAspect="1"/>
+          </p:cNvPicPr>
+          <p:nvPr>
+            <p:ph idx="1"/>
+          </p:nvPr>
+        </p:nvPicPr>
+        <p:blipFill>
+          <a:blip r:embed="rId3"/>
+          <a:stretch>
+            <a:fillRect/>
+          </a:stretch>
+        </p:blipFill>
+        <p:spPr>
+          <a:xfrm>
+            <a:off x="2311400" y="2667794"/>
+            <a:ext cx="7569200" cy="2667000"/>
+          </a:xfrm>
+          <a:prstGeom prst="rect">
+            <a:avLst/>
+          </a:prstGeom>
+        </p:spPr>
+      </p:pic>
+    </p:spTree>
+    <p:extLst>
+      <p:ext uri="{BB962C8B-B14F-4D97-AF65-F5344CB8AC3E}">
+        <p14:creationId xmlns:p14="http://schemas.microsoft.com/office/powerpoint/2010/main" val="1214206463"/>
+      </p:ext>
+    </p:extLst>
+  </p:cSld>
+  <p:clrMapOvr>
+    <a:masterClrMapping/>
+  </p:clrMapOvr>
+</p:sld>
+</file>
+
+<file path=ppt/slides/slide13.xml><?xml version="1.0" encoding="utf-8"?>
+<p:sld xmlns:a="http://schemas.openxmlformats.org/drawingml/2006/main" xmlns:r="http://schemas.openxmlformats.org/officeDocument/2006/relationships" xmlns:p="http://schemas.openxmlformats.org/presentationml/2006/main">
+  <p:cSld>
+    <p:spTree>
+      <p:nvGrpSpPr>
+        <p:cNvPr id="1" name=""/>
+        <p:cNvGrpSpPr/>
+        <p:nvPr/>
+      </p:nvGrpSpPr>
+      <p:grpSpPr>
+        <a:xfrm>
+          <a:off x="0" y="0"/>
+          <a:ext cx="0" cy="0"/>
+          <a:chOff x="0" y="0"/>
+          <a:chExt cx="0" cy="0"/>
+        </a:xfrm>
+      </p:grpSpPr>
+      <p:sp>
+        <p:nvSpPr>
+          <p:cNvPr id="2" name="Title 1">
+            <a:extLst>
+              <a:ext uri="{FF2B5EF4-FFF2-40B4-BE49-F238E27FC236}">
+                <a16:creationId xmlns:a16="http://schemas.microsoft.com/office/drawing/2014/main" id="{08D6BB68-EF1A-BBD6-0A7F-BF9BF7BF9644}"/>
+              </a:ext>
+            </a:extLst>
+          </p:cNvPr>
+          <p:cNvSpPr>
+            <a:spLocks noGrp="1"/>
+          </p:cNvSpPr>
+          <p:nvPr>
+            <p:ph type="title"/>
+          </p:nvPr>
+        </p:nvSpPr>
+        <p:spPr/>
+        <p:txBody>
+          <a:bodyPr/>
+          <a:lstStyle/>
+          <a:p>
+            <a:r>
+              <a:rPr lang="en-US" dirty="0"/>
+              <a:t>Conclusion</a:t>
+            </a:r>
+          </a:p>
+        </p:txBody>
+      </p:sp>
+      <p:sp>
+        <p:nvSpPr>
+          <p:cNvPr id="3" name="Content Placeholder 2">
+            <a:extLst>
+              <a:ext uri="{FF2B5EF4-FFF2-40B4-BE49-F238E27FC236}">
+                <a16:creationId xmlns:a16="http://schemas.microsoft.com/office/drawing/2014/main" id="{8217DA8E-86E0-0FEA-A20F-0B31F5432622}"/>
+              </a:ext>
+            </a:extLst>
+          </p:cNvPr>
+          <p:cNvSpPr>
+            <a:spLocks noGrp="1"/>
+          </p:cNvSpPr>
+          <p:nvPr>
+            <p:ph idx="1"/>
+          </p:nvPr>
+        </p:nvSpPr>
+        <p:spPr/>
+        <p:txBody>
+          <a:bodyPr/>
+          <a:lstStyle/>
+          <a:p>
+            <a:endParaRPr lang="en-US"/>
+          </a:p>
+        </p:txBody>
+      </p:sp>
+    </p:spTree>
+    <p:extLst>
+      <p:ext uri="{BB962C8B-B14F-4D97-AF65-F5344CB8AC3E}">
+        <p14:creationId xmlns:p14="http://schemas.microsoft.com/office/powerpoint/2010/main" val="281048122"/>
+      </p:ext>
+    </p:extLst>
+  </p:cSld>
+  <p:clrMapOvr>
+    <a:masterClrMapping/>
+  </p:clrMapOvr>
+</p:sld>
+</file>
+
+<file path=ppt/slides/slide2.xml><?xml version="1.0" encoding="utf-8"?>
+<p:sld xmlns:a="http://schemas.openxmlformats.org/drawingml/2006/main" xmlns:r="http://schemas.openxmlformats.org/officeDocument/2006/relationships" xmlns:p="http://schemas.openxmlformats.org/presentationml/2006/main">
+  <p:cSld>
+    <p:spTree>
+      <p:nvGrpSpPr>
+        <p:cNvPr id="1" name=""/>
+        <p:cNvGrpSpPr/>
+        <p:nvPr/>
+      </p:nvGrpSpPr>
+      <p:grpSpPr>
+        <a:xfrm>
+          <a:off x="0" y="0"/>
+          <a:ext cx="0" cy="0"/>
+          <a:chOff x="0" y="0"/>
+          <a:chExt cx="0" cy="0"/>
+        </a:xfrm>
+      </p:grpSpPr>
+      <p:sp>
+        <p:nvSpPr>
+          <p:cNvPr id="2" name="Title 1">
+            <a:extLst>
+              <a:ext uri="{FF2B5EF4-FFF2-40B4-BE49-F238E27FC236}">
+                <a16:creationId xmlns:a16="http://schemas.microsoft.com/office/drawing/2014/main" id="{5582EA54-88FB-90A2-EA86-8F1F9FE6B13C}"/>
+              </a:ext>
+            </a:extLst>
+          </p:cNvPr>
+          <p:cNvSpPr>
+            <a:spLocks noGrp="1"/>
+          </p:cNvSpPr>
+          <p:nvPr>
+            <p:ph type="title"/>
+          </p:nvPr>
+        </p:nvSpPr>
+        <p:spPr/>
+        <p:txBody>
+          <a:bodyPr/>
+          <a:lstStyle/>
+          <a:p>
+            <a:r>
+              <a:rPr lang="en-US" dirty="0">
+                <a:latin typeface="Calibri" panose="020F0502020204030204" pitchFamily="34" charset="0"/>
+                <a:cs typeface="Calibri" panose="020F0502020204030204" pitchFamily="34" charset="0"/>
+              </a:rPr>
+              <a:t>Introduction</a:t>
+            </a:r>
+          </a:p>
+        </p:txBody>
+      </p:sp>
+      <mc:AlternateContent xmlns:mc="http://schemas.openxmlformats.org/markup-compatibility/2006">
+        <mc:Choice xmlns:a14="http://schemas.microsoft.com/office/drawing/2010/main" Requires="a14">
+          <p:sp>
+            <p:nvSpPr>
+              <p:cNvPr id="3" name="Content Placeholder 2">
+                <a:extLst>
+                  <a:ext uri="{FF2B5EF4-FFF2-40B4-BE49-F238E27FC236}">
+                    <a16:creationId xmlns:a16="http://schemas.microsoft.com/office/drawing/2014/main" id="{436F6375-1AFC-714D-BE7E-7ED68651AD0F}"/>
+                  </a:ext>
+                </a:extLst>
+              </p:cNvPr>
+              <p:cNvSpPr>
+                <a:spLocks noGrp="1"/>
+              </p:cNvSpPr>
+              <p:nvPr>
+                <p:ph idx="1"/>
+              </p:nvPr>
+            </p:nvSpPr>
+            <p:spPr>
+              <a:xfrm>
+                <a:off x="838200" y="3429000"/>
+                <a:ext cx="10515600" cy="920931"/>
+              </a:xfrm>
+            </p:spPr>
+            <p:txBody>
+              <a:bodyPr/>
+              <a:lstStyle/>
+              <a:p>
+                <a:pPr marL="0" indent="0">
+                  <a:buNone/>
+                </a:pPr>
+                <a14:m>
+                  <m:oMathPara xmlns:m="http://schemas.openxmlformats.org/officeDocument/2006/math">
+                    <m:oMathParaPr>
+                      <m:jc m:val="centerGroup"/>
+                    </m:oMathParaPr>
+                    <m:oMath xmlns:m="http://schemas.openxmlformats.org/officeDocument/2006/math">
+                      <m:sSubSup>
+                        <m:sSubSupPr>
+                          <m:ctrlPr>
+                            <a:rPr lang="pt-PT" i="1" smtClean="0">
+                              <a:solidFill>
+                                <a:srgbClr val="434343"/>
+                              </a:solidFill>
+                              <a:latin typeface="Cambria Math" panose="02040503050406030204" pitchFamily="18" charset="0"/>
+                              <a:sym typeface="Michroma"/>
+                            </a:rPr>
+                          </m:ctrlPr>
+                        </m:sSubSupPr>
+                        <m:e>
+                          <m:r>
+                            <a:rPr lang="pt-PT" i="1">
+                              <a:solidFill>
+                                <a:srgbClr val="434343"/>
+                              </a:solidFill>
+                              <a:latin typeface="Cambria Math" panose="02040503050406030204" pitchFamily="18" charset="0"/>
+                              <a:sym typeface="Michroma"/>
+                            </a:rPr>
+                            <m:t>𝐹</m:t>
+                          </m:r>
+                        </m:e>
+                        <m:sub/>
+                        <m:sup>
+                          <m:r>
+                            <a:rPr lang="pt-PT" i="1">
+                              <a:solidFill>
+                                <a:srgbClr val="434343"/>
+                              </a:solidFill>
+                              <a:latin typeface="Cambria Math" panose="02040503050406030204" pitchFamily="18" charset="0"/>
+                              <a:ea typeface="Cambria Math" panose="02040503050406030204" pitchFamily="18" charset="0"/>
+                              <a:sym typeface="Michroma"/>
+                            </a:rPr>
+                            <m:t>𝜇</m:t>
+                          </m:r>
+                        </m:sup>
+                      </m:sSubSup>
+                      <m:r>
+                        <a:rPr lang="pt-PT" i="1">
+                          <a:solidFill>
+                            <a:srgbClr val="434343"/>
+                          </a:solidFill>
+                          <a:latin typeface="Cambria Math" panose="02040503050406030204" pitchFamily="18" charset="0"/>
+                          <a:ea typeface="Cambria Math" panose="02040503050406030204" pitchFamily="18" charset="0"/>
+                          <a:sym typeface="Michroma"/>
+                        </a:rPr>
+                        <m:t> </m:t>
+                      </m:r>
+                      <m:r>
+                        <a:rPr lang="pt-PT" b="0" i="1" smtClean="0">
+                          <a:solidFill>
+                            <a:srgbClr val="434343"/>
+                          </a:solidFill>
+                          <a:latin typeface="Cambria Math" panose="02040503050406030204" pitchFamily="18" charset="0"/>
+                          <a:ea typeface="Cambria Math" panose="02040503050406030204" pitchFamily="18" charset="0"/>
+                          <a:sym typeface="Michroma"/>
+                        </a:rPr>
+                        <m:t> →</m:t>
+                      </m:r>
+                      <m:sSubSup>
+                        <m:sSubSupPr>
+                          <m:ctrlPr>
+                            <a:rPr lang="pt-PT" i="1">
+                              <a:solidFill>
+                                <a:srgbClr val="434343"/>
+                              </a:solidFill>
+                              <a:latin typeface="Cambria Math" panose="02040503050406030204" pitchFamily="18" charset="0"/>
+                              <a:sym typeface="Michroma"/>
+                            </a:rPr>
+                          </m:ctrlPr>
+                        </m:sSubSupPr>
+                        <m:e>
+                          <m:r>
+                            <a:rPr lang="pt-PT" i="1">
+                              <a:solidFill>
+                                <a:srgbClr val="434343"/>
+                              </a:solidFill>
+                              <a:latin typeface="Cambria Math" panose="02040503050406030204" pitchFamily="18" charset="0"/>
+                              <a:sym typeface="Michroma"/>
+                            </a:rPr>
+                            <m:t>𝐹</m:t>
+                          </m:r>
+                        </m:e>
+                        <m:sub/>
+                        <m:sup>
+                          <m:r>
+                            <a:rPr lang="pt-PT" i="1">
+                              <a:solidFill>
+                                <a:srgbClr val="434343"/>
+                              </a:solidFill>
+                              <a:latin typeface="Cambria Math" panose="02040503050406030204" pitchFamily="18" charset="0"/>
+                              <a:ea typeface="Cambria Math" panose="02040503050406030204" pitchFamily="18" charset="0"/>
+                              <a:sym typeface="Michroma"/>
+                            </a:rPr>
+                            <m:t>𝜇</m:t>
+                          </m:r>
+                          <m:r>
+                            <a:rPr lang="pt-PT" b="0" i="1" smtClean="0">
+                              <a:solidFill>
+                                <a:srgbClr val="434343"/>
+                              </a:solidFill>
+                              <a:latin typeface="Cambria Math" panose="02040503050406030204" pitchFamily="18" charset="0"/>
+                              <a:ea typeface="Cambria Math" panose="02040503050406030204" pitchFamily="18" charset="0"/>
+                              <a:sym typeface="Michroma"/>
+                            </a:rPr>
+                            <m:t>.</m:t>
+                          </m:r>
+                        </m:sup>
+                      </m:sSubSup>
+                      <m:r>
+                        <a:rPr lang="pt-PT" b="0" i="1" smtClean="0">
+                          <a:solidFill>
+                            <a:srgbClr val="434343"/>
+                          </a:solidFill>
+                          <a:latin typeface="Cambria Math" panose="02040503050406030204" pitchFamily="18" charset="0"/>
+                          <a:ea typeface="Cambria Math" panose="02040503050406030204" pitchFamily="18" charset="0"/>
+                          <a:sym typeface="Michroma"/>
+                        </a:rPr>
+                        <m:t> →</m:t>
+                      </m:r>
+                      <m:sSubSup>
+                        <m:sSubSupPr>
+                          <m:ctrlPr>
+                            <a:rPr lang="pt-PT" i="1">
+                              <a:solidFill>
+                                <a:srgbClr val="434343"/>
+                              </a:solidFill>
+                              <a:latin typeface="Cambria Math" panose="02040503050406030204" pitchFamily="18" charset="0"/>
+                              <a:sym typeface="Michroma"/>
+                            </a:rPr>
+                          </m:ctrlPr>
+                        </m:sSubSupPr>
+                        <m:e>
+                          <m:r>
+                            <a:rPr lang="pt-PT" i="1">
+                              <a:solidFill>
+                                <a:srgbClr val="434343"/>
+                              </a:solidFill>
+                              <a:latin typeface="Cambria Math" panose="02040503050406030204" pitchFamily="18" charset="0"/>
+                              <a:sym typeface="Michroma"/>
+                            </a:rPr>
+                            <m:t>𝐹</m:t>
+                          </m:r>
+                        </m:e>
+                        <m:sub/>
+                        <m:sup>
+                          <m:r>
+                            <a:rPr lang="pt-PT" i="1">
+                              <a:solidFill>
+                                <a:srgbClr val="434343"/>
+                              </a:solidFill>
+                              <a:latin typeface="Cambria Math" panose="02040503050406030204" pitchFamily="18" charset="0"/>
+                              <a:ea typeface="Cambria Math" panose="02040503050406030204" pitchFamily="18" charset="0"/>
+                              <a:sym typeface="Michroma"/>
+                            </a:rPr>
+                            <m:t>𝜇</m:t>
+                          </m:r>
+                          <m:r>
+                            <a:rPr lang="pt-PT" i="1">
+                              <a:solidFill>
+                                <a:srgbClr val="434343"/>
+                              </a:solidFill>
+                              <a:latin typeface="Cambria Math" panose="02040503050406030204" pitchFamily="18" charset="0"/>
+                              <a:ea typeface="Cambria Math" panose="02040503050406030204" pitchFamily="18" charset="0"/>
+                              <a:sym typeface="Michroma"/>
+                            </a:rPr>
+                            <m:t>;</m:t>
+                          </m:r>
+                        </m:sup>
+                      </m:sSubSup>
+                      <m:r>
+                        <a:rPr lang="pt-PT" b="0" i="1" smtClean="0">
+                          <a:solidFill>
+                            <a:srgbClr val="434343"/>
+                          </a:solidFill>
+                          <a:latin typeface="Cambria Math" panose="02040503050406030204" pitchFamily="18" charset="0"/>
+                          <a:ea typeface="Cambria Math" panose="02040503050406030204" pitchFamily="18" charset="0"/>
+                          <a:sym typeface="Michroma"/>
+                        </a:rPr>
+                        <m:t> →</m:t>
+                      </m:r>
+                      <m:sSubSup>
+                        <m:sSubSupPr>
+                          <m:ctrlPr>
+                            <a:rPr lang="pt-PT" sz="2800" i="1" smtClean="0">
+                              <a:solidFill>
+                                <a:srgbClr val="434343"/>
+                              </a:solidFill>
+                              <a:latin typeface="Cambria Math" panose="02040503050406030204" pitchFamily="18" charset="0"/>
+                              <a:sym typeface="Michroma"/>
+                            </a:rPr>
+                          </m:ctrlPr>
+                        </m:sSubSupPr>
+                        <m:e>
+                          <m:r>
+                            <a:rPr lang="pt-PT" sz="2800" b="0" i="1" smtClean="0">
+                              <a:solidFill>
+                                <a:srgbClr val="434343"/>
+                              </a:solidFill>
+                              <a:latin typeface="Cambria Math" panose="02040503050406030204" pitchFamily="18" charset="0"/>
+                              <a:sym typeface="Michroma"/>
+                            </a:rPr>
+                            <m:t>𝐹</m:t>
+                          </m:r>
+                        </m:e>
+                        <m:sub>
+                          <m:r>
+                            <a:rPr lang="pt-PT" sz="2800" i="1" smtClean="0">
+                              <a:solidFill>
+                                <a:srgbClr val="434343"/>
+                              </a:solidFill>
+                              <a:latin typeface="Cambria Math" panose="02040503050406030204" pitchFamily="18" charset="0"/>
+                              <a:ea typeface="Cambria Math" panose="02040503050406030204" pitchFamily="18" charset="0"/>
+                              <a:sym typeface="Michroma"/>
+                            </a:rPr>
+                            <m:t>𝜔</m:t>
+                          </m:r>
+                        </m:sub>
+                        <m:sup>
+                          <m:r>
+                            <a:rPr lang="pt-PT" sz="2800" i="1" smtClean="0">
+                              <a:solidFill>
+                                <a:srgbClr val="434343"/>
+                              </a:solidFill>
+                              <a:latin typeface="Cambria Math" panose="02040503050406030204" pitchFamily="18" charset="0"/>
+                              <a:ea typeface="Cambria Math" panose="02040503050406030204" pitchFamily="18" charset="0"/>
+                              <a:sym typeface="Michroma"/>
+                            </a:rPr>
+                            <m:t>𝜇</m:t>
+                          </m:r>
+                          <m:r>
+                            <a:rPr lang="pt-PT" sz="2800" b="0" i="1" smtClean="0">
+                              <a:solidFill>
+                                <a:srgbClr val="434343"/>
+                              </a:solidFill>
+                              <a:latin typeface="Cambria Math" panose="02040503050406030204" pitchFamily="18" charset="0"/>
+                              <a:ea typeface="Cambria Math" panose="02040503050406030204" pitchFamily="18" charset="0"/>
+                              <a:sym typeface="Michroma"/>
+                            </a:rPr>
+                            <m:t>∗</m:t>
+                          </m:r>
+                          <m:r>
+                            <a:rPr lang="pt-PT" sz="2800" b="0" i="1" smtClean="0">
+                              <a:solidFill>
+                                <a:srgbClr val="434343"/>
+                              </a:solidFill>
+                              <a:latin typeface="Cambria Math" panose="02040503050406030204" pitchFamily="18" charset="0"/>
+                              <a:ea typeface="Cambria Math" panose="02040503050406030204" pitchFamily="18" charset="0"/>
+                              <a:sym typeface="Michroma"/>
+                            </a:rPr>
+                            <m:t>;</m:t>
+                          </m:r>
+                        </m:sup>
+                      </m:sSubSup>
+                    </m:oMath>
+                  </m:oMathPara>
+                </a14:m>
+                <a:endParaRPr lang="en-US" dirty="0"/>
+              </a:p>
+            </p:txBody>
+          </p:sp>
+        </mc:Choice>
+        <mc:Fallback>
+          <p:sp>
+            <p:nvSpPr>
+              <p:cNvPr id="3" name="Content Placeholder 2">
+                <a:extLst>
+                  <a:ext uri="{FF2B5EF4-FFF2-40B4-BE49-F238E27FC236}">
+                    <a16:creationId xmlns:a16="http://schemas.microsoft.com/office/drawing/2014/main" id="{436F6375-1AFC-714D-BE7E-7ED68651AD0F}"/>
+                  </a:ext>
+                </a:extLst>
+              </p:cNvPr>
+              <p:cNvSpPr>
+                <a:spLocks noGrp="1" noRot="1" noChangeAspect="1" noMove="1" noResize="1" noEditPoints="1" noAdjustHandles="1" noChangeArrowheads="1" noChangeShapeType="1" noTextEdit="1"/>
+              </p:cNvSpPr>
+              <p:nvPr>
+                <p:ph idx="1"/>
+              </p:nvPr>
+            </p:nvSpPr>
+            <p:spPr>
+              <a:xfrm>
+                <a:off x="838200" y="3429000"/>
+                <a:ext cx="10515600" cy="920931"/>
+              </a:xfrm>
+              <a:blipFill>
+                <a:blip r:embed="rId3"/>
+                <a:stretch>
+                  <a:fillRect/>
+                </a:stretch>
+              </a:blipFill>
+            </p:spPr>
+            <p:txBody>
+              <a:bodyPr/>
+              <a:lstStyle/>
+              <a:p>
+                <a:r>
+                  <a:rPr lang="en-US">
+                    <a:noFill/>
+                  </a:rPr>
+                  <a:t> </a:t>
+                </a:r>
+              </a:p>
+            </p:txBody>
+          </p:sp>
+        </mc:Fallback>
+      </mc:AlternateContent>
+    </p:spTree>
+    <p:extLst>
+      <p:ext uri="{BB962C8B-B14F-4D97-AF65-F5344CB8AC3E}">
+        <p14:creationId xmlns:p14="http://schemas.microsoft.com/office/powerpoint/2010/main" val="596133914"/>
+      </p:ext>
+    </p:extLst>
+  </p:cSld>
+  <p:clrMapOvr>
+    <a:masterClrMapping/>
+  </p:clrMapOvr>
+</p:sld>
+</file>
+
+<file path=ppt/slides/slide3.xml><?xml version="1.0" encoding="utf-8"?>
+<p:sld xmlns:a="http://schemas.openxmlformats.org/drawingml/2006/main" xmlns:r="http://schemas.openxmlformats.org/officeDocument/2006/relationships" xmlns:p="http://schemas.openxmlformats.org/presentationml/2006/main">
+  <p:cSld>
+    <p:spTree>
+      <p:nvGrpSpPr>
+        <p:cNvPr id="1" name=""/>
+        <p:cNvGrpSpPr/>
+        <p:nvPr/>
+      </p:nvGrpSpPr>
+      <p:grpSpPr>
+        <a:xfrm>
+          <a:off x="0" y="0"/>
+          <a:ext cx="0" cy="0"/>
+          <a:chOff x="0" y="0"/>
+          <a:chExt cx="0" cy="0"/>
+        </a:xfrm>
+      </p:grpSpPr>
+      <p:sp>
+        <p:nvSpPr>
+          <p:cNvPr id="2" name="Title 1">
+            <a:extLst>
+              <a:ext uri="{FF2B5EF4-FFF2-40B4-BE49-F238E27FC236}">
+                <a16:creationId xmlns:a16="http://schemas.microsoft.com/office/drawing/2014/main" id="{F755D078-7713-CACF-B18E-770A2C12373C}"/>
+              </a:ext>
+            </a:extLst>
+          </p:cNvPr>
+          <p:cNvSpPr>
+            <a:spLocks noGrp="1"/>
+          </p:cNvSpPr>
+          <p:nvPr>
+            <p:ph type="title"/>
+          </p:nvPr>
+        </p:nvSpPr>
+        <p:spPr/>
+        <p:txBody>
+          <a:bodyPr/>
+          <a:lstStyle/>
+          <a:p>
+            <a:r>
+              <a:rPr lang="en-US" dirty="0"/>
+              <a:t>Context-free Session Types</a:t>
+            </a:r>
+          </a:p>
+        </p:txBody>
+      </p:sp>
+      <p:sp>
+        <p:nvSpPr>
+          <p:cNvPr id="3" name="Content Placeholder 2">
+            <a:extLst>
+              <a:ext uri="{FF2B5EF4-FFF2-40B4-BE49-F238E27FC236}">
+                <a16:creationId xmlns:a16="http://schemas.microsoft.com/office/drawing/2014/main" id="{A15854DE-4AA7-CE50-9E13-1B9AFE7CEB5F}"/>
+              </a:ext>
+            </a:extLst>
+          </p:cNvPr>
+          <p:cNvSpPr>
+            <a:spLocks noGrp="1"/>
+          </p:cNvSpPr>
+          <p:nvPr>
+            <p:ph idx="1"/>
+          </p:nvPr>
+        </p:nvSpPr>
+        <p:spPr/>
+        <p:txBody>
+          <a:bodyPr/>
+          <a:lstStyle/>
+          <a:p>
+            <a:r>
+              <a:rPr lang="en-US" dirty="0"/>
+              <a:t>Table with session type constructors, then add (;) and Skip for context-free. </a:t>
+            </a:r>
+          </a:p>
+          <a:p>
+            <a:r>
+              <a:rPr lang="en-US" dirty="0"/>
+              <a:t>Example streaming integer trees on channel (maybe another slide)</a:t>
+            </a:r>
+          </a:p>
+        </p:txBody>
+      </p:sp>
+    </p:spTree>
+    <p:extLst>
+      <p:ext uri="{BB962C8B-B14F-4D97-AF65-F5344CB8AC3E}">
+        <p14:creationId xmlns:p14="http://schemas.microsoft.com/office/powerpoint/2010/main" val="3830950330"/>
+      </p:ext>
+    </p:extLst>
+  </p:cSld>
+  <p:clrMapOvr>
+    <a:masterClrMapping/>
+  </p:clrMapOvr>
+</p:sld>
+</file>
+
+<file path=ppt/slides/slide4.xml><?xml version="1.0" encoding="utf-8"?>
+<p:sld xmlns:a="http://schemas.openxmlformats.org/drawingml/2006/main" xmlns:r="http://schemas.openxmlformats.org/officeDocument/2006/relationships" xmlns:p="http://schemas.openxmlformats.org/presentationml/2006/main">
+  <p:cSld>
+    <p:spTree>
+      <p:nvGrpSpPr>
+        <p:cNvPr id="1" name=""/>
+        <p:cNvGrpSpPr/>
+        <p:nvPr/>
+      </p:nvGrpSpPr>
+      <p:grpSpPr>
+        <a:xfrm>
+          <a:off x="0" y="0"/>
+          <a:ext cx="0" cy="0"/>
+          <a:chOff x="0" y="0"/>
+          <a:chExt cx="0" cy="0"/>
+        </a:xfrm>
+      </p:grpSpPr>
+      <p:sp>
+        <p:nvSpPr>
+          <p:cNvPr id="2" name="Title 1">
+            <a:extLst>
+              <a:ext uri="{FF2B5EF4-FFF2-40B4-BE49-F238E27FC236}">
+                <a16:creationId xmlns:a16="http://schemas.microsoft.com/office/drawing/2014/main" id="{CCD45CC3-2EB6-4069-513D-730C495CA897}"/>
+              </a:ext>
+            </a:extLst>
+          </p:cNvPr>
+          <p:cNvSpPr>
+            <a:spLocks noGrp="1"/>
+          </p:cNvSpPr>
+          <p:nvPr>
+            <p:ph type="title"/>
+          </p:nvPr>
+        </p:nvSpPr>
+        <p:spPr/>
+        <p:txBody>
+          <a:bodyPr/>
+          <a:lstStyle/>
+          <a:p>
+            <a:r>
+              <a:rPr lang="en-US" dirty="0"/>
+              <a:t>Duality</a:t>
+            </a:r>
+          </a:p>
+        </p:txBody>
+      </p:sp>
+      <p:sp>
+        <p:nvSpPr>
+          <p:cNvPr id="3" name="Content Placeholder 2">
+            <a:extLst>
+              <a:ext uri="{FF2B5EF4-FFF2-40B4-BE49-F238E27FC236}">
+                <a16:creationId xmlns:a16="http://schemas.microsoft.com/office/drawing/2014/main" id="{C7EFDD07-316D-7D81-371A-B554ED1DA035}"/>
+              </a:ext>
+            </a:extLst>
+          </p:cNvPr>
+          <p:cNvSpPr>
+            <a:spLocks noGrp="1"/>
+          </p:cNvSpPr>
+          <p:nvPr>
+            <p:ph idx="1"/>
+          </p:nvPr>
+        </p:nvSpPr>
+        <p:spPr/>
+        <p:txBody>
+          <a:bodyPr/>
+          <a:lstStyle/>
+          <a:p>
+            <a:r>
+              <a:rPr lang="en-US" dirty="0"/>
+              <a:t>Yin-</a:t>
+            </a:r>
+            <a:r>
+              <a:rPr lang="en-US" dirty="0" err="1"/>
+              <a:t>yan</a:t>
+            </a:r>
+            <a:r>
+              <a:rPr lang="en-US" dirty="0"/>
+              <a:t> figure (maybe) with ?Int and !Int</a:t>
+            </a:r>
+          </a:p>
+        </p:txBody>
+      </p:sp>
+    </p:spTree>
+    <p:extLst>
+      <p:ext uri="{BB962C8B-B14F-4D97-AF65-F5344CB8AC3E}">
+        <p14:creationId xmlns:p14="http://schemas.microsoft.com/office/powerpoint/2010/main" val="3088201365"/>
+      </p:ext>
+    </p:extLst>
+  </p:cSld>
+  <p:clrMapOvr>
+    <a:masterClrMapping/>
+  </p:clrMapOvr>
+</p:sld>
+</file>
+
+<file path=ppt/slides/slide5.xml><?xml version="1.0" encoding="utf-8"?>
+<p:sld xmlns:a="http://schemas.openxmlformats.org/drawingml/2006/main" xmlns:r="http://schemas.openxmlformats.org/officeDocument/2006/relationships" xmlns:p="http://schemas.openxmlformats.org/presentationml/2006/main">
+  <p:cSld>
+    <p:spTree>
+      <p:nvGrpSpPr>
+        <p:cNvPr id="1" name=""/>
+        <p:cNvGrpSpPr/>
+        <p:nvPr/>
+      </p:nvGrpSpPr>
+      <p:grpSpPr>
+        <a:xfrm>
+          <a:off x="0" y="0"/>
+          <a:ext cx="0" cy="0"/>
+          <a:chOff x="0" y="0"/>
+          <a:chExt cx="0" cy="0"/>
+        </a:xfrm>
+      </p:grpSpPr>
+      <mc:AlternateContent xmlns:mc="http://schemas.openxmlformats.org/markup-compatibility/2006">
+        <mc:Choice xmlns:a14="http://schemas.microsoft.com/office/drawing/2010/main" Requires="a14">
+          <p:sp>
+            <p:nvSpPr>
+              <p:cNvPr id="2" name="Title 1">
+                <a:extLst>
+                  <a:ext uri="{FF2B5EF4-FFF2-40B4-BE49-F238E27FC236}">
+                    <a16:creationId xmlns:a16="http://schemas.microsoft.com/office/drawing/2014/main" id="{86E952E6-90A4-E3C9-CEF3-B427AD6827DD}"/>
+                  </a:ext>
+                </a:extLst>
+              </p:cNvPr>
+              <p:cNvSpPr>
+                <a:spLocks noGrp="1"/>
+              </p:cNvSpPr>
+              <p:nvPr>
+                <p:ph type="title"/>
+              </p:nvPr>
+            </p:nvSpPr>
+            <p:spPr/>
+            <p:txBody>
+              <a:bodyPr/>
+              <a:lstStyle/>
+              <a:p>
+                <a:r>
+                  <a:rPr lang="en-GB" dirty="0"/>
+                  <a:t>System </a:t>
+                </a:r>
+                <a14:m>
+                  <m:oMath xmlns:m="http://schemas.openxmlformats.org/officeDocument/2006/math">
+                    <m:sSubSup>
+                      <m:sSubSupPr>
+                        <m:ctrlPr>
+                          <a:rPr lang="pt-PT" sz="4400" i="1" smtClean="0">
+                            <a:solidFill>
+                              <a:srgbClr val="434343"/>
+                            </a:solidFill>
+                            <a:latin typeface="Cambria Math" panose="02040503050406030204" pitchFamily="18" charset="0"/>
+                            <a:sym typeface="Michroma"/>
+                          </a:rPr>
+                        </m:ctrlPr>
+                      </m:sSubSupPr>
+                      <m:e>
+                        <m:r>
+                          <a:rPr lang="pt-PT" sz="4400" b="0" i="1" smtClean="0">
+                            <a:solidFill>
+                              <a:srgbClr val="434343"/>
+                            </a:solidFill>
+                            <a:latin typeface="Cambria Math" panose="02040503050406030204" pitchFamily="18" charset="0"/>
+                            <a:sym typeface="Michroma"/>
+                          </a:rPr>
+                          <m:t>𝐹</m:t>
+                        </m:r>
+                      </m:e>
+                      <m:sub>
+                        <m:r>
+                          <a:rPr lang="pt-PT" sz="4400" i="1" smtClean="0">
+                            <a:solidFill>
+                              <a:srgbClr val="434343"/>
+                            </a:solidFill>
+                            <a:latin typeface="Cambria Math" panose="02040503050406030204" pitchFamily="18" charset="0"/>
+                            <a:ea typeface="Cambria Math" panose="02040503050406030204" pitchFamily="18" charset="0"/>
+                            <a:sym typeface="Michroma"/>
+                          </a:rPr>
+                          <m:t>𝜔</m:t>
+                        </m:r>
+                      </m:sub>
+                      <m:sup>
+                        <m:r>
+                          <a:rPr lang="pt-PT" sz="4400" i="1" smtClean="0">
+                            <a:solidFill>
+                              <a:srgbClr val="434343"/>
+                            </a:solidFill>
+                            <a:latin typeface="Cambria Math" panose="02040503050406030204" pitchFamily="18" charset="0"/>
+                            <a:ea typeface="Cambria Math" panose="02040503050406030204" pitchFamily="18" charset="0"/>
+                            <a:sym typeface="Michroma"/>
+                          </a:rPr>
+                          <m:t>𝜇</m:t>
+                        </m:r>
+                        <m:r>
+                          <a:rPr lang="pt-PT" sz="4400" b="0" i="1" smtClean="0">
+                            <a:solidFill>
+                              <a:srgbClr val="434343"/>
+                            </a:solidFill>
+                            <a:latin typeface="Cambria Math" panose="02040503050406030204" pitchFamily="18" charset="0"/>
+                            <a:ea typeface="Cambria Math" panose="02040503050406030204" pitchFamily="18" charset="0"/>
+                            <a:sym typeface="Michroma"/>
+                          </a:rPr>
+                          <m:t>∗</m:t>
+                        </m:r>
+                        <m:r>
+                          <a:rPr lang="pt-PT" sz="4400" b="0" i="1" smtClean="0">
+                            <a:solidFill>
+                              <a:srgbClr val="434343"/>
+                            </a:solidFill>
+                            <a:latin typeface="Cambria Math" panose="02040503050406030204" pitchFamily="18" charset="0"/>
+                            <a:ea typeface="Cambria Math" panose="02040503050406030204" pitchFamily="18" charset="0"/>
+                            <a:sym typeface="Michroma"/>
+                          </a:rPr>
+                          <m:t>;</m:t>
+                        </m:r>
+                      </m:sup>
+                    </m:sSubSup>
+                  </m:oMath>
+                </a14:m>
+                <a:endParaRPr lang="en-US" dirty="0"/>
+              </a:p>
+            </p:txBody>
+          </p:sp>
+        </mc:Choice>
+        <mc:Fallback>
+          <p:sp>
+            <p:nvSpPr>
+              <p:cNvPr id="2" name="Title 1">
+                <a:extLst>
+                  <a:ext uri="{FF2B5EF4-FFF2-40B4-BE49-F238E27FC236}">
+                    <a16:creationId xmlns:a16="http://schemas.microsoft.com/office/drawing/2014/main" id="{86E952E6-90A4-E3C9-CEF3-B427AD6827DD}"/>
+                  </a:ext>
+                </a:extLst>
+              </p:cNvPr>
+              <p:cNvSpPr>
+                <a:spLocks noGrp="1" noRot="1" noChangeAspect="1" noMove="1" noResize="1" noEditPoints="1" noAdjustHandles="1" noChangeArrowheads="1" noChangeShapeType="1" noTextEdit="1"/>
+              </p:cNvSpPr>
+              <p:nvPr>
+                <p:ph type="title"/>
+              </p:nvPr>
+            </p:nvSpPr>
+            <p:spPr>
+              <a:blipFill>
+                <a:blip r:embed="rId3"/>
+                <a:stretch>
+                  <a:fillRect l="-2413"/>
+                </a:stretch>
+              </a:blipFill>
+            </p:spPr>
+            <p:txBody>
+              <a:bodyPr/>
+              <a:lstStyle/>
+              <a:p>
+                <a:r>
+                  <a:rPr lang="en-US">
+                    <a:noFill/>
+                  </a:rPr>
+                  <a:t> </a:t>
+                </a:r>
+              </a:p>
+            </p:txBody>
+          </p:sp>
+        </mc:Fallback>
+      </mc:AlternateContent>
+      <p:pic>
+        <p:nvPicPr>
+          <p:cNvPr id="4" name="Content Placeholder 3">
+            <a:extLst>
+              <a:ext uri="{FF2B5EF4-FFF2-40B4-BE49-F238E27FC236}">
+                <a16:creationId xmlns:a16="http://schemas.microsoft.com/office/drawing/2014/main" id="{EDF7EC7F-BB2F-D92A-D7F2-CF557BBBA149}"/>
+              </a:ext>
+            </a:extLst>
+          </p:cNvPr>
+          <p:cNvPicPr>
+            <a:picLocks noGrp="1" noChangeAspect="1"/>
+          </p:cNvPicPr>
+          <p:nvPr>
+            <p:ph idx="1"/>
+          </p:nvPr>
+        </p:nvPicPr>
+        <p:blipFill>
+          <a:blip r:embed="rId4"/>
+          <a:stretch>
+            <a:fillRect/>
+          </a:stretch>
+        </p:blipFill>
+        <p:spPr>
+          <a:xfrm>
+            <a:off x="2093250" y="1825625"/>
+            <a:ext cx="8005500" cy="4351338"/>
+          </a:xfrm>
+          <a:prstGeom prst="rect">
+            <a:avLst/>
+          </a:prstGeom>
+        </p:spPr>
+      </p:pic>
+    </p:spTree>
+    <p:extLst>
+      <p:ext uri="{BB962C8B-B14F-4D97-AF65-F5344CB8AC3E}">
+        <p14:creationId xmlns:p14="http://schemas.microsoft.com/office/powerpoint/2010/main" val="3063019842"/>
+      </p:ext>
+    </p:extLst>
+  </p:cSld>
+  <p:clrMapOvr>
+    <a:masterClrMapping/>
+  </p:clrMapOvr>
+</p:sld>
+</file>
+
+<file path=ppt/slides/slide6.xml><?xml version="1.0" encoding="utf-8"?>
+<p:sld xmlns:a="http://schemas.openxmlformats.org/drawingml/2006/main" xmlns:r="http://schemas.openxmlformats.org/officeDocument/2006/relationships" xmlns:p="http://schemas.openxmlformats.org/presentationml/2006/main">
+  <p:cSld>
+    <p:spTree>
+      <p:nvGrpSpPr>
+        <p:cNvPr id="1" name=""/>
+        <p:cNvGrpSpPr/>
+        <p:nvPr/>
+      </p:nvGrpSpPr>
+      <p:grpSpPr>
+        <a:xfrm>
+          <a:off x="0" y="0"/>
+          <a:ext cx="0" cy="0"/>
+          <a:chOff x="0" y="0"/>
+          <a:chExt cx="0" cy="0"/>
+        </a:xfrm>
+      </p:grpSpPr>
+      <p:sp>
+        <p:nvSpPr>
+          <p:cNvPr id="2" name="Title 1">
+            <a:extLst>
+              <a:ext uri="{FF2B5EF4-FFF2-40B4-BE49-F238E27FC236}">
+                <a16:creationId xmlns:a16="http://schemas.microsoft.com/office/drawing/2014/main" id="{C7022B3D-6934-BB07-DE35-067EDF176C6A}"/>
+              </a:ext>
+            </a:extLst>
+          </p:cNvPr>
+          <p:cNvSpPr>
+            <a:spLocks noGrp="1"/>
+          </p:cNvSpPr>
+          <p:nvPr>
+            <p:ph type="title"/>
+          </p:nvPr>
+        </p:nvSpPr>
+        <p:spPr/>
+        <p:txBody>
+          <a:bodyPr/>
+          <a:lstStyle/>
+          <a:p>
+            <a:r>
+              <a:rPr lang="en-US" dirty="0"/>
+              <a:t>Weak Head Normal Form</a:t>
+            </a:r>
+          </a:p>
+        </p:txBody>
+      </p:sp>
+      <p:sp>
+        <p:nvSpPr>
+          <p:cNvPr id="3" name="Content Placeholder 2">
+            <a:extLst>
+              <a:ext uri="{FF2B5EF4-FFF2-40B4-BE49-F238E27FC236}">
+                <a16:creationId xmlns:a16="http://schemas.microsoft.com/office/drawing/2014/main" id="{1666BB2C-1CC4-5E6F-B030-0D8D04D1566A}"/>
+              </a:ext>
+            </a:extLst>
+          </p:cNvPr>
+          <p:cNvSpPr>
+            <a:spLocks noGrp="1"/>
+          </p:cNvSpPr>
+          <p:nvPr>
+            <p:ph idx="1"/>
+          </p:nvPr>
+        </p:nvSpPr>
+        <p:spPr/>
+        <p:txBody>
+          <a:bodyPr/>
+          <a:lstStyle/>
+          <a:p>
+            <a:endParaRPr lang="en-US" dirty="0"/>
+          </a:p>
+        </p:txBody>
+      </p:sp>
+    </p:spTree>
+    <p:extLst>
+      <p:ext uri="{BB962C8B-B14F-4D97-AF65-F5344CB8AC3E}">
+        <p14:creationId xmlns:p14="http://schemas.microsoft.com/office/powerpoint/2010/main" val="148421486"/>
+      </p:ext>
+    </p:extLst>
+  </p:cSld>
+  <p:clrMapOvr>
+    <a:masterClrMapping/>
+  </p:clrMapOvr>
+</p:sld>
+</file>
+
+<file path=ppt/slides/slide7.xml><?xml version="1.0" encoding="utf-8"?>
+<p:sld xmlns:a="http://schemas.openxmlformats.org/drawingml/2006/main" xmlns:r="http://schemas.openxmlformats.org/officeDocument/2006/relationships" xmlns:p="http://schemas.openxmlformats.org/presentationml/2006/main">
+  <p:cSld>
+    <p:spTree>
+      <p:nvGrpSpPr>
+        <p:cNvPr id="1" name=""/>
+        <p:cNvGrpSpPr/>
+        <p:nvPr/>
+      </p:nvGrpSpPr>
+      <p:grpSpPr>
+        <a:xfrm>
+          <a:off x="0" y="0"/>
+          <a:ext cx="0" cy="0"/>
+          <a:chOff x="0" y="0"/>
+          <a:chExt cx="0" cy="0"/>
+        </a:xfrm>
+      </p:grpSpPr>
+      <p:sp>
+        <p:nvSpPr>
+          <p:cNvPr id="2" name="Title 1">
+            <a:extLst>
+              <a:ext uri="{FF2B5EF4-FFF2-40B4-BE49-F238E27FC236}">
+                <a16:creationId xmlns:a16="http://schemas.microsoft.com/office/drawing/2014/main" id="{10846857-EF7F-FDE7-7DFC-CA9A00B64219}"/>
+              </a:ext>
+            </a:extLst>
+          </p:cNvPr>
+          <p:cNvSpPr>
+            <a:spLocks noGrp="1"/>
+          </p:cNvSpPr>
+          <p:nvPr>
+            <p:ph type="title"/>
+          </p:nvPr>
+        </p:nvSpPr>
+        <p:spPr/>
+        <p:txBody>
+          <a:bodyPr/>
+          <a:lstStyle/>
+          <a:p>
+            <a:r>
+              <a:rPr lang="en-US" dirty="0"/>
+              <a:t>Type Formation</a:t>
+            </a:r>
+          </a:p>
+        </p:txBody>
+      </p:sp>
+      <p:sp>
+        <p:nvSpPr>
+          <p:cNvPr id="3" name="Content Placeholder 2">
+            <a:extLst>
+              <a:ext uri="{FF2B5EF4-FFF2-40B4-BE49-F238E27FC236}">
+                <a16:creationId xmlns:a16="http://schemas.microsoft.com/office/drawing/2014/main" id="{06B8790A-69B4-26B7-3A15-AD02030BDC95}"/>
+              </a:ext>
+            </a:extLst>
+          </p:cNvPr>
+          <p:cNvSpPr>
+            <a:spLocks noGrp="1"/>
+          </p:cNvSpPr>
+          <p:nvPr>
+            <p:ph idx="1"/>
+          </p:nvPr>
+        </p:nvSpPr>
+        <p:spPr/>
+        <p:txBody>
+          <a:bodyPr/>
+          <a:lstStyle/>
+          <a:p>
+            <a:endParaRPr lang="en-US"/>
+          </a:p>
+        </p:txBody>
+      </p:sp>
+    </p:spTree>
+    <p:extLst>
+      <p:ext uri="{BB962C8B-B14F-4D97-AF65-F5344CB8AC3E}">
+        <p14:creationId xmlns:p14="http://schemas.microsoft.com/office/powerpoint/2010/main" val="253577171"/>
+      </p:ext>
+    </p:extLst>
+  </p:cSld>
+  <p:clrMapOvr>
+    <a:masterClrMapping/>
+  </p:clrMapOvr>
+</p:sld>
+</file>
+
+<file path=ppt/slides/slide8.xml><?xml version="1.0" encoding="utf-8"?>
+<p:sld xmlns:a="http://schemas.openxmlformats.org/drawingml/2006/main" xmlns:r="http://schemas.openxmlformats.org/officeDocument/2006/relationships" xmlns:p="http://schemas.openxmlformats.org/presentationml/2006/main">
+  <p:cSld>
+    <p:spTree>
+      <p:nvGrpSpPr>
+        <p:cNvPr id="1" name=""/>
+        <p:cNvGrpSpPr/>
+        <p:nvPr/>
+      </p:nvGrpSpPr>
+      <p:grpSpPr>
+        <a:xfrm>
+          <a:off x="0" y="0"/>
+          <a:ext cx="0" cy="0"/>
+          <a:chOff x="0" y="0"/>
+          <a:chExt cx="0" cy="0"/>
+        </a:xfrm>
+      </p:grpSpPr>
+      <p:sp>
+        <p:nvSpPr>
+          <p:cNvPr id="2" name="Title 1">
+            <a:extLst>
+              <a:ext uri="{FF2B5EF4-FFF2-40B4-BE49-F238E27FC236}">
+                <a16:creationId xmlns:a16="http://schemas.microsoft.com/office/drawing/2014/main" id="{A79A43C0-F6B2-DC18-78D9-138F9CD644C9}"/>
+              </a:ext>
+            </a:extLst>
+          </p:cNvPr>
+          <p:cNvSpPr>
+            <a:spLocks noGrp="1"/>
+          </p:cNvSpPr>
+          <p:nvPr>
+            <p:ph type="title"/>
+          </p:nvPr>
+        </p:nvSpPr>
+        <p:spPr/>
+        <p:txBody>
+          <a:bodyPr/>
+          <a:lstStyle/>
+          <a:p>
+            <a:r>
+              <a:rPr lang="en-US" dirty="0" err="1"/>
+              <a:t>Normalisation</a:t>
+            </a:r>
+            <a:endParaRPr lang="en-US" dirty="0"/>
+          </a:p>
+        </p:txBody>
+      </p:sp>
+      <p:sp>
+        <p:nvSpPr>
+          <p:cNvPr id="3" name="Content Placeholder 2">
+            <a:extLst>
+              <a:ext uri="{FF2B5EF4-FFF2-40B4-BE49-F238E27FC236}">
+                <a16:creationId xmlns:a16="http://schemas.microsoft.com/office/drawing/2014/main" id="{32099FD1-A2EA-C0FD-569E-539AA3083B11}"/>
+              </a:ext>
+            </a:extLst>
+          </p:cNvPr>
+          <p:cNvSpPr>
+            <a:spLocks noGrp="1"/>
+          </p:cNvSpPr>
+          <p:nvPr>
+            <p:ph idx="1"/>
+          </p:nvPr>
+        </p:nvSpPr>
+        <p:spPr/>
+        <p:txBody>
+          <a:bodyPr/>
+          <a:lstStyle/>
+          <a:p>
+            <a:endParaRPr lang="en-US"/>
+          </a:p>
+        </p:txBody>
+      </p:sp>
+    </p:spTree>
+    <p:extLst>
+      <p:ext uri="{BB962C8B-B14F-4D97-AF65-F5344CB8AC3E}">
+        <p14:creationId xmlns:p14="http://schemas.microsoft.com/office/powerpoint/2010/main" val="2069511883"/>
+      </p:ext>
+    </p:extLst>
+  </p:cSld>
+  <p:clrMapOvr>
+    <a:masterClrMapping/>
+  </p:clrMapOvr>
+</p:sld>
+</file>
+
+<file path=ppt/slides/slide9.xml><?xml version="1.0" encoding="utf-8"?>
+<p:sld xmlns:a="http://schemas.openxmlformats.org/drawingml/2006/main" xmlns:r="http://schemas.openxmlformats.org/officeDocument/2006/relationships" xmlns:p="http://schemas.openxmlformats.org/presentationml/2006/main">
+  <p:cSld>
+    <p:spTree>
+      <p:nvGrpSpPr>
+        <p:cNvPr id="1" name=""/>
+        <p:cNvGrpSpPr/>
+        <p:nvPr/>
+      </p:nvGrpSpPr>
+      <p:grpSpPr>
+        <a:xfrm>
+          <a:off x="0" y="0"/>
+          <a:ext cx="0" cy="0"/>
+          <a:chOff x="0" y="0"/>
+          <a:chExt cx="0" cy="0"/>
+        </a:xfrm>
+      </p:grpSpPr>
+      <p:sp>
+        <p:nvSpPr>
+          <p:cNvPr id="2" name="Title 1">
+            <a:extLst>
+              <a:ext uri="{FF2B5EF4-FFF2-40B4-BE49-F238E27FC236}">
+                <a16:creationId xmlns:a16="http://schemas.microsoft.com/office/drawing/2014/main" id="{9D558800-1DD1-5FAD-B1DD-9D3C42FC97AF}"/>
+              </a:ext>
+            </a:extLst>
+          </p:cNvPr>
+          <p:cNvSpPr>
+            <a:spLocks noGrp="1"/>
+          </p:cNvSpPr>
+          <p:nvPr>
+            <p:ph type="title"/>
+          </p:nvPr>
+        </p:nvSpPr>
+        <p:spPr/>
+        <p:txBody>
+          <a:bodyPr/>
+          <a:lstStyle/>
+          <a:p>
+            <a:r>
+              <a:rPr lang="en-US" dirty="0"/>
+              <a:t>Recursive types</a:t>
+            </a:r>
+          </a:p>
+        </p:txBody>
+      </p:sp>
+      <p:sp>
+        <p:nvSpPr>
+          <p:cNvPr id="3" name="Content Placeholder 2">
+            <a:extLst>
+              <a:ext uri="{FF2B5EF4-FFF2-40B4-BE49-F238E27FC236}">
+                <a16:creationId xmlns:a16="http://schemas.microsoft.com/office/drawing/2014/main" id="{7EE6CA53-DA1E-1389-FB61-ACE2427C9D89}"/>
+              </a:ext>
+            </a:extLst>
+          </p:cNvPr>
+          <p:cNvSpPr>
+            <a:spLocks noGrp="1"/>
+          </p:cNvSpPr>
+          <p:nvPr>
+            <p:ph idx="1"/>
+          </p:nvPr>
+        </p:nvSpPr>
+        <p:spPr/>
+        <p:txBody>
+          <a:bodyPr/>
+          <a:lstStyle/>
+          <a:p>
+            <a:endParaRPr lang="en-US"/>
+          </a:p>
+        </p:txBody>
+      </p:sp>
+    </p:spTree>
+    <p:extLst>
+      <p:ext uri="{BB962C8B-B14F-4D97-AF65-F5344CB8AC3E}">
+        <p14:creationId xmlns:p14="http://schemas.microsoft.com/office/powerpoint/2010/main" val="4286783048"/>
       </p:ext>
     </p:extLst>
   </p:cSld>

--- a/latex/Inforum/slides/presentation.pptx
+++ b/latex/Inforum/slides/presentation.pptx
@@ -5,7 +5,7 @@
     <p:sldMasterId id="2147483648" r:id="rId1"/>
   </p:sldMasterIdLst>
   <p:notesMasterIdLst>
-    <p:notesMasterId r:id="rId15"/>
+    <p:notesMasterId r:id="rId21"/>
   </p:notesMasterIdLst>
   <p:sldIdLst>
     <p:sldId id="256" r:id="rId2"/>
@@ -13,14 +13,20 @@
     <p:sldId id="268" r:id="rId4"/>
     <p:sldId id="269" r:id="rId5"/>
     <p:sldId id="264" r:id="rId6"/>
-    <p:sldId id="257" r:id="rId7"/>
-    <p:sldId id="258" r:id="rId8"/>
-    <p:sldId id="266" r:id="rId9"/>
-    <p:sldId id="267" r:id="rId10"/>
-    <p:sldId id="265" r:id="rId11"/>
-    <p:sldId id="259" r:id="rId12"/>
-    <p:sldId id="260" r:id="rId13"/>
-    <p:sldId id="261" r:id="rId14"/>
+    <p:sldId id="270" r:id="rId7"/>
+    <p:sldId id="257" r:id="rId8"/>
+    <p:sldId id="271" r:id="rId9"/>
+    <p:sldId id="258" r:id="rId10"/>
+    <p:sldId id="272" r:id="rId11"/>
+    <p:sldId id="266" r:id="rId12"/>
+    <p:sldId id="267" r:id="rId13"/>
+    <p:sldId id="274" r:id="rId14"/>
+    <p:sldId id="275" r:id="rId15"/>
+    <p:sldId id="276" r:id="rId16"/>
+    <p:sldId id="265" r:id="rId17"/>
+    <p:sldId id="259" r:id="rId18"/>
+    <p:sldId id="260" r:id="rId19"/>
+    <p:sldId id="261" r:id="rId20"/>
   </p:sldIdLst>
   <p:sldSz cx="12192000" cy="6858000"/>
   <p:notesSz cx="6858000" cy="9144000"/>
@@ -868,6 +874,101 @@
 </p:notes>
 </file>
 
+<file path=ppt/notesSlides/notesSlide10.xml><?xml version="1.0" encoding="utf-8"?>
+<p:notes xmlns:a="http://schemas.openxmlformats.org/drawingml/2006/main" xmlns:r="http://schemas.openxmlformats.org/officeDocument/2006/relationships" xmlns:p="http://schemas.openxmlformats.org/presentationml/2006/main">
+  <p:cSld>
+    <p:spTree>
+      <p:nvGrpSpPr>
+        <p:cNvPr id="1" name=""/>
+        <p:cNvGrpSpPr/>
+        <p:nvPr/>
+      </p:nvGrpSpPr>
+      <p:grpSpPr>
+        <a:xfrm>
+          <a:off x="0" y="0"/>
+          <a:ext cx="0" cy="0"/>
+          <a:chOff x="0" y="0"/>
+          <a:chExt cx="0" cy="0"/>
+        </a:xfrm>
+      </p:grpSpPr>
+      <p:sp>
+        <p:nvSpPr>
+          <p:cNvPr id="2" name="Slide Image Placeholder 1"/>
+          <p:cNvSpPr>
+            <a:spLocks noGrp="1" noRot="1" noChangeAspect="1"/>
+          </p:cNvSpPr>
+          <p:nvPr>
+            <p:ph type="sldImg"/>
+          </p:nvPr>
+        </p:nvSpPr>
+        <p:spPr/>
+      </p:sp>
+      <p:sp>
+        <p:nvSpPr>
+          <p:cNvPr id="3" name="Notes Placeholder 2"/>
+          <p:cNvSpPr>
+            <a:spLocks noGrp="1"/>
+          </p:cNvSpPr>
+          <p:nvPr>
+            <p:ph type="body" idx="1"/>
+          </p:nvPr>
+        </p:nvSpPr>
+        <p:spPr/>
+        <p:txBody>
+          <a:bodyPr/>
+          <a:lstStyle/>
+          <a:p>
+            <a:r>
+              <a:rPr lang="en-US" dirty="0"/>
+              <a:t>Mention that formal proofs are present in </a:t>
+            </a:r>
+            <a:r>
+              <a:rPr lang="en-US" dirty="0" err="1"/>
+              <a:t>Poças</a:t>
+            </a:r>
+            <a:r>
+              <a:rPr lang="en-US" dirty="0"/>
+              <a:t> work?</a:t>
+            </a:r>
+          </a:p>
+        </p:txBody>
+      </p:sp>
+      <p:sp>
+        <p:nvSpPr>
+          <p:cNvPr id="4" name="Slide Number Placeholder 3"/>
+          <p:cNvSpPr>
+            <a:spLocks noGrp="1"/>
+          </p:cNvSpPr>
+          <p:nvPr>
+            <p:ph type="sldNum" sz="quarter" idx="5"/>
+          </p:nvPr>
+        </p:nvSpPr>
+        <p:spPr/>
+        <p:txBody>
+          <a:bodyPr/>
+          <a:lstStyle/>
+          <a:p>
+            <a:fld id="{02547659-C21A-9648-9FCA-C328DECACF95}" type="slidenum">
+              <a:rPr lang="en-US" smtClean="0"/>
+              <a:t>18</a:t>
+            </a:fld>
+            <a:endParaRPr lang="en-US"/>
+          </a:p>
+        </p:txBody>
+      </p:sp>
+    </p:spTree>
+    <p:extLst>
+      <p:ext uri="{BB962C8B-B14F-4D97-AF65-F5344CB8AC3E}">
+        <p14:creationId xmlns:p14="http://schemas.microsoft.com/office/powerpoint/2010/main" val="2042712463"/>
+      </p:ext>
+    </p:extLst>
+  </p:cSld>
+  <p:clrMapOvr>
+    <a:masterClrMapping/>
+  </p:clrMapOvr>
+</p:notes>
+</file>
+
 <file path=ppt/notesSlides/notesSlide2.xml><?xml version="1.0" encoding="utf-8"?>
 <p:notes xmlns:a="http://schemas.openxmlformats.org/drawingml/2006/main" xmlns:r="http://schemas.openxmlformats.org/officeDocument/2006/relationships" xmlns:p="http://schemas.openxmlformats.org/presentationml/2006/main">
   <p:cSld>
@@ -1009,7 +1110,7 @@
           <a:p>
             <a:r>
               <a:rPr lang="en-US" dirty="0"/>
-              <a:t>Present the system</a:t>
+              <a:t>Definitions: Kind, proper type, type operator</a:t>
             </a:r>
           </a:p>
         </p:txBody>
@@ -1115,7 +1216,7 @@
           <a:p>
             <a:fld id="{02547659-C21A-9648-9FCA-C328DECACF95}" type="slidenum">
               <a:rPr lang="en-US" smtClean="0"/>
-              <a:t>6</a:t>
+              <a:t>7</a:t>
             </a:fld>
             <a:endParaRPr lang="en-US"/>
           </a:p>
@@ -1214,7 +1315,7 @@
           <a:p>
             <a:fld id="{02547659-C21A-9648-9FCA-C328DECACF95}" type="slidenum">
               <a:rPr lang="en-US" smtClean="0"/>
-              <a:t>7</a:t>
+              <a:t>9</a:t>
             </a:fld>
             <a:endParaRPr lang="en-US"/>
           </a:p>
@@ -1279,7 +1380,15 @@
           <a:p>
             <a:r>
               <a:rPr lang="en-US" dirty="0"/>
-              <a:t>T and U are renamed.</a:t>
+              <a:t>If T is pre-</a:t>
+            </a:r>
+            <a:r>
+              <a:rPr lang="en-US" dirty="0" err="1"/>
+              <a:t>kinded</a:t>
+            </a:r>
+            <a:r>
+              <a:rPr lang="en-US" dirty="0"/>
+              <a:t>, T norm terminates.</a:t>
             </a:r>
           </a:p>
         </p:txBody>
@@ -1310,7 +1419,7 @@
     </p:spTree>
     <p:extLst>
       <p:ext uri="{BB962C8B-B14F-4D97-AF65-F5344CB8AC3E}">
-        <p14:creationId xmlns:p14="http://schemas.microsoft.com/office/powerpoint/2010/main" val="2149415144"/>
+        <p14:creationId xmlns:p14="http://schemas.microsoft.com/office/powerpoint/2010/main" val="1935756994"/>
       </p:ext>
     </p:extLst>
   </p:cSld>
@@ -1364,7 +1473,18 @@
           <a:bodyPr/>
           <a:lstStyle/>
           <a:p>
-            <a:endParaRPr lang="en-US" dirty="0"/>
+            <a:r>
+              <a:rPr lang="en-US" dirty="0"/>
+              <a:t>Two (renamed) types are equivalent, if their grammars are </a:t>
+            </a:r>
+            <a:r>
+              <a:rPr lang="en-US" dirty="0" err="1"/>
+              <a:t>bisimilar</a:t>
+            </a:r>
+            <a:r>
+              <a:rPr lang="en-US" dirty="0"/>
+              <a:t>.</a:t>
+            </a:r>
           </a:p>
         </p:txBody>
       </p:sp>
@@ -1385,7 +1505,7 @@
           <a:p>
             <a:fld id="{02547659-C21A-9648-9FCA-C328DECACF95}" type="slidenum">
               <a:rPr lang="en-US" smtClean="0"/>
-              <a:t>11</a:t>
+              <a:t>14</a:t>
             </a:fld>
             <a:endParaRPr lang="en-US"/>
           </a:p>
@@ -1394,7 +1514,7 @@
     </p:spTree>
     <p:extLst>
       <p:ext uri="{BB962C8B-B14F-4D97-AF65-F5344CB8AC3E}">
-        <p14:creationId xmlns:p14="http://schemas.microsoft.com/office/powerpoint/2010/main" val="1570453111"/>
+        <p14:creationId xmlns:p14="http://schemas.microsoft.com/office/powerpoint/2010/main" val="3497160788"/>
       </p:ext>
     </p:extLst>
   </p:cSld>
@@ -1448,38 +1568,10 @@
           <a:bodyPr/>
           <a:lstStyle/>
           <a:p>
-            <a:pPr marL="0" marR="0" lvl="0" indent="0" algn="l" defTabSz="914400" rtl="0" eaLnBrk="1" fontAlgn="auto" latinLnBrk="0" hangingPunct="1">
-              <a:lnSpc>
-                <a:spcPct val="100000"/>
-              </a:lnSpc>
-              <a:spcBef>
-                <a:spcPts val="0"/>
-              </a:spcBef>
-              <a:spcAft>
-                <a:spcPts val="0"/>
-              </a:spcAft>
-              <a:buClrTx/>
-              <a:buSzTx/>
-              <a:buFontTx/>
-              <a:buNone/>
-              <a:tabLst/>
-              <a:defRPr/>
-            </a:pPr>
             <a:r>
               <a:rPr lang="en-US" dirty="0"/>
-              <a:t>Syntax -&gt; Generate types -&gt; properties -&gt; run (</a:t>
-            </a:r>
-            <a:r>
-              <a:rPr lang="en-US" dirty="0" err="1"/>
-              <a:t>grafico</a:t>
-            </a:r>
-            <a:r>
-              <a:rPr lang="en-US" dirty="0"/>
-              <a:t>)</a:t>
-            </a:r>
-          </a:p>
-          <a:p>
-            <a:endParaRPr lang="en-US" dirty="0"/>
+              <a:t>T and U are renamed.</a:t>
+            </a:r>
           </a:p>
         </p:txBody>
       </p:sp>
@@ -1500,7 +1592,7 @@
           <a:p>
             <a:fld id="{02547659-C21A-9648-9FCA-C328DECACF95}" type="slidenum">
               <a:rPr lang="en-US" smtClean="0"/>
-              <a:t>12</a:t>
+              <a:t>16</a:t>
             </a:fld>
             <a:endParaRPr lang="en-US"/>
           </a:p>
@@ -1509,7 +1601,102 @@
     </p:spTree>
     <p:extLst>
       <p:ext uri="{BB962C8B-B14F-4D97-AF65-F5344CB8AC3E}">
-        <p14:creationId xmlns:p14="http://schemas.microsoft.com/office/powerpoint/2010/main" val="2042712463"/>
+        <p14:creationId xmlns:p14="http://schemas.microsoft.com/office/powerpoint/2010/main" val="2149415144"/>
+      </p:ext>
+    </p:extLst>
+  </p:cSld>
+  <p:clrMapOvr>
+    <a:masterClrMapping/>
+  </p:clrMapOvr>
+</p:notes>
+</file>
+
+<file path=ppt/notesSlides/notesSlide9.xml><?xml version="1.0" encoding="utf-8"?>
+<p:notes xmlns:a="http://schemas.openxmlformats.org/drawingml/2006/main" xmlns:r="http://schemas.openxmlformats.org/officeDocument/2006/relationships" xmlns:p="http://schemas.openxmlformats.org/presentationml/2006/main">
+  <p:cSld>
+    <p:spTree>
+      <p:nvGrpSpPr>
+        <p:cNvPr id="1" name=""/>
+        <p:cNvGrpSpPr/>
+        <p:nvPr/>
+      </p:nvGrpSpPr>
+      <p:grpSpPr>
+        <a:xfrm>
+          <a:off x="0" y="0"/>
+          <a:ext cx="0" cy="0"/>
+          <a:chOff x="0" y="0"/>
+          <a:chExt cx="0" cy="0"/>
+        </a:xfrm>
+      </p:grpSpPr>
+      <p:sp>
+        <p:nvSpPr>
+          <p:cNvPr id="2" name="Slide Image Placeholder 1"/>
+          <p:cNvSpPr>
+            <a:spLocks noGrp="1" noRot="1" noChangeAspect="1"/>
+          </p:cNvSpPr>
+          <p:nvPr>
+            <p:ph type="sldImg"/>
+          </p:nvPr>
+        </p:nvSpPr>
+        <p:spPr/>
+      </p:sp>
+      <p:sp>
+        <p:nvSpPr>
+          <p:cNvPr id="3" name="Notes Placeholder 2"/>
+          <p:cNvSpPr>
+            <a:spLocks noGrp="1"/>
+          </p:cNvSpPr>
+          <p:nvPr>
+            <p:ph type="body" idx="1"/>
+          </p:nvPr>
+        </p:nvSpPr>
+        <p:spPr/>
+        <p:txBody>
+          <a:bodyPr/>
+          <a:lstStyle/>
+          <a:p>
+            <a:r>
+              <a:rPr lang="en-US" dirty="0"/>
+              <a:t>The application of the word function to T terminates producing a simple grammar (because our well-formed types </a:t>
+            </a:r>
+            <a:r>
+              <a:rPr lang="en-US" dirty="0" err="1"/>
+              <a:t>normalise</a:t>
+            </a:r>
+            <a:r>
+              <a:rPr lang="en-US" dirty="0"/>
+              <a:t>).</a:t>
+            </a:r>
+          </a:p>
+        </p:txBody>
+      </p:sp>
+      <p:sp>
+        <p:nvSpPr>
+          <p:cNvPr id="4" name="Slide Number Placeholder 3"/>
+          <p:cNvSpPr>
+            <a:spLocks noGrp="1"/>
+          </p:cNvSpPr>
+          <p:nvPr>
+            <p:ph type="sldNum" sz="quarter" idx="5"/>
+          </p:nvPr>
+        </p:nvSpPr>
+        <p:spPr/>
+        <p:txBody>
+          <a:bodyPr/>
+          <a:lstStyle/>
+          <a:p>
+            <a:fld id="{02547659-C21A-9648-9FCA-C328DECACF95}" type="slidenum">
+              <a:rPr lang="en-US" smtClean="0"/>
+              <a:t>17</a:t>
+            </a:fld>
+            <a:endParaRPr lang="en-US"/>
+          </a:p>
+        </p:txBody>
+      </p:sp>
+    </p:spTree>
+    <p:extLst>
+      <p:ext uri="{BB962C8B-B14F-4D97-AF65-F5344CB8AC3E}">
+        <p14:creationId xmlns:p14="http://schemas.microsoft.com/office/powerpoint/2010/main" val="1570453111"/>
       </p:ext>
     </p:extLst>
   </p:cSld>
@@ -4831,6 +5018,613 @@
           <p:cNvPr id="2" name="Title 1">
             <a:extLst>
               <a:ext uri="{FF2B5EF4-FFF2-40B4-BE49-F238E27FC236}">
+                <a16:creationId xmlns:a16="http://schemas.microsoft.com/office/drawing/2014/main" id="{C532903D-A171-F671-C5A9-341801847BED}"/>
+              </a:ext>
+            </a:extLst>
+          </p:cNvPr>
+          <p:cNvSpPr>
+            <a:spLocks noGrp="1"/>
+          </p:cNvSpPr>
+          <p:nvPr>
+            <p:ph type="title"/>
+          </p:nvPr>
+        </p:nvSpPr>
+        <p:spPr/>
+        <p:txBody>
+          <a:bodyPr/>
+          <a:lstStyle/>
+          <a:p>
+            <a:r>
+              <a:rPr lang="en-US" dirty="0"/>
+              <a:t>Decidability of Type Formation</a:t>
+            </a:r>
+          </a:p>
+        </p:txBody>
+      </p:sp>
+      <p:sp>
+        <p:nvSpPr>
+          <p:cNvPr id="3" name="Content Placeholder 2">
+            <a:extLst>
+              <a:ext uri="{FF2B5EF4-FFF2-40B4-BE49-F238E27FC236}">
+                <a16:creationId xmlns:a16="http://schemas.microsoft.com/office/drawing/2014/main" id="{B1CF5AB8-BF89-1627-E552-148F7E3B466D}"/>
+              </a:ext>
+            </a:extLst>
+          </p:cNvPr>
+          <p:cNvSpPr>
+            <a:spLocks noGrp="1"/>
+          </p:cNvSpPr>
+          <p:nvPr>
+            <p:ph idx="1"/>
+          </p:nvPr>
+        </p:nvSpPr>
+        <p:spPr/>
+        <p:txBody>
+          <a:bodyPr/>
+          <a:lstStyle/>
+          <a:p>
+            <a:r>
+              <a:rPr lang="en-US" dirty="0"/>
+              <a:t>Def: pre-</a:t>
+            </a:r>
+            <a:r>
+              <a:rPr lang="en-US" dirty="0" err="1"/>
+              <a:t>kinding</a:t>
+            </a:r>
+            <a:r>
+              <a:rPr lang="en-US" dirty="0"/>
+              <a:t> (maybe a mirror figure, since the rules mirror each other apart from the T U norm)</a:t>
+            </a:r>
+          </a:p>
+          <a:p>
+            <a:r>
+              <a:rPr lang="en-US" dirty="0"/>
+              <a:t>Example of unsuccessful pre-kind (maybe another slide)</a:t>
+            </a:r>
+          </a:p>
+        </p:txBody>
+      </p:sp>
+    </p:spTree>
+    <p:extLst>
+      <p:ext uri="{BB962C8B-B14F-4D97-AF65-F5344CB8AC3E}">
+        <p14:creationId xmlns:p14="http://schemas.microsoft.com/office/powerpoint/2010/main" val="1125946544"/>
+      </p:ext>
+    </p:extLst>
+  </p:cSld>
+  <p:clrMapOvr>
+    <a:masterClrMapping/>
+  </p:clrMapOvr>
+</p:sld>
+</file>
+
+<file path=ppt/slides/slide11.xml><?xml version="1.0" encoding="utf-8"?>
+<p:sld xmlns:a="http://schemas.openxmlformats.org/drawingml/2006/main" xmlns:r="http://schemas.openxmlformats.org/officeDocument/2006/relationships" xmlns:p="http://schemas.openxmlformats.org/presentationml/2006/main">
+  <p:cSld>
+    <p:spTree>
+      <p:nvGrpSpPr>
+        <p:cNvPr id="1" name=""/>
+        <p:cNvGrpSpPr/>
+        <p:nvPr/>
+      </p:nvGrpSpPr>
+      <p:grpSpPr>
+        <a:xfrm>
+          <a:off x="0" y="0"/>
+          <a:ext cx="0" cy="0"/>
+          <a:chOff x="0" y="0"/>
+          <a:chExt cx="0" cy="0"/>
+        </a:xfrm>
+      </p:grpSpPr>
+      <p:sp>
+        <p:nvSpPr>
+          <p:cNvPr id="2" name="Title 1">
+            <a:extLst>
+              <a:ext uri="{FF2B5EF4-FFF2-40B4-BE49-F238E27FC236}">
+                <a16:creationId xmlns:a16="http://schemas.microsoft.com/office/drawing/2014/main" id="{A79A43C0-F6B2-DC18-78D9-138F9CD644C9}"/>
+              </a:ext>
+            </a:extLst>
+          </p:cNvPr>
+          <p:cNvSpPr>
+            <a:spLocks noGrp="1"/>
+          </p:cNvSpPr>
+          <p:nvPr>
+            <p:ph type="title"/>
+          </p:nvPr>
+        </p:nvSpPr>
+        <p:spPr/>
+        <p:txBody>
+          <a:bodyPr/>
+          <a:lstStyle/>
+          <a:p>
+            <a:r>
+              <a:rPr lang="en-US" dirty="0" err="1"/>
+              <a:t>Normalisation</a:t>
+            </a:r>
+            <a:endParaRPr lang="en-US" dirty="0"/>
+          </a:p>
+        </p:txBody>
+      </p:sp>
+      <p:sp>
+        <p:nvSpPr>
+          <p:cNvPr id="3" name="Content Placeholder 2">
+            <a:extLst>
+              <a:ext uri="{FF2B5EF4-FFF2-40B4-BE49-F238E27FC236}">
+                <a16:creationId xmlns:a16="http://schemas.microsoft.com/office/drawing/2014/main" id="{32099FD1-A2EA-C0FD-569E-539AA3083B11}"/>
+              </a:ext>
+            </a:extLst>
+          </p:cNvPr>
+          <p:cNvSpPr>
+            <a:spLocks noGrp="1"/>
+          </p:cNvSpPr>
+          <p:nvPr>
+            <p:ph idx="1"/>
+          </p:nvPr>
+        </p:nvSpPr>
+        <p:spPr/>
+        <p:txBody>
+          <a:bodyPr/>
+          <a:lstStyle/>
+          <a:p>
+            <a:r>
+              <a:rPr lang="en-US" dirty="0"/>
+              <a:t>Divide the reduction steps in two groups (2 circles figure, one with mu reductions, one with </a:t>
+            </a:r>
+            <a:r>
+              <a:rPr lang="en-US" dirty="0" err="1"/>
+              <a:t>b;D</a:t>
+            </a:r>
+            <a:r>
+              <a:rPr lang="en-US" dirty="0"/>
+              <a:t>)</a:t>
+            </a:r>
+          </a:p>
+        </p:txBody>
+      </p:sp>
+    </p:spTree>
+    <p:extLst>
+      <p:ext uri="{BB962C8B-B14F-4D97-AF65-F5344CB8AC3E}">
+        <p14:creationId xmlns:p14="http://schemas.microsoft.com/office/powerpoint/2010/main" val="2069511883"/>
+      </p:ext>
+    </p:extLst>
+  </p:cSld>
+  <p:clrMapOvr>
+    <a:masterClrMapping/>
+  </p:clrMapOvr>
+</p:sld>
+</file>
+
+<file path=ppt/slides/slide12.xml><?xml version="1.0" encoding="utf-8"?>
+<p:sld xmlns:a="http://schemas.openxmlformats.org/drawingml/2006/main" xmlns:r="http://schemas.openxmlformats.org/officeDocument/2006/relationships" xmlns:p="http://schemas.openxmlformats.org/presentationml/2006/main">
+  <p:cSld>
+    <p:spTree>
+      <p:nvGrpSpPr>
+        <p:cNvPr id="1" name=""/>
+        <p:cNvGrpSpPr/>
+        <p:nvPr/>
+      </p:nvGrpSpPr>
+      <p:grpSpPr>
+        <a:xfrm>
+          <a:off x="0" y="0"/>
+          <a:ext cx="0" cy="0"/>
+          <a:chOff x="0" y="0"/>
+          <a:chExt cx="0" cy="0"/>
+        </a:xfrm>
+      </p:grpSpPr>
+      <p:sp>
+        <p:nvSpPr>
+          <p:cNvPr id="2" name="Title 1">
+            <a:extLst>
+              <a:ext uri="{FF2B5EF4-FFF2-40B4-BE49-F238E27FC236}">
+                <a16:creationId xmlns:a16="http://schemas.microsoft.com/office/drawing/2014/main" id="{9D558800-1DD1-5FAD-B1DD-9D3C42FC97AF}"/>
+              </a:ext>
+            </a:extLst>
+          </p:cNvPr>
+          <p:cNvSpPr>
+            <a:spLocks noGrp="1"/>
+          </p:cNvSpPr>
+          <p:nvPr>
+            <p:ph type="title"/>
+          </p:nvPr>
+        </p:nvSpPr>
+        <p:spPr/>
+        <p:txBody>
+          <a:bodyPr/>
+          <a:lstStyle/>
+          <a:p>
+            <a:r>
+              <a:rPr lang="en-US" dirty="0"/>
+              <a:t>Check if T is well-formed</a:t>
+            </a:r>
+          </a:p>
+        </p:txBody>
+      </p:sp>
+      <p:sp>
+        <p:nvSpPr>
+          <p:cNvPr id="3" name="Content Placeholder 2">
+            <a:extLst>
+              <a:ext uri="{FF2B5EF4-FFF2-40B4-BE49-F238E27FC236}">
+                <a16:creationId xmlns:a16="http://schemas.microsoft.com/office/drawing/2014/main" id="{7EE6CA53-DA1E-1389-FB61-ACE2427C9D89}"/>
+              </a:ext>
+            </a:extLst>
+          </p:cNvPr>
+          <p:cNvSpPr>
+            <a:spLocks noGrp="1"/>
+          </p:cNvSpPr>
+          <p:nvPr>
+            <p:ph idx="1"/>
+          </p:nvPr>
+        </p:nvSpPr>
+        <p:spPr/>
+        <p:txBody>
+          <a:bodyPr/>
+          <a:lstStyle/>
+          <a:p>
+            <a:r>
+              <a:rPr lang="en-US" dirty="0"/>
+              <a:t>Step 1: determine if T is pre-</a:t>
+            </a:r>
+            <a:r>
+              <a:rPr lang="en-US" dirty="0" err="1"/>
+              <a:t>kinded</a:t>
+            </a:r>
+            <a:r>
+              <a:rPr lang="en-US" dirty="0"/>
+              <a:t>. </a:t>
+            </a:r>
+          </a:p>
+          <a:p>
+            <a:r>
+              <a:rPr lang="en-US" dirty="0"/>
+              <a:t>Step 2: determine if T is </a:t>
+            </a:r>
+            <a:r>
+              <a:rPr lang="en-US" dirty="0" err="1"/>
+              <a:t>kinded</a:t>
+            </a:r>
+            <a:r>
+              <a:rPr lang="en-US" dirty="0"/>
+              <a:t>, which involves determining if all sub-terms of T </a:t>
+            </a:r>
+            <a:r>
+              <a:rPr lang="en-US" dirty="0" err="1"/>
+              <a:t>normalise</a:t>
+            </a:r>
+            <a:r>
+              <a:rPr lang="en-US" dirty="0"/>
+              <a:t>.</a:t>
+            </a:r>
+          </a:p>
+        </p:txBody>
+      </p:sp>
+    </p:spTree>
+    <p:extLst>
+      <p:ext uri="{BB962C8B-B14F-4D97-AF65-F5344CB8AC3E}">
+        <p14:creationId xmlns:p14="http://schemas.microsoft.com/office/powerpoint/2010/main" val="4286783048"/>
+      </p:ext>
+    </p:extLst>
+  </p:cSld>
+  <p:clrMapOvr>
+    <a:masterClrMapping/>
+  </p:clrMapOvr>
+</p:sld>
+</file>
+
+<file path=ppt/slides/slide13.xml><?xml version="1.0" encoding="utf-8"?>
+<p:sld xmlns:a="http://schemas.openxmlformats.org/drawingml/2006/main" xmlns:r="http://schemas.openxmlformats.org/officeDocument/2006/relationships" xmlns:p="http://schemas.openxmlformats.org/presentationml/2006/main">
+  <p:cSld>
+    <p:spTree>
+      <p:nvGrpSpPr>
+        <p:cNvPr id="1" name=""/>
+        <p:cNvGrpSpPr/>
+        <p:nvPr/>
+      </p:nvGrpSpPr>
+      <p:grpSpPr>
+        <a:xfrm>
+          <a:off x="0" y="0"/>
+          <a:ext cx="0" cy="0"/>
+          <a:chOff x="0" y="0"/>
+          <a:chExt cx="0" cy="0"/>
+        </a:xfrm>
+      </p:grpSpPr>
+      <p:sp>
+        <p:nvSpPr>
+          <p:cNvPr id="2" name="Title 1">
+            <a:extLst>
+              <a:ext uri="{FF2B5EF4-FFF2-40B4-BE49-F238E27FC236}">
+                <a16:creationId xmlns:a16="http://schemas.microsoft.com/office/drawing/2014/main" id="{543A1B27-327F-A505-B5EF-7E3BC37F732C}"/>
+              </a:ext>
+            </a:extLst>
+          </p:cNvPr>
+          <p:cNvSpPr>
+            <a:spLocks noGrp="1"/>
+          </p:cNvSpPr>
+          <p:nvPr>
+            <p:ph type="title"/>
+          </p:nvPr>
+        </p:nvSpPr>
+        <p:spPr/>
+        <p:txBody>
+          <a:bodyPr/>
+          <a:lstStyle/>
+          <a:p>
+            <a:r>
+              <a:rPr lang="en-US" dirty="0"/>
+              <a:t>Case of Recursive Types</a:t>
+            </a:r>
+          </a:p>
+        </p:txBody>
+      </p:sp>
+      <p:sp>
+        <p:nvSpPr>
+          <p:cNvPr id="3" name="Content Placeholder 2">
+            <a:extLst>
+              <a:ext uri="{FF2B5EF4-FFF2-40B4-BE49-F238E27FC236}">
+                <a16:creationId xmlns:a16="http://schemas.microsoft.com/office/drawing/2014/main" id="{EC00C058-8A8C-B081-3F79-543F501AC44C}"/>
+              </a:ext>
+            </a:extLst>
+          </p:cNvPr>
+          <p:cNvSpPr>
+            <a:spLocks noGrp="1"/>
+          </p:cNvSpPr>
+          <p:nvPr>
+            <p:ph idx="1"/>
+          </p:nvPr>
+        </p:nvSpPr>
+        <p:spPr/>
+        <p:txBody>
+          <a:bodyPr/>
+          <a:lstStyle/>
+          <a:p>
+            <a:r>
+              <a:rPr lang="en-US" dirty="0"/>
+              <a:t>Show sequence of possible reductions.</a:t>
+            </a:r>
+          </a:p>
+          <a:p>
+            <a:r>
+              <a:rPr lang="en-US" dirty="0"/>
+              <a:t>If T reduces by R-mu, show the restriction of mu*</a:t>
+            </a:r>
+          </a:p>
+        </p:txBody>
+      </p:sp>
+    </p:spTree>
+    <p:extLst>
+      <p:ext uri="{BB962C8B-B14F-4D97-AF65-F5344CB8AC3E}">
+        <p14:creationId xmlns:p14="http://schemas.microsoft.com/office/powerpoint/2010/main" val="4187848092"/>
+      </p:ext>
+    </p:extLst>
+  </p:cSld>
+  <p:clrMapOvr>
+    <a:masterClrMapping/>
+  </p:clrMapOvr>
+</p:sld>
+</file>
+
+<file path=ppt/slides/slide14.xml><?xml version="1.0" encoding="utf-8"?>
+<p:sld xmlns:a="http://schemas.openxmlformats.org/drawingml/2006/main" xmlns:r="http://schemas.openxmlformats.org/officeDocument/2006/relationships" xmlns:p="http://schemas.openxmlformats.org/presentationml/2006/main">
+  <p:cSld>
+    <p:spTree>
+      <p:nvGrpSpPr>
+        <p:cNvPr id="1" name=""/>
+        <p:cNvGrpSpPr/>
+        <p:nvPr/>
+      </p:nvGrpSpPr>
+      <p:grpSpPr>
+        <a:xfrm>
+          <a:off x="0" y="0"/>
+          <a:ext cx="0" cy="0"/>
+          <a:chOff x="0" y="0"/>
+          <a:chExt cx="0" cy="0"/>
+        </a:xfrm>
+      </p:grpSpPr>
+      <p:sp>
+        <p:nvSpPr>
+          <p:cNvPr id="2" name="Title 1">
+            <a:extLst>
+              <a:ext uri="{FF2B5EF4-FFF2-40B4-BE49-F238E27FC236}">
+                <a16:creationId xmlns:a16="http://schemas.microsoft.com/office/drawing/2014/main" id="{4CF49411-9DC8-F401-3425-FB86B11928E7}"/>
+              </a:ext>
+            </a:extLst>
+          </p:cNvPr>
+          <p:cNvSpPr>
+            <a:spLocks noGrp="1"/>
+          </p:cNvSpPr>
+          <p:nvPr>
+            <p:ph type="title"/>
+          </p:nvPr>
+        </p:nvSpPr>
+        <p:spPr/>
+        <p:txBody>
+          <a:bodyPr/>
+          <a:lstStyle/>
+          <a:p>
+            <a:r>
+              <a:rPr lang="en-US" dirty="0"/>
+              <a:t>Type Equivalence</a:t>
+            </a:r>
+          </a:p>
+        </p:txBody>
+      </p:sp>
+      <p:sp>
+        <p:nvSpPr>
+          <p:cNvPr id="3" name="Content Placeholder 2">
+            <a:extLst>
+              <a:ext uri="{FF2B5EF4-FFF2-40B4-BE49-F238E27FC236}">
+                <a16:creationId xmlns:a16="http://schemas.microsoft.com/office/drawing/2014/main" id="{94BC7B22-A1FA-2DA2-09A3-87FE1E5356D1}"/>
+              </a:ext>
+            </a:extLst>
+          </p:cNvPr>
+          <p:cNvSpPr>
+            <a:spLocks noGrp="1"/>
+          </p:cNvSpPr>
+          <p:nvPr>
+            <p:ph idx="1"/>
+          </p:nvPr>
+        </p:nvSpPr>
+        <p:spPr/>
+        <p:txBody>
+          <a:bodyPr/>
+          <a:lstStyle/>
+          <a:p>
+            <a:r>
+              <a:rPr lang="en-US" dirty="0"/>
+              <a:t>Example </a:t>
+            </a:r>
+            <a:r>
+              <a:rPr lang="en-US" dirty="0">
+                <a:hlinkClick r:id="rId3"/>
+              </a:rPr>
+              <a:t>\</a:t>
+            </a:r>
+            <a:r>
+              <a:rPr lang="en-US" dirty="0"/>
+              <a:t>alpha and \beta are alpha-congruent.</a:t>
+            </a:r>
+          </a:p>
+          <a:p>
+            <a:r>
+              <a:rPr lang="en-US" dirty="0"/>
+              <a:t>Introduce minimal renaming from </a:t>
+            </a:r>
+            <a:r>
+              <a:rPr lang="en-US" dirty="0" err="1"/>
+              <a:t>Poças</a:t>
+            </a:r>
+            <a:r>
+              <a:rPr lang="en-US" dirty="0"/>
+              <a:t> (maybe another slide)</a:t>
+            </a:r>
+          </a:p>
+        </p:txBody>
+      </p:sp>
+    </p:spTree>
+    <p:extLst>
+      <p:ext uri="{BB962C8B-B14F-4D97-AF65-F5344CB8AC3E}">
+        <p14:creationId xmlns:p14="http://schemas.microsoft.com/office/powerpoint/2010/main" val="3578223681"/>
+      </p:ext>
+    </p:extLst>
+  </p:cSld>
+  <p:clrMapOvr>
+    <a:masterClrMapping/>
+  </p:clrMapOvr>
+</p:sld>
+</file>
+
+<file path=ppt/slides/slide15.xml><?xml version="1.0" encoding="utf-8"?>
+<p:sld xmlns:a="http://schemas.openxmlformats.org/drawingml/2006/main" xmlns:r="http://schemas.openxmlformats.org/officeDocument/2006/relationships" xmlns:p="http://schemas.openxmlformats.org/presentationml/2006/main">
+  <p:cSld>
+    <p:spTree>
+      <p:nvGrpSpPr>
+        <p:cNvPr id="1" name=""/>
+        <p:cNvGrpSpPr/>
+        <p:nvPr/>
+      </p:nvGrpSpPr>
+      <p:grpSpPr>
+        <a:xfrm>
+          <a:off x="0" y="0"/>
+          <a:ext cx="0" cy="0"/>
+          <a:chOff x="0" y="0"/>
+          <a:chExt cx="0" cy="0"/>
+        </a:xfrm>
+      </p:grpSpPr>
+      <p:sp>
+        <p:nvSpPr>
+          <p:cNvPr id="2" name="Title 1">
+            <a:extLst>
+              <a:ext uri="{FF2B5EF4-FFF2-40B4-BE49-F238E27FC236}">
+                <a16:creationId xmlns:a16="http://schemas.microsoft.com/office/drawing/2014/main" id="{23C95552-8BC1-93DA-DE30-558A300CBB2E}"/>
+              </a:ext>
+            </a:extLst>
+          </p:cNvPr>
+          <p:cNvSpPr>
+            <a:spLocks noGrp="1"/>
+          </p:cNvSpPr>
+          <p:nvPr>
+            <p:ph type="title"/>
+          </p:nvPr>
+        </p:nvSpPr>
+        <p:spPr/>
+        <p:txBody>
+          <a:bodyPr/>
+          <a:lstStyle/>
+          <a:p>
+            <a:r>
+              <a:rPr lang="en-US" dirty="0"/>
+              <a:t>Grammar</a:t>
+            </a:r>
+          </a:p>
+        </p:txBody>
+      </p:sp>
+      <p:sp>
+        <p:nvSpPr>
+          <p:cNvPr id="3" name="Content Placeholder 2">
+            <a:extLst>
+              <a:ext uri="{FF2B5EF4-FFF2-40B4-BE49-F238E27FC236}">
+                <a16:creationId xmlns:a16="http://schemas.microsoft.com/office/drawing/2014/main" id="{12CFA895-D5C5-29E2-91EF-E502DA215E20}"/>
+              </a:ext>
+            </a:extLst>
+          </p:cNvPr>
+          <p:cNvSpPr>
+            <a:spLocks noGrp="1"/>
+          </p:cNvSpPr>
+          <p:nvPr>
+            <p:ph idx="1"/>
+          </p:nvPr>
+        </p:nvSpPr>
+        <p:spPr/>
+        <p:txBody>
+          <a:bodyPr/>
+          <a:lstStyle/>
+          <a:p>
+            <a:r>
+              <a:rPr lang="en-US" dirty="0"/>
+              <a:t>Def of </a:t>
+            </a:r>
+            <a:r>
+              <a:rPr lang="en-US" dirty="0" err="1"/>
+              <a:t>Greibach</a:t>
+            </a:r>
+            <a:r>
+              <a:rPr lang="en-US" dirty="0"/>
+              <a:t> Normal Form grammar.</a:t>
+            </a:r>
+          </a:p>
+        </p:txBody>
+      </p:sp>
+    </p:spTree>
+    <p:extLst>
+      <p:ext uri="{BB962C8B-B14F-4D97-AF65-F5344CB8AC3E}">
+        <p14:creationId xmlns:p14="http://schemas.microsoft.com/office/powerpoint/2010/main" val="767946124"/>
+      </p:ext>
+    </p:extLst>
+  </p:cSld>
+  <p:clrMapOvr>
+    <a:masterClrMapping/>
+  </p:clrMapOvr>
+</p:sld>
+</file>
+
+<file path=ppt/slides/slide16.xml><?xml version="1.0" encoding="utf-8"?>
+<p:sld xmlns:a="http://schemas.openxmlformats.org/drawingml/2006/main" xmlns:r="http://schemas.openxmlformats.org/officeDocument/2006/relationships" xmlns:p="http://schemas.openxmlformats.org/presentationml/2006/main">
+  <p:cSld>
+    <p:spTree>
+      <p:nvGrpSpPr>
+        <p:cNvPr id="1" name=""/>
+        <p:cNvGrpSpPr/>
+        <p:nvPr/>
+      </p:nvGrpSpPr>
+      <p:grpSpPr>
+        <a:xfrm>
+          <a:off x="0" y="0"/>
+          <a:ext cx="0" cy="0"/>
+          <a:chOff x="0" y="0"/>
+          <a:chExt cx="0" cy="0"/>
+        </a:xfrm>
+      </p:grpSpPr>
+      <p:sp>
+        <p:nvSpPr>
+          <p:cNvPr id="2" name="Title 1">
+            <a:extLst>
+              <a:ext uri="{FF2B5EF4-FFF2-40B4-BE49-F238E27FC236}">
                 <a16:creationId xmlns:a16="http://schemas.microsoft.com/office/drawing/2014/main" id="{73F290E7-8600-8B82-45B1-9EAA0BBA9022}"/>
               </a:ext>
             </a:extLst>
@@ -5338,7 +6132,7 @@
 </p:sld>
 </file>
 
-<file path=ppt/slides/slide11.xml><?xml version="1.0" encoding="utf-8"?>
+<file path=ppt/slides/slide17.xml><?xml version="1.0" encoding="utf-8"?>
 <p:sld xmlns:a="http://schemas.openxmlformats.org/drawingml/2006/main" xmlns:r="http://schemas.openxmlformats.org/officeDocument/2006/relationships" xmlns:p="http://schemas.openxmlformats.org/presentationml/2006/main">
   <p:cSld>
     <p:spTree>
@@ -5406,7 +6200,7 @@
           <a:p>
             <a:r>
               <a:rPr lang="en-US" dirty="0"/>
-              <a:t>Show rules and then example.</a:t>
+              <a:t>Show rules and then example (maybe another slide).</a:t>
             </a:r>
           </a:p>
         </p:txBody>
@@ -5424,7 +6218,7 @@
 </p:sld>
 </file>
 
-<file path=ppt/slides/slide12.xml><?xml version="1.0" encoding="utf-8"?>
+<file path=ppt/slides/slide18.xml><?xml version="1.0" encoding="utf-8"?>
 <p:sld xmlns:a="http://schemas.openxmlformats.org/drawingml/2006/main" xmlns:r="http://schemas.openxmlformats.org/officeDocument/2006/relationships" xmlns:p="http://schemas.openxmlformats.org/presentationml/2006/main">
   <p:cSld>
     <p:spTree>
@@ -5493,7 +6287,7 @@
         </p:blipFill>
         <p:spPr>
           <a:xfrm>
-            <a:off x="2311400" y="2667794"/>
+            <a:off x="2311400" y="2940946"/>
             <a:ext cx="7569200" cy="2667000"/>
           </a:xfrm>
           <a:prstGeom prst="rect">
@@ -5501,6 +6295,66 @@
           </a:prstGeom>
         </p:spPr>
       </p:pic>
+      <p:sp>
+        <p:nvSpPr>
+          <p:cNvPr id="6" name="TextBox 5">
+            <a:extLst>
+              <a:ext uri="{FF2B5EF4-FFF2-40B4-BE49-F238E27FC236}">
+                <a16:creationId xmlns:a16="http://schemas.microsoft.com/office/drawing/2014/main" id="{CEE4D1BE-D6DF-CC77-0161-62A53795530E}"/>
+              </a:ext>
+            </a:extLst>
+          </p:cNvPr>
+          <p:cNvSpPr txBox="1"/>
+          <p:nvPr/>
+        </p:nvSpPr>
+        <p:spPr>
+          <a:xfrm>
+            <a:off x="3047172" y="2131151"/>
+            <a:ext cx="6097656" cy="369332"/>
+          </a:xfrm>
+          <a:prstGeom prst="rect">
+            <a:avLst/>
+          </a:prstGeom>
+          <a:noFill/>
+        </p:spPr>
+        <p:txBody>
+          <a:bodyPr wrap="square">
+            <a:spAutoFit/>
+          </a:bodyPr>
+          <a:lstStyle/>
+          <a:p>
+            <a:pPr marL="0" marR="0" lvl="0" indent="0" algn="l" defTabSz="914400" rtl="0" eaLnBrk="1" fontAlgn="auto" latinLnBrk="0" hangingPunct="1">
+              <a:lnSpc>
+                <a:spcPct val="100000"/>
+              </a:lnSpc>
+              <a:spcBef>
+                <a:spcPts val="0"/>
+              </a:spcBef>
+              <a:spcAft>
+                <a:spcPts val="0"/>
+              </a:spcAft>
+              <a:buClrTx/>
+              <a:buSzTx/>
+              <a:buFontTx/>
+              <a:buNone/>
+              <a:tabLst/>
+              <a:defRPr/>
+            </a:pPr>
+            <a:r>
+              <a:rPr lang="en-US" dirty="0"/>
+              <a:t>Syntax -&gt; Generate types -&gt; properties -&gt; run (</a:t>
+            </a:r>
+            <a:r>
+              <a:rPr lang="en-US" dirty="0" err="1"/>
+              <a:t>grafico</a:t>
+            </a:r>
+            <a:r>
+              <a:rPr lang="en-US" dirty="0"/>
+              <a:t>)</a:t>
+            </a:r>
+          </a:p>
+        </p:txBody>
+      </p:sp>
     </p:spTree>
     <p:extLst>
       <p:ext uri="{BB962C8B-B14F-4D97-AF65-F5344CB8AC3E}">
@@ -5514,7 +6368,7 @@
 </p:sld>
 </file>
 
-<file path=ppt/slides/slide13.xml><?xml version="1.0" encoding="utf-8"?>
+<file path=ppt/slides/slide19.xml><?xml version="1.0" encoding="utf-8"?>
 <p:sld xmlns:a="http://schemas.openxmlformats.org/drawingml/2006/main" xmlns:r="http://schemas.openxmlformats.org/officeDocument/2006/relationships" xmlns:p="http://schemas.openxmlformats.org/presentationml/2006/main">
   <p:cSld>
     <p:spTree>
@@ -6422,7 +7276,7 @@
           <p:cNvPr id="2" name="Title 1">
             <a:extLst>
               <a:ext uri="{FF2B5EF4-FFF2-40B4-BE49-F238E27FC236}">
-                <a16:creationId xmlns:a16="http://schemas.microsoft.com/office/drawing/2014/main" id="{C7022B3D-6934-BB07-DE35-067EDF176C6A}"/>
+                <a16:creationId xmlns:a16="http://schemas.microsoft.com/office/drawing/2014/main" id="{F12E4F3F-4759-520C-DFDA-A2C0085C5A51}"/>
               </a:ext>
             </a:extLst>
           </p:cNvPr>
@@ -6438,42 +7292,42 @@
           <a:bodyPr/>
           <a:lstStyle/>
           <a:p>
+            <a:endParaRPr lang="en-US" dirty="0"/>
+          </a:p>
+        </p:txBody>
+      </p:sp>
+      <p:sp>
+        <p:nvSpPr>
+          <p:cNvPr id="3" name="Content Placeholder 2">
+            <a:extLst>
+              <a:ext uri="{FF2B5EF4-FFF2-40B4-BE49-F238E27FC236}">
+                <a16:creationId xmlns:a16="http://schemas.microsoft.com/office/drawing/2014/main" id="{AE4B1BAD-7DC7-06CE-F28C-266429B33F42}"/>
+              </a:ext>
+            </a:extLst>
+          </p:cNvPr>
+          <p:cNvSpPr>
+            <a:spLocks noGrp="1"/>
+          </p:cNvSpPr>
+          <p:nvPr>
+            <p:ph idx="1"/>
+          </p:nvPr>
+        </p:nvSpPr>
+        <p:spPr/>
+        <p:txBody>
+          <a:bodyPr/>
+          <a:lstStyle/>
+          <a:p>
             <a:r>
               <a:rPr lang="en-US" dirty="0"/>
-              <a:t>Weak Head Normal Form</a:t>
-            </a:r>
-          </a:p>
-        </p:txBody>
-      </p:sp>
-      <p:sp>
-        <p:nvSpPr>
-          <p:cNvPr id="3" name="Content Placeholder 2">
-            <a:extLst>
-              <a:ext uri="{FF2B5EF4-FFF2-40B4-BE49-F238E27FC236}">
-                <a16:creationId xmlns:a16="http://schemas.microsoft.com/office/drawing/2014/main" id="{1666BB2C-1CC4-5E6F-B030-0D8D04D1566A}"/>
-              </a:ext>
-            </a:extLst>
-          </p:cNvPr>
-          <p:cNvSpPr>
-            <a:spLocks noGrp="1"/>
-          </p:cNvSpPr>
-          <p:nvPr>
-            <p:ph idx="1"/>
-          </p:nvPr>
-        </p:nvSpPr>
-        <p:spPr/>
-        <p:txBody>
-          <a:bodyPr/>
-          <a:lstStyle/>
-          <a:p>
-            <a:endParaRPr lang="en-US" dirty="0"/>
+              <a:t>Not all types are of interest (maybe this slide with example)</a:t>
+            </a:r>
           </a:p>
         </p:txBody>
       </p:sp>
     </p:spTree>
     <p:extLst>
       <p:ext uri="{BB962C8B-B14F-4D97-AF65-F5344CB8AC3E}">
-        <p14:creationId xmlns:p14="http://schemas.microsoft.com/office/powerpoint/2010/main" val="148421486"/>
+        <p14:creationId xmlns:p14="http://schemas.microsoft.com/office/powerpoint/2010/main" val="2792090261"/>
       </p:ext>
     </p:extLst>
   </p:cSld>
@@ -6505,7 +7359,7 @@
           <p:cNvPr id="2" name="Title 1">
             <a:extLst>
               <a:ext uri="{FF2B5EF4-FFF2-40B4-BE49-F238E27FC236}">
-                <a16:creationId xmlns:a16="http://schemas.microsoft.com/office/drawing/2014/main" id="{10846857-EF7F-FDE7-7DFC-CA9A00B64219}"/>
+                <a16:creationId xmlns:a16="http://schemas.microsoft.com/office/drawing/2014/main" id="{C7022B3D-6934-BB07-DE35-067EDF176C6A}"/>
               </a:ext>
             </a:extLst>
           </p:cNvPr>
@@ -6523,7 +7377,7 @@
           <a:p>
             <a:r>
               <a:rPr lang="en-US" dirty="0"/>
-              <a:t>Type Formation</a:t>
+              <a:t>Weak Head Normal Form</a:t>
             </a:r>
           </a:p>
         </p:txBody>
@@ -6533,7 +7387,7 @@
           <p:cNvPr id="3" name="Content Placeholder 2">
             <a:extLst>
               <a:ext uri="{FF2B5EF4-FFF2-40B4-BE49-F238E27FC236}">
-                <a16:creationId xmlns:a16="http://schemas.microsoft.com/office/drawing/2014/main" id="{06B8790A-69B4-26B7-3A15-AD02030BDC95}"/>
+                <a16:creationId xmlns:a16="http://schemas.microsoft.com/office/drawing/2014/main" id="{1666BB2C-1CC4-5E6F-B030-0D8D04D1566A}"/>
               </a:ext>
             </a:extLst>
           </p:cNvPr>
@@ -6549,14 +7403,37 @@
           <a:bodyPr/>
           <a:lstStyle/>
           <a:p>
-            <a:endParaRPr lang="en-US"/>
+            <a:r>
+              <a:rPr lang="en-US" dirty="0"/>
+              <a:t>Show </a:t>
+            </a:r>
+            <a:r>
+              <a:rPr lang="en-US" dirty="0" err="1"/>
+              <a:t>Poças</a:t>
+            </a:r>
+            <a:r>
+              <a:rPr lang="en-US" dirty="0"/>
+              <a:t> paper rules and add the new proviso for confluence</a:t>
+            </a:r>
+          </a:p>
+          <a:p>
+            <a:r>
+              <a:rPr lang="en-US" dirty="0"/>
+              <a:t>[Confluence] (maybe a lattice figure)</a:t>
+            </a:r>
+          </a:p>
+          <a:p>
+            <a:endParaRPr lang="en-US" dirty="0"/>
+          </a:p>
+          <a:p>
+            <a:endParaRPr lang="en-US" dirty="0"/>
           </a:p>
         </p:txBody>
       </p:sp>
     </p:spTree>
     <p:extLst>
       <p:ext uri="{BB962C8B-B14F-4D97-AF65-F5344CB8AC3E}">
-        <p14:creationId xmlns:p14="http://schemas.microsoft.com/office/powerpoint/2010/main" val="253577171"/>
+        <p14:creationId xmlns:p14="http://schemas.microsoft.com/office/powerpoint/2010/main" val="148421486"/>
       </p:ext>
     </p:extLst>
   </p:cSld>
@@ -6588,7 +7465,7 @@
           <p:cNvPr id="2" name="Title 1">
             <a:extLst>
               <a:ext uri="{FF2B5EF4-FFF2-40B4-BE49-F238E27FC236}">
-                <a16:creationId xmlns:a16="http://schemas.microsoft.com/office/drawing/2014/main" id="{A79A43C0-F6B2-DC18-78D9-138F9CD644C9}"/>
+                <a16:creationId xmlns:a16="http://schemas.microsoft.com/office/drawing/2014/main" id="{EE819FAB-DAF9-C91F-43A2-AA60B00B03F3}"/>
               </a:ext>
             </a:extLst>
           </p:cNvPr>
@@ -6605,42 +7482,72 @@
           <a:lstStyle/>
           <a:p>
             <a:r>
+              <a:rPr lang="en-US" dirty="0"/>
+              <a:t>Concepts</a:t>
+            </a:r>
+          </a:p>
+        </p:txBody>
+      </p:sp>
+      <p:sp>
+        <p:nvSpPr>
+          <p:cNvPr id="3" name="Content Placeholder 2">
+            <a:extLst>
+              <a:ext uri="{FF2B5EF4-FFF2-40B4-BE49-F238E27FC236}">
+                <a16:creationId xmlns:a16="http://schemas.microsoft.com/office/drawing/2014/main" id="{B89664EF-9C63-5ED5-8513-8A4EA9C235BA}"/>
+              </a:ext>
+            </a:extLst>
+          </p:cNvPr>
+          <p:cNvSpPr>
+            <a:spLocks noGrp="1"/>
+          </p:cNvSpPr>
+          <p:nvPr>
+            <p:ph idx="1"/>
+          </p:nvPr>
+        </p:nvSpPr>
+        <p:spPr/>
+        <p:txBody>
+          <a:bodyPr/>
+          <a:lstStyle/>
+          <a:p>
+            <a:r>
+              <a:rPr lang="en-US" dirty="0"/>
+              <a:t>Def: normal form ( T </a:t>
+            </a:r>
+            <a:r>
               <a:rPr lang="en-US" dirty="0" err="1"/>
-              <a:t>Normalisation</a:t>
-            </a:r>
-            <a:endParaRPr lang="en-US" dirty="0"/>
-          </a:p>
-        </p:txBody>
-      </p:sp>
-      <p:sp>
-        <p:nvSpPr>
-          <p:cNvPr id="3" name="Content Placeholder 2">
-            <a:extLst>
-              <a:ext uri="{FF2B5EF4-FFF2-40B4-BE49-F238E27FC236}">
-                <a16:creationId xmlns:a16="http://schemas.microsoft.com/office/drawing/2014/main" id="{32099FD1-A2EA-C0FD-569E-539AA3083B11}"/>
-              </a:ext>
-            </a:extLst>
-          </p:cNvPr>
-          <p:cNvSpPr>
-            <a:spLocks noGrp="1"/>
-          </p:cNvSpPr>
-          <p:nvPr>
-            <p:ph idx="1"/>
-          </p:nvPr>
-        </p:nvSpPr>
-        <p:spPr/>
-        <p:txBody>
-          <a:bodyPr/>
-          <a:lstStyle/>
-          <a:p>
-            <a:endParaRPr lang="en-US"/>
+              <a:t>whnf</a:t>
+            </a:r>
+            <a:r>
+              <a:rPr lang="en-US" dirty="0"/>
+              <a:t>)</a:t>
+            </a:r>
+          </a:p>
+          <a:p>
+            <a:r>
+              <a:rPr lang="en-US" dirty="0"/>
+              <a:t>Def: norm (T norm)</a:t>
+            </a:r>
+          </a:p>
+          <a:p>
+            <a:r>
+              <a:rPr lang="en-US" dirty="0"/>
+              <a:t>Example of a type that does not </a:t>
+            </a:r>
+            <a:r>
+              <a:rPr lang="en-US" dirty="0" err="1"/>
+              <a:t>normalise</a:t>
+            </a:r>
+            <a:r>
+              <a:rPr lang="en-US" dirty="0"/>
+              <a:t> (maybe another slide)</a:t>
+            </a:r>
           </a:p>
         </p:txBody>
       </p:sp>
     </p:spTree>
     <p:extLst>
       <p:ext uri="{BB962C8B-B14F-4D97-AF65-F5344CB8AC3E}">
-        <p14:creationId xmlns:p14="http://schemas.microsoft.com/office/powerpoint/2010/main" val="2069511883"/>
+        <p14:creationId xmlns:p14="http://schemas.microsoft.com/office/powerpoint/2010/main" val="3497057091"/>
       </p:ext>
     </p:extLst>
   </p:cSld>
@@ -6672,7 +7579,7 @@
           <p:cNvPr id="2" name="Title 1">
             <a:extLst>
               <a:ext uri="{FF2B5EF4-FFF2-40B4-BE49-F238E27FC236}">
-                <a16:creationId xmlns:a16="http://schemas.microsoft.com/office/drawing/2014/main" id="{9D558800-1DD1-5FAD-B1DD-9D3C42FC97AF}"/>
+                <a16:creationId xmlns:a16="http://schemas.microsoft.com/office/drawing/2014/main" id="{10846857-EF7F-FDE7-7DFC-CA9A00B64219}"/>
               </a:ext>
             </a:extLst>
           </p:cNvPr>
@@ -6690,7 +7597,7 @@
           <a:p>
             <a:r>
               <a:rPr lang="en-US" dirty="0"/>
-              <a:t>Recursive types</a:t>
+              <a:t>Type Formation</a:t>
             </a:r>
           </a:p>
         </p:txBody>
@@ -6700,7 +7607,7 @@
           <p:cNvPr id="3" name="Content Placeholder 2">
             <a:extLst>
               <a:ext uri="{FF2B5EF4-FFF2-40B4-BE49-F238E27FC236}">
-                <a16:creationId xmlns:a16="http://schemas.microsoft.com/office/drawing/2014/main" id="{7EE6CA53-DA1E-1389-FB61-ACE2427C9D89}"/>
+                <a16:creationId xmlns:a16="http://schemas.microsoft.com/office/drawing/2014/main" id="{06B8790A-69B4-26B7-3A15-AD02030BDC95}"/>
               </a:ext>
             </a:extLst>
           </p:cNvPr>
@@ -6716,14 +7623,31 @@
           <a:bodyPr/>
           <a:lstStyle/>
           <a:p>
-            <a:endParaRPr lang="en-US"/>
+            <a:r>
+              <a:rPr lang="en-US" dirty="0"/>
+              <a:t>Show rules</a:t>
+            </a:r>
+          </a:p>
+          <a:p>
+            <a:r>
+              <a:rPr lang="en-US" dirty="0"/>
+              <a:t>(but we just saw that some types do not </a:t>
+            </a:r>
+            <a:r>
+              <a:rPr lang="en-US" dirty="0" err="1"/>
+              <a:t>normalise</a:t>
+            </a:r>
+            <a:r>
+              <a:rPr lang="en-US" dirty="0"/>
+              <a:t>) -&gt; decidability of type formation</a:t>
+            </a:r>
           </a:p>
         </p:txBody>
       </p:sp>
     </p:spTree>
     <p:extLst>
       <p:ext uri="{BB962C8B-B14F-4D97-AF65-F5344CB8AC3E}">
-        <p14:creationId xmlns:p14="http://schemas.microsoft.com/office/powerpoint/2010/main" val="4286783048"/>
+        <p14:creationId xmlns:p14="http://schemas.microsoft.com/office/powerpoint/2010/main" val="253577171"/>
       </p:ext>
     </p:extLst>
   </p:cSld>
